--- a/Intro HTML & CSS.pptx
+++ b/Intro HTML & CSS.pptx
@@ -5,10 +5,10 @@
     <p:sldMasterId id="2147483648" r:id="rId4"/>
   </p:sldMasterIdLst>
   <p:notesMasterIdLst>
-    <p:notesMasterId r:id="rId17"/>
+    <p:notesMasterId r:id="rId18"/>
   </p:notesMasterIdLst>
   <p:handoutMasterIdLst>
-    <p:handoutMasterId r:id="rId18"/>
+    <p:handoutMasterId r:id="rId19"/>
   </p:handoutMasterIdLst>
   <p:sldIdLst>
     <p:sldId id="317" r:id="rId5"/>
@@ -21,8 +21,9 @@
     <p:sldId id="322" r:id="rId12"/>
     <p:sldId id="319" r:id="rId13"/>
     <p:sldId id="325" r:id="rId14"/>
-    <p:sldId id="323" r:id="rId15"/>
-    <p:sldId id="314" r:id="rId16"/>
+    <p:sldId id="326" r:id="rId15"/>
+    <p:sldId id="323" r:id="rId16"/>
+    <p:sldId id="314" r:id="rId17"/>
   </p:sldIdLst>
   <p:sldSz cx="12192000" cy="6858000"/>
   <p:notesSz cx="6858000" cy="9144000"/>
@@ -404,6 +405,110 @@
 </file>
 
 <file path=ppt/ink/ink4.xml><?xml version="1.0" encoding="utf-8"?>
+<inkml:ink xmlns:inkml="http://www.w3.org/2003/InkML">
+  <inkml:definitions>
+    <inkml:context xml:id="ctx0">
+      <inkml:inkSource xml:id="inkSrc0">
+        <inkml:traceFormat>
+          <inkml:channel name="X" type="integer" min="-2.14748E9" max="2.14748E9" units="cm"/>
+          <inkml:channel name="Y" type="integer" min="-2.14748E9" max="2.14748E9" units="cm"/>
+        </inkml:traceFormat>
+        <inkml:channelProperties>
+          <inkml:channelProperty channel="X" name="resolution" value="1000" units="1/cm"/>
+          <inkml:channelProperty channel="Y" name="resolution" value="1000" units="1/cm"/>
+        </inkml:channelProperties>
+      </inkml:inkSource>
+      <inkml:timestamp xml:id="ts0" timeString="2025-12-04T19:47:49.327"/>
+    </inkml:context>
+    <inkml:brush xml:id="br0">
+      <inkml:brushProperty name="width" value="0.035" units="cm"/>
+      <inkml:brushProperty name="height" value="0.035" units="cm"/>
+      <inkml:brushProperty name="ignorePressure" value="1"/>
+    </inkml:brush>
+  </inkml:definitions>
+  <inkml:trace contextRef="#ctx0" brushRef="#br0">0 0,'763'763,"-758"-758</inkml:trace>
+</inkml:ink>
+</file>
+
+<file path=ppt/ink/ink5.xml><?xml version="1.0" encoding="utf-8"?>
+<inkml:ink xmlns:inkml="http://www.w3.org/2003/InkML">
+  <inkml:definitions>
+    <inkml:context xml:id="ctx0">
+      <inkml:inkSource xml:id="inkSrc0">
+        <inkml:traceFormat>
+          <inkml:channel name="X" type="integer" min="-2.14748E9" max="2.14748E9" units="cm"/>
+          <inkml:channel name="Y" type="integer" min="-2.14748E9" max="2.14748E9" units="cm"/>
+        </inkml:traceFormat>
+        <inkml:channelProperties>
+          <inkml:channelProperty channel="X" name="resolution" value="1000" units="1/cm"/>
+          <inkml:channelProperty channel="Y" name="resolution" value="1000" units="1/cm"/>
+        </inkml:channelProperties>
+      </inkml:inkSource>
+      <inkml:timestamp xml:id="ts0" timeString="2025-12-04T19:46:07.794"/>
+    </inkml:context>
+    <inkml:brush xml:id="br0">
+      <inkml:brushProperty name="width" value="0.035" units="cm"/>
+      <inkml:brushProperty name="height" value="0.035" units="cm"/>
+      <inkml:brushProperty name="ignorePressure" value="1"/>
+    </inkml:brush>
+  </inkml:definitions>
+  <inkml:trace contextRef="#ctx0" brushRef="#br0">0 0,'763'763,"-758"-758</inkml:trace>
+</inkml:ink>
+</file>
+
+<file path=ppt/ink/ink6.xml><?xml version="1.0" encoding="utf-8"?>
+<inkml:ink xmlns:inkml="http://www.w3.org/2003/InkML">
+  <inkml:definitions>
+    <inkml:context xml:id="ctx0">
+      <inkml:inkSource xml:id="inkSrc0">
+        <inkml:traceFormat>
+          <inkml:channel name="X" type="integer" min="-2.14748E9" max="2.14748E9" units="cm"/>
+          <inkml:channel name="Y" type="integer" min="-2.14748E9" max="2.14748E9" units="cm"/>
+        </inkml:traceFormat>
+        <inkml:channelProperties>
+          <inkml:channelProperty channel="X" name="resolution" value="1000" units="1/cm"/>
+          <inkml:channelProperty channel="Y" name="resolution" value="1000" units="1/cm"/>
+        </inkml:channelProperties>
+      </inkml:inkSource>
+      <inkml:timestamp xml:id="ts0" timeString="2025-12-04T19:47:07.531"/>
+    </inkml:context>
+    <inkml:brush xml:id="br0">
+      <inkml:brushProperty name="width" value="0.035" units="cm"/>
+      <inkml:brushProperty name="height" value="0.035" units="cm"/>
+      <inkml:brushProperty name="ignorePressure" value="1"/>
+    </inkml:brush>
+  </inkml:definitions>
+  <inkml:trace contextRef="#ctx0" brushRef="#br0">0 1,'892'891,"-887"-885</inkml:trace>
+</inkml:ink>
+</file>
+
+<file path=ppt/ink/ink7.xml><?xml version="1.0" encoding="utf-8"?>
+<inkml:ink xmlns:inkml="http://www.w3.org/2003/InkML">
+  <inkml:definitions>
+    <inkml:context xml:id="ctx0">
+      <inkml:inkSource xml:id="inkSrc0">
+        <inkml:traceFormat>
+          <inkml:channel name="X" type="integer" min="-2.14748E9" max="2.14748E9" units="cm"/>
+          <inkml:channel name="Y" type="integer" min="-2.14748E9" max="2.14748E9" units="cm"/>
+        </inkml:traceFormat>
+        <inkml:channelProperties>
+          <inkml:channelProperty channel="X" name="resolution" value="1000" units="1/cm"/>
+          <inkml:channelProperty channel="Y" name="resolution" value="1000" units="1/cm"/>
+        </inkml:channelProperties>
+      </inkml:inkSource>
+      <inkml:timestamp xml:id="ts0" timeString="2025-12-04T19:47:17.607"/>
+    </inkml:context>
+    <inkml:brush xml:id="br0">
+      <inkml:brushProperty name="width" value="0.035" units="cm"/>
+      <inkml:brushProperty name="height" value="0.035" units="cm"/>
+      <inkml:brushProperty name="ignorePressure" value="1"/>
+    </inkml:brush>
+  </inkml:definitions>
+  <inkml:trace contextRef="#ctx0" brushRef="#br0">0 0,'703'703,"-699"-699</inkml:trace>
+</inkml:ink>
+</file>
+
+<file path=ppt/ink/ink8.xml><?xml version="1.0" encoding="utf-8"?>
 <inkml:ink xmlns:inkml="http://www.w3.org/2003/InkML">
   <inkml:definitions>
     <inkml:context xml:id="ctx0">
@@ -1036,6 +1141,124 @@
         <p:cNvPr id="1" name="">
           <a:extLst>
             <a:ext uri="{FF2B5EF4-FFF2-40B4-BE49-F238E27FC236}">
+              <a16:creationId xmlns:a16="http://schemas.microsoft.com/office/drawing/2014/main" id="{A297A3C4-9EDB-DD2A-96D3-BE2C81E92A26}"/>
+            </a:ext>
+          </a:extLst>
+        </p:cNvPr>
+        <p:cNvGrpSpPr/>
+        <p:nvPr/>
+      </p:nvGrpSpPr>
+      <p:grpSpPr>
+        <a:xfrm>
+          <a:off x="0" y="0"/>
+          <a:ext cx="0" cy="0"/>
+          <a:chOff x="0" y="0"/>
+          <a:chExt cx="0" cy="0"/>
+        </a:xfrm>
+      </p:grpSpPr>
+      <p:sp>
+        <p:nvSpPr>
+          <p:cNvPr id="2" name="Folienbildplatzhalter 1">
+            <a:extLst>
+              <a:ext uri="{FF2B5EF4-FFF2-40B4-BE49-F238E27FC236}">
+                <a16:creationId xmlns:a16="http://schemas.microsoft.com/office/drawing/2014/main" id="{A23F9094-AE8A-3BD9-24A6-2B40DD929DE7}"/>
+              </a:ext>
+            </a:extLst>
+          </p:cNvPr>
+          <p:cNvSpPr>
+            <a:spLocks noGrp="1" noRot="1" noChangeAspect="1"/>
+          </p:cNvSpPr>
+          <p:nvPr>
+            <p:ph type="sldImg"/>
+          </p:nvPr>
+        </p:nvSpPr>
+        <p:spPr/>
+      </p:sp>
+      <p:sp>
+        <p:nvSpPr>
+          <p:cNvPr id="3" name="Notizenplatzhalter 2">
+            <a:extLst>
+              <a:ext uri="{FF2B5EF4-FFF2-40B4-BE49-F238E27FC236}">
+                <a16:creationId xmlns:a16="http://schemas.microsoft.com/office/drawing/2014/main" id="{F8A2494C-EBB7-218F-A095-5B3C26B58C91}"/>
+              </a:ext>
+            </a:extLst>
+          </p:cNvPr>
+          <p:cNvSpPr>
+            <a:spLocks noGrp="1"/>
+          </p:cNvSpPr>
+          <p:nvPr>
+            <p:ph type="body" idx="1"/>
+          </p:nvPr>
+        </p:nvSpPr>
+        <p:spPr/>
+        <p:txBody>
+          <a:bodyPr rtlCol="0"/>
+          <a:lstStyle>
+            <a:defPPr>
+              <a:defRPr lang="de-DE"/>
+            </a:defPPr>
+          </a:lstStyle>
+          <a:p>
+            <a:pPr rtl="0"/>
+            <a:endParaRPr lang="de-DE" dirty="0"/>
+          </a:p>
+        </p:txBody>
+      </p:sp>
+      <p:sp>
+        <p:nvSpPr>
+          <p:cNvPr id="4" name="Foliennummernplatzhalter 3">
+            <a:extLst>
+              <a:ext uri="{FF2B5EF4-FFF2-40B4-BE49-F238E27FC236}">
+                <a16:creationId xmlns:a16="http://schemas.microsoft.com/office/drawing/2014/main" id="{320FED37-A60A-FC8C-2CB0-33027B31EE2E}"/>
+              </a:ext>
+            </a:extLst>
+          </p:cNvPr>
+          <p:cNvSpPr>
+            <a:spLocks noGrp="1"/>
+          </p:cNvSpPr>
+          <p:nvPr>
+            <p:ph type="sldNum" sz="quarter" idx="5"/>
+          </p:nvPr>
+        </p:nvSpPr>
+        <p:spPr/>
+        <p:txBody>
+          <a:bodyPr rtlCol="0"/>
+          <a:lstStyle>
+            <a:defPPr>
+              <a:defRPr lang="de-DE"/>
+            </a:defPPr>
+          </a:lstStyle>
+          <a:p>
+            <a:pPr rtl="0"/>
+            <a:fld id="{7C366290-4595-5745-A50F-D5EC13BAC604}" type="slidenum">
+              <a:rPr lang="de-DE" noProof="0" smtClean="0"/>
+              <a:t>11</a:t>
+            </a:fld>
+            <a:endParaRPr lang="de-DE" noProof="0" dirty="0"/>
+          </a:p>
+        </p:txBody>
+      </p:sp>
+    </p:spTree>
+    <p:extLst>
+      <p:ext uri="{BB962C8B-B14F-4D97-AF65-F5344CB8AC3E}">
+        <p14:creationId xmlns:p14="http://schemas.microsoft.com/office/powerpoint/2010/main" val="2960719786"/>
+      </p:ext>
+    </p:extLst>
+  </p:cSld>
+  <p:clrMapOvr>
+    <a:masterClrMapping/>
+  </p:clrMapOvr>
+</p:notes>
+</file>
+
+<file path=ppt/notesSlides/notesSlide12.xml><?xml version="1.0" encoding="utf-8"?>
+<p:notes xmlns:a="http://schemas.openxmlformats.org/drawingml/2006/main" xmlns:r="http://schemas.openxmlformats.org/officeDocument/2006/relationships" xmlns:p="http://schemas.openxmlformats.org/presentationml/2006/main">
+  <p:cSld>
+    <p:spTree>
+      <p:nvGrpSpPr>
+        <p:cNvPr id="1" name="">
+          <a:extLst>
+            <a:ext uri="{FF2B5EF4-FFF2-40B4-BE49-F238E27FC236}">
               <a16:creationId xmlns:a16="http://schemas.microsoft.com/office/drawing/2014/main" id="{F2526597-B7EC-AA4F-CC14-92D0DED2512B}"/>
             </a:ext>
           </a:extLst>
@@ -1127,7 +1350,7 @@
             <a:pPr rtl="0"/>
             <a:fld id="{7C366290-4595-5745-A50F-D5EC13BAC604}" type="slidenum">
               <a:rPr lang="de-DE" noProof="0" smtClean="0"/>
-              <a:t>11</a:t>
+              <a:t>12</a:t>
             </a:fld>
             <a:endParaRPr lang="de-DE" noProof="0" dirty="0"/>
           </a:p>
@@ -1146,7 +1369,7 @@
 </p:notes>
 </file>
 
-<file path=ppt/notesSlides/notesSlide12.xml><?xml version="1.0" encoding="utf-8"?>
+<file path=ppt/notesSlides/notesSlide13.xml><?xml version="1.0" encoding="utf-8"?>
 <p:notes xmlns:a="http://schemas.openxmlformats.org/drawingml/2006/main" xmlns:r="http://schemas.openxmlformats.org/officeDocument/2006/relationships" xmlns:p="http://schemas.openxmlformats.org/presentationml/2006/main">
   <p:cSld>
     <p:spTree>
@@ -1221,7 +1444,7 @@
             <a:pPr rtl="0"/>
             <a:fld id="{7C366290-4595-5745-A50F-D5EC13BAC604}" type="slidenum">
               <a:rPr lang="de-DE" noProof="0" smtClean="0"/>
-              <a:t>12</a:t>
+              <a:t>13</a:t>
             </a:fld>
             <a:endParaRPr lang="de-DE" noProof="0" dirty="0"/>
           </a:p>
@@ -28510,6 +28733,483 @@
         <p:cNvPr id="1" name="">
           <a:extLst>
             <a:ext uri="{FF2B5EF4-FFF2-40B4-BE49-F238E27FC236}">
+              <a16:creationId xmlns:a16="http://schemas.microsoft.com/office/drawing/2014/main" id="{CBA044E9-3751-D960-276F-C7D9A310BECB}"/>
+            </a:ext>
+          </a:extLst>
+        </p:cNvPr>
+        <p:cNvGrpSpPr/>
+        <p:nvPr/>
+      </p:nvGrpSpPr>
+      <p:grpSpPr>
+        <a:xfrm>
+          <a:off x="0" y="0"/>
+          <a:ext cx="0" cy="0"/>
+          <a:chOff x="0" y="0"/>
+          <a:chExt cx="0" cy="0"/>
+        </a:xfrm>
+      </p:grpSpPr>
+      <p:sp>
+        <p:nvSpPr>
+          <p:cNvPr id="19" name="Titel 18">
+            <a:extLst>
+              <a:ext uri="{FF2B5EF4-FFF2-40B4-BE49-F238E27FC236}">
+                <a16:creationId xmlns:a16="http://schemas.microsoft.com/office/drawing/2014/main" id="{2EEA0791-BC18-B8F9-B738-9C6AD8609F2A}"/>
+              </a:ext>
+            </a:extLst>
+          </p:cNvPr>
+          <p:cNvSpPr>
+            <a:spLocks noGrp="1"/>
+          </p:cNvSpPr>
+          <p:nvPr>
+            <p:ph type="title"/>
+          </p:nvPr>
+        </p:nvSpPr>
+        <p:spPr/>
+        <p:txBody>
+          <a:bodyPr rtlCol="0"/>
+          <a:lstStyle>
+            <a:defPPr>
+              <a:defRPr lang="de-DE"/>
+            </a:defPPr>
+          </a:lstStyle>
+          <a:p>
+            <a:pPr rtl="0"/>
+            <a:r>
+              <a:rPr lang="de-DE" dirty="0"/>
+              <a:t>HTML und </a:t>
+            </a:r>
+            <a:r>
+              <a:rPr lang="de-DE"/>
+              <a:t>CSS tags</a:t>
+            </a:r>
+            <a:endParaRPr lang="de-DE" dirty="0"/>
+          </a:p>
+        </p:txBody>
+      </p:sp>
+      <p:sp>
+        <p:nvSpPr>
+          <p:cNvPr id="8" name="Inhaltsplatzhalter 7">
+            <a:extLst>
+              <a:ext uri="{FF2B5EF4-FFF2-40B4-BE49-F238E27FC236}">
+                <a16:creationId xmlns:a16="http://schemas.microsoft.com/office/drawing/2014/main" id="{5677E03A-6A9D-5C4A-24E4-78B3AAFD50FD}"/>
+              </a:ext>
+            </a:extLst>
+          </p:cNvPr>
+          <p:cNvSpPr>
+            <a:spLocks noGrp="1"/>
+          </p:cNvSpPr>
+          <p:nvPr>
+            <p:ph sz="quarter" idx="10"/>
+          </p:nvPr>
+        </p:nvSpPr>
+        <p:spPr>
+          <a:xfrm>
+            <a:off x="914400" y="2039112"/>
+            <a:ext cx="7053943" cy="3356576"/>
+          </a:xfrm>
+        </p:spPr>
+        <p:txBody>
+          <a:bodyPr rtlCol="0">
+            <a:normAutofit/>
+          </a:bodyPr>
+          <a:lstStyle>
+            <a:defPPr>
+              <a:defRPr lang="de-DE"/>
+            </a:defPPr>
+          </a:lstStyle>
+          <a:p>
+            <a:pPr marL="457200" lvl="1" indent="0">
+              <a:buNone/>
+            </a:pPr>
+            <a:endParaRPr lang="de-DE" sz="2200" dirty="0"/>
+          </a:p>
+          <a:p>
+            <a:pPr marL="457200" lvl="1" indent="0" algn="ctr">
+              <a:buNone/>
+            </a:pPr>
+            <a:r>
+              <a:rPr lang="de-DE" sz="3000" dirty="0">
+                <a:solidFill>
+                  <a:srgbClr val="00B050"/>
+                </a:solidFill>
+              </a:rPr>
+              <a:t>&lt;p </a:t>
+            </a:r>
+            <a:r>
+              <a:rPr lang="de-DE" sz="3000" dirty="0">
+                <a:solidFill>
+                  <a:schemeClr val="tx2">
+                    <a:lumMod val="75000"/>
+                  </a:schemeClr>
+                </a:solidFill>
+              </a:rPr>
+              <a:t>(</a:t>
+            </a:r>
+            <a:r>
+              <a:rPr lang="de-DE" sz="3000" dirty="0" err="1">
+                <a:solidFill>
+                  <a:schemeClr val="tx2">
+                    <a:lumMod val="75000"/>
+                  </a:schemeClr>
+                </a:solidFill>
+              </a:rPr>
+              <a:t>attribute</a:t>
+            </a:r>
+            <a:r>
+              <a:rPr lang="de-DE" sz="3000" dirty="0">
+                <a:solidFill>
+                  <a:schemeClr val="tx2">
+                    <a:lumMod val="75000"/>
+                  </a:schemeClr>
+                </a:solidFill>
+              </a:rPr>
+              <a:t>)&gt; </a:t>
+            </a:r>
+            <a:r>
+              <a:rPr lang="de-DE" sz="3000" dirty="0">
+                <a:solidFill>
+                  <a:schemeClr val="accent1">
+                    <a:lumMod val="50000"/>
+                  </a:schemeClr>
+                </a:solidFill>
+              </a:rPr>
+              <a:t>Ich bin ein Paragraf </a:t>
+            </a:r>
+            <a:r>
+              <a:rPr lang="de-DE" sz="3000" dirty="0">
+                <a:solidFill>
+                  <a:srgbClr val="0070C0"/>
+                </a:solidFill>
+              </a:rPr>
+              <a:t>&lt;/p&gt;</a:t>
+            </a:r>
+          </a:p>
+          <a:p>
+            <a:pPr marL="457200" lvl="1" indent="0" algn="just">
+              <a:buNone/>
+            </a:pPr>
+            <a:endParaRPr lang="de-DE" sz="2200" dirty="0">
+              <a:solidFill>
+                <a:srgbClr val="00B050"/>
+              </a:solidFill>
+            </a:endParaRPr>
+          </a:p>
+          <a:p>
+            <a:pPr marL="457200" lvl="1" indent="0" algn="just">
+              <a:buNone/>
+            </a:pPr>
+            <a:r>
+              <a:rPr lang="de-DE" sz="2200" dirty="0">
+                <a:solidFill>
+                  <a:srgbClr val="00B050"/>
+                </a:solidFill>
+              </a:rPr>
+              <a:t>Öffnet tag	</a:t>
+            </a:r>
+            <a:r>
+              <a:rPr lang="de-DE" sz="2200" dirty="0">
+                <a:solidFill>
+                  <a:schemeClr val="tx2">
+                    <a:lumMod val="75000"/>
+                  </a:schemeClr>
+                </a:solidFill>
+              </a:rPr>
+              <a:t>Attribute</a:t>
+            </a:r>
+            <a:r>
+              <a:rPr lang="de-DE" sz="2200" dirty="0">
+                <a:solidFill>
+                  <a:srgbClr val="00B050"/>
+                </a:solidFill>
+              </a:rPr>
+              <a:t>	</a:t>
+            </a:r>
+            <a:r>
+              <a:rPr lang="de-DE" sz="2200" dirty="0">
+                <a:solidFill>
+                  <a:schemeClr val="accent1">
+                    <a:lumMod val="50000"/>
+                  </a:schemeClr>
+                </a:solidFill>
+              </a:rPr>
+              <a:t>Inhalt		</a:t>
+            </a:r>
+            <a:r>
+              <a:rPr lang="de-DE" sz="2200" dirty="0">
+                <a:solidFill>
+                  <a:srgbClr val="0070C0"/>
+                </a:solidFill>
+              </a:rPr>
+              <a:t>Schließt Tag</a:t>
+            </a:r>
+          </a:p>
+        </p:txBody>
+      </p:sp>
+      <p:sp>
+        <p:nvSpPr>
+          <p:cNvPr id="3" name="Foliennummernplatzhalter 2">
+            <a:extLst>
+              <a:ext uri="{FF2B5EF4-FFF2-40B4-BE49-F238E27FC236}">
+                <a16:creationId xmlns:a16="http://schemas.microsoft.com/office/drawing/2014/main" id="{334CF8AE-4A94-4BC4-0188-FBA230BB66C9}"/>
+              </a:ext>
+            </a:extLst>
+          </p:cNvPr>
+          <p:cNvSpPr>
+            <a:spLocks noGrp="1"/>
+          </p:cNvSpPr>
+          <p:nvPr>
+            <p:ph type="sldNum" sz="quarter" idx="4"/>
+          </p:nvPr>
+        </p:nvSpPr>
+        <p:spPr>
+          <a:xfrm>
+            <a:off x="11353800" y="5879804"/>
+            <a:ext cx="661416" cy="895899"/>
+          </a:xfrm>
+        </p:spPr>
+        <p:txBody>
+          <a:bodyPr rtlCol="0"/>
+          <a:lstStyle>
+            <a:defPPr>
+              <a:defRPr lang="de-DE"/>
+            </a:defPPr>
+          </a:lstStyle>
+          <a:p>
+            <a:pPr rtl="0"/>
+            <a:fld id="{58FB4751-880F-D840-AAA9-3A15815CC996}" type="slidenum">
+              <a:rPr lang="de-DE" smtClean="0"/>
+              <a:pPr rtl="0"/>
+              <a:t>11</a:t>
+            </a:fld>
+            <a:endParaRPr lang="de-DE" dirty="0"/>
+          </a:p>
+        </p:txBody>
+      </p:sp>
+      <mc:AlternateContent xmlns:mc="http://schemas.openxmlformats.org/markup-compatibility/2006">
+        <mc:Choice xmlns:p14="http://schemas.microsoft.com/office/powerpoint/2010/main" Requires="p14">
+          <p:contentPart p14:bwMode="auto" r:id="rId3">
+            <p14:nvContentPartPr>
+              <p14:cNvPr id="7" name="Freihand 6">
+                <a:extLst>
+                  <a:ext uri="{FF2B5EF4-FFF2-40B4-BE49-F238E27FC236}">
+                    <a16:creationId xmlns:a16="http://schemas.microsoft.com/office/drawing/2014/main" id="{608FC876-3C41-9EB7-E70E-827478BFD369}"/>
+                  </a:ext>
+                </a:extLst>
+              </p14:cNvPr>
+              <p14:cNvContentPartPr/>
+              <p14:nvPr/>
+            </p14:nvContentPartPr>
+            <p14:xfrm rot="2700000">
+              <a:off x="3215024" y="2920609"/>
+              <a:ext cx="276592" cy="276592"/>
+            </p14:xfrm>
+          </p:contentPart>
+        </mc:Choice>
+        <mc:Fallback>
+          <p:pic>
+            <p:nvPicPr>
+              <p:cNvPr id="7" name="Freihand 6">
+                <a:extLst>
+                  <a:ext uri="{FF2B5EF4-FFF2-40B4-BE49-F238E27FC236}">
+                    <a16:creationId xmlns:a16="http://schemas.microsoft.com/office/drawing/2014/main" id="{608FC876-3C41-9EB7-E70E-827478BFD369}"/>
+                  </a:ext>
+                </a:extLst>
+              </p:cNvPr>
+              <p:cNvPicPr/>
+              <p:nvPr/>
+            </p:nvPicPr>
+            <p:blipFill>
+              <a:blip r:embed="rId4"/>
+              <a:stretch>
+                <a:fillRect/>
+              </a:stretch>
+            </p:blipFill>
+            <p:spPr>
+              <a:xfrm rot="2700000">
+                <a:off x="3208909" y="2914494"/>
+                <a:ext cx="288821" cy="288821"/>
+              </a:xfrm>
+              <a:prstGeom prst="rect">
+                <a:avLst/>
+              </a:prstGeom>
+            </p:spPr>
+          </p:pic>
+        </mc:Fallback>
+      </mc:AlternateContent>
+      <mc:AlternateContent xmlns:mc="http://schemas.openxmlformats.org/markup-compatibility/2006">
+        <mc:Choice xmlns:p14="http://schemas.microsoft.com/office/powerpoint/2010/main" Requires="p14">
+          <p:contentPart p14:bwMode="auto" r:id="rId5">
+            <p14:nvContentPartPr>
+              <p14:cNvPr id="10" name="Freihand 9">
+                <a:extLst>
+                  <a:ext uri="{FF2B5EF4-FFF2-40B4-BE49-F238E27FC236}">
+                    <a16:creationId xmlns:a16="http://schemas.microsoft.com/office/drawing/2014/main" id="{9EB26B2D-99D1-CEE2-912A-D589B3FB7710}"/>
+                  </a:ext>
+                </a:extLst>
+              </p14:cNvPr>
+              <p14:cNvContentPartPr/>
+              <p14:nvPr/>
+            </p14:nvContentPartPr>
+            <p14:xfrm rot="2700000">
+              <a:off x="4792136" y="2930281"/>
+              <a:ext cx="323290" cy="323290"/>
+            </p14:xfrm>
+          </p:contentPart>
+        </mc:Choice>
+        <mc:Fallback>
+          <p:pic>
+            <p:nvPicPr>
+              <p:cNvPr id="10" name="Freihand 9">
+                <a:extLst>
+                  <a:ext uri="{FF2B5EF4-FFF2-40B4-BE49-F238E27FC236}">
+                    <a16:creationId xmlns:a16="http://schemas.microsoft.com/office/drawing/2014/main" id="{9EB26B2D-99D1-CEE2-912A-D589B3FB7710}"/>
+                  </a:ext>
+                </a:extLst>
+              </p:cNvPr>
+              <p:cNvPicPr/>
+              <p:nvPr/>
+            </p:nvPicPr>
+            <p:blipFill>
+              <a:blip r:embed="rId6"/>
+              <a:stretch>
+                <a:fillRect/>
+              </a:stretch>
+            </p:blipFill>
+            <p:spPr>
+              <a:xfrm rot="2700000">
+                <a:off x="4786016" y="2924161"/>
+                <a:ext cx="335530" cy="335530"/>
+              </a:xfrm>
+              <a:prstGeom prst="rect">
+                <a:avLst/>
+              </a:prstGeom>
+            </p:spPr>
+          </p:pic>
+        </mc:Fallback>
+      </mc:AlternateContent>
+      <mc:AlternateContent xmlns:mc="http://schemas.openxmlformats.org/markup-compatibility/2006">
+        <mc:Choice xmlns:p14="http://schemas.microsoft.com/office/powerpoint/2010/main" Requires="p14">
+          <p:contentPart p14:bwMode="auto" r:id="rId7">
+            <p14:nvContentPartPr>
+              <p14:cNvPr id="11" name="Freihand 10">
+                <a:extLst>
+                  <a:ext uri="{FF2B5EF4-FFF2-40B4-BE49-F238E27FC236}">
+                    <a16:creationId xmlns:a16="http://schemas.microsoft.com/office/drawing/2014/main" id="{BE45B2E2-BD2B-417F-36A6-18BF2C4AE96F}"/>
+                  </a:ext>
+                </a:extLst>
+              </p14:cNvPr>
+              <p14:cNvContentPartPr/>
+              <p14:nvPr/>
+            </p14:nvContentPartPr>
+            <p14:xfrm rot="2700000">
+              <a:off x="7110755" y="2947475"/>
+              <a:ext cx="254614" cy="254614"/>
+            </p14:xfrm>
+          </p:contentPart>
+        </mc:Choice>
+        <mc:Fallback>
+          <p:pic>
+            <p:nvPicPr>
+              <p:cNvPr id="11" name="Freihand 10">
+                <a:extLst>
+                  <a:ext uri="{FF2B5EF4-FFF2-40B4-BE49-F238E27FC236}">
+                    <a16:creationId xmlns:a16="http://schemas.microsoft.com/office/drawing/2014/main" id="{BE45B2E2-BD2B-417F-36A6-18BF2C4AE96F}"/>
+                  </a:ext>
+                </a:extLst>
+              </p:cNvPr>
+              <p:cNvPicPr/>
+              <p:nvPr/>
+            </p:nvPicPr>
+            <p:blipFill>
+              <a:blip r:embed="rId8"/>
+              <a:stretch>
+                <a:fillRect/>
+              </a:stretch>
+            </p:blipFill>
+            <p:spPr>
+              <a:xfrm rot="2700000">
+                <a:off x="7104641" y="2941361"/>
+                <a:ext cx="266841" cy="266841"/>
+              </a:xfrm>
+              <a:prstGeom prst="rect">
+                <a:avLst/>
+              </a:prstGeom>
+            </p:spPr>
+          </p:pic>
+        </mc:Fallback>
+      </mc:AlternateContent>
+      <mc:AlternateContent xmlns:mc="http://schemas.openxmlformats.org/markup-compatibility/2006">
+        <mc:Choice xmlns:p14="http://schemas.microsoft.com/office/powerpoint/2010/main" Requires="p14">
+          <p:contentPart p14:bwMode="auto" r:id="rId9">
+            <p14:nvContentPartPr>
+              <p14:cNvPr id="12" name="Freihand 11">
+                <a:extLst>
+                  <a:ext uri="{FF2B5EF4-FFF2-40B4-BE49-F238E27FC236}">
+                    <a16:creationId xmlns:a16="http://schemas.microsoft.com/office/drawing/2014/main" id="{FFEB50CF-96A4-24BE-F353-2569220BA40D}"/>
+                  </a:ext>
+                </a:extLst>
+              </p14:cNvPr>
+              <p14:cNvContentPartPr/>
+              <p14:nvPr/>
+            </p14:nvContentPartPr>
+            <p14:xfrm rot="2700000">
+              <a:off x="1843164" y="2953630"/>
+              <a:ext cx="276592" cy="276592"/>
+            </p14:xfrm>
+          </p:contentPart>
+        </mc:Choice>
+        <mc:Fallback>
+          <p:pic>
+            <p:nvPicPr>
+              <p:cNvPr id="12" name="Freihand 11">
+                <a:extLst>
+                  <a:ext uri="{FF2B5EF4-FFF2-40B4-BE49-F238E27FC236}">
+                    <a16:creationId xmlns:a16="http://schemas.microsoft.com/office/drawing/2014/main" id="{FFEB50CF-96A4-24BE-F353-2569220BA40D}"/>
+                  </a:ext>
+                </a:extLst>
+              </p:cNvPr>
+              <p:cNvPicPr/>
+              <p:nvPr/>
+            </p:nvPicPr>
+            <p:blipFill>
+              <a:blip r:embed="rId4"/>
+              <a:stretch>
+                <a:fillRect/>
+              </a:stretch>
+            </p:blipFill>
+            <p:spPr>
+              <a:xfrm rot="2700000">
+                <a:off x="1837049" y="2947515"/>
+                <a:ext cx="288821" cy="288821"/>
+              </a:xfrm>
+              <a:prstGeom prst="rect">
+                <a:avLst/>
+              </a:prstGeom>
+            </p:spPr>
+          </p:pic>
+        </mc:Fallback>
+      </mc:AlternateContent>
+    </p:spTree>
+    <p:extLst>
+      <p:ext uri="{BB962C8B-B14F-4D97-AF65-F5344CB8AC3E}">
+        <p14:creationId xmlns:p14="http://schemas.microsoft.com/office/powerpoint/2010/main" val="3984129299"/>
+      </p:ext>
+    </p:extLst>
+  </p:cSld>
+  <p:clrMapOvr>
+    <a:masterClrMapping/>
+  </p:clrMapOvr>
+</p:sld>
+</file>
+
+<file path=ppt/slides/slide12.xml><?xml version="1.0" encoding="utf-8"?>
+<p:sld xmlns:a="http://schemas.openxmlformats.org/drawingml/2006/main" xmlns:r="http://schemas.openxmlformats.org/officeDocument/2006/relationships" xmlns:p="http://schemas.openxmlformats.org/presentationml/2006/main">
+  <p:cSld>
+    <p:spTree>
+      <p:nvGrpSpPr>
+        <p:cNvPr id="1" name="">
+          <a:extLst>
+            <a:ext uri="{FF2B5EF4-FFF2-40B4-BE49-F238E27FC236}">
               <a16:creationId xmlns:a16="http://schemas.microsoft.com/office/drawing/2014/main" id="{381128D8-051F-F238-6D76-43398E285095}"/>
             </a:ext>
           </a:extLst>
@@ -28614,7 +29314,7 @@
 </p:sld>
 </file>
 
-<file path=ppt/slides/slide12.xml><?xml version="1.0" encoding="utf-8"?>
+<file path=ppt/slides/slide13.xml><?xml version="1.0" encoding="utf-8"?>
 <p:sld xmlns:a="http://schemas.openxmlformats.org/drawingml/2006/main" xmlns:r="http://schemas.openxmlformats.org/officeDocument/2006/relationships" xmlns:p="http://schemas.openxmlformats.org/presentationml/2006/main">
   <p:cSld>
     <p:spTree>
@@ -28856,7 +29556,7 @@
             <a:fld id="{58FB4751-880F-D840-AAA9-3A15815CC996}" type="slidenum">
               <a:rPr lang="de-DE" smtClean="0"/>
               <a:pPr rtl="0"/>
-              <a:t>12</a:t>
+              <a:t>13</a:t>
             </a:fld>
             <a:endParaRPr lang="de-DE" dirty="0"/>
           </a:p>

--- a/Intro HTML & CSS.pptx
+++ b/Intro HTML & CSS.pptx
@@ -5,10 +5,10 @@
     <p:sldMasterId id="2147483648" r:id="rId4"/>
   </p:sldMasterIdLst>
   <p:notesMasterIdLst>
-    <p:notesMasterId r:id="rId18"/>
+    <p:notesMasterId r:id="rId19"/>
   </p:notesMasterIdLst>
   <p:handoutMasterIdLst>
-    <p:handoutMasterId r:id="rId19"/>
+    <p:handoutMasterId r:id="rId20"/>
   </p:handoutMasterIdLst>
   <p:sldIdLst>
     <p:sldId id="317" r:id="rId5"/>
@@ -22,8 +22,9 @@
     <p:sldId id="319" r:id="rId13"/>
     <p:sldId id="325" r:id="rId14"/>
     <p:sldId id="326" r:id="rId15"/>
-    <p:sldId id="323" r:id="rId16"/>
-    <p:sldId id="314" r:id="rId17"/>
+    <p:sldId id="327" r:id="rId16"/>
+    <p:sldId id="323" r:id="rId17"/>
+    <p:sldId id="328" r:id="rId18"/>
   </p:sldIdLst>
   <p:sldSz cx="12192000" cy="6858000"/>
   <p:notesSz cx="6858000" cy="9144000"/>
@@ -405,110 +406,6 @@
 </file>
 
 <file path=ppt/ink/ink4.xml><?xml version="1.0" encoding="utf-8"?>
-<inkml:ink xmlns:inkml="http://www.w3.org/2003/InkML">
-  <inkml:definitions>
-    <inkml:context xml:id="ctx0">
-      <inkml:inkSource xml:id="inkSrc0">
-        <inkml:traceFormat>
-          <inkml:channel name="X" type="integer" min="-2.14748E9" max="2.14748E9" units="cm"/>
-          <inkml:channel name="Y" type="integer" min="-2.14748E9" max="2.14748E9" units="cm"/>
-        </inkml:traceFormat>
-        <inkml:channelProperties>
-          <inkml:channelProperty channel="X" name="resolution" value="1000" units="1/cm"/>
-          <inkml:channelProperty channel="Y" name="resolution" value="1000" units="1/cm"/>
-        </inkml:channelProperties>
-      </inkml:inkSource>
-      <inkml:timestamp xml:id="ts0" timeString="2025-12-04T19:47:49.327"/>
-    </inkml:context>
-    <inkml:brush xml:id="br0">
-      <inkml:brushProperty name="width" value="0.035" units="cm"/>
-      <inkml:brushProperty name="height" value="0.035" units="cm"/>
-      <inkml:brushProperty name="ignorePressure" value="1"/>
-    </inkml:brush>
-  </inkml:definitions>
-  <inkml:trace contextRef="#ctx0" brushRef="#br0">0 0,'763'763,"-758"-758</inkml:trace>
-</inkml:ink>
-</file>
-
-<file path=ppt/ink/ink5.xml><?xml version="1.0" encoding="utf-8"?>
-<inkml:ink xmlns:inkml="http://www.w3.org/2003/InkML">
-  <inkml:definitions>
-    <inkml:context xml:id="ctx0">
-      <inkml:inkSource xml:id="inkSrc0">
-        <inkml:traceFormat>
-          <inkml:channel name="X" type="integer" min="-2.14748E9" max="2.14748E9" units="cm"/>
-          <inkml:channel name="Y" type="integer" min="-2.14748E9" max="2.14748E9" units="cm"/>
-        </inkml:traceFormat>
-        <inkml:channelProperties>
-          <inkml:channelProperty channel="X" name="resolution" value="1000" units="1/cm"/>
-          <inkml:channelProperty channel="Y" name="resolution" value="1000" units="1/cm"/>
-        </inkml:channelProperties>
-      </inkml:inkSource>
-      <inkml:timestamp xml:id="ts0" timeString="2025-12-04T19:46:07.794"/>
-    </inkml:context>
-    <inkml:brush xml:id="br0">
-      <inkml:brushProperty name="width" value="0.035" units="cm"/>
-      <inkml:brushProperty name="height" value="0.035" units="cm"/>
-      <inkml:brushProperty name="ignorePressure" value="1"/>
-    </inkml:brush>
-  </inkml:definitions>
-  <inkml:trace contextRef="#ctx0" brushRef="#br0">0 0,'763'763,"-758"-758</inkml:trace>
-</inkml:ink>
-</file>
-
-<file path=ppt/ink/ink6.xml><?xml version="1.0" encoding="utf-8"?>
-<inkml:ink xmlns:inkml="http://www.w3.org/2003/InkML">
-  <inkml:definitions>
-    <inkml:context xml:id="ctx0">
-      <inkml:inkSource xml:id="inkSrc0">
-        <inkml:traceFormat>
-          <inkml:channel name="X" type="integer" min="-2.14748E9" max="2.14748E9" units="cm"/>
-          <inkml:channel name="Y" type="integer" min="-2.14748E9" max="2.14748E9" units="cm"/>
-        </inkml:traceFormat>
-        <inkml:channelProperties>
-          <inkml:channelProperty channel="X" name="resolution" value="1000" units="1/cm"/>
-          <inkml:channelProperty channel="Y" name="resolution" value="1000" units="1/cm"/>
-        </inkml:channelProperties>
-      </inkml:inkSource>
-      <inkml:timestamp xml:id="ts0" timeString="2025-12-04T19:47:07.531"/>
-    </inkml:context>
-    <inkml:brush xml:id="br0">
-      <inkml:brushProperty name="width" value="0.035" units="cm"/>
-      <inkml:brushProperty name="height" value="0.035" units="cm"/>
-      <inkml:brushProperty name="ignorePressure" value="1"/>
-    </inkml:brush>
-  </inkml:definitions>
-  <inkml:trace contextRef="#ctx0" brushRef="#br0">0 1,'892'891,"-887"-885</inkml:trace>
-</inkml:ink>
-</file>
-
-<file path=ppt/ink/ink7.xml><?xml version="1.0" encoding="utf-8"?>
-<inkml:ink xmlns:inkml="http://www.w3.org/2003/InkML">
-  <inkml:definitions>
-    <inkml:context xml:id="ctx0">
-      <inkml:inkSource xml:id="inkSrc0">
-        <inkml:traceFormat>
-          <inkml:channel name="X" type="integer" min="-2.14748E9" max="2.14748E9" units="cm"/>
-          <inkml:channel name="Y" type="integer" min="-2.14748E9" max="2.14748E9" units="cm"/>
-        </inkml:traceFormat>
-        <inkml:channelProperties>
-          <inkml:channelProperty channel="X" name="resolution" value="1000" units="1/cm"/>
-          <inkml:channelProperty channel="Y" name="resolution" value="1000" units="1/cm"/>
-        </inkml:channelProperties>
-      </inkml:inkSource>
-      <inkml:timestamp xml:id="ts0" timeString="2025-12-04T19:47:17.607"/>
-    </inkml:context>
-    <inkml:brush xml:id="br0">
-      <inkml:brushProperty name="width" value="0.035" units="cm"/>
-      <inkml:brushProperty name="height" value="0.035" units="cm"/>
-      <inkml:brushProperty name="ignorePressure" value="1"/>
-    </inkml:brush>
-  </inkml:definitions>
-  <inkml:trace contextRef="#ctx0" brushRef="#br0">0 0,'703'703,"-699"-699</inkml:trace>
-</inkml:ink>
-</file>
-
-<file path=ppt/ink/ink8.xml><?xml version="1.0" encoding="utf-8"?>
 <inkml:ink xmlns:inkml="http://www.w3.org/2003/InkML">
   <inkml:definitions>
     <inkml:context xml:id="ctx0">
@@ -1259,6 +1156,124 @@
         <p:cNvPr id="1" name="">
           <a:extLst>
             <a:ext uri="{FF2B5EF4-FFF2-40B4-BE49-F238E27FC236}">
+              <a16:creationId xmlns:a16="http://schemas.microsoft.com/office/drawing/2014/main" id="{73E361E9-E03A-203D-34CC-CB1C8E09AB5E}"/>
+            </a:ext>
+          </a:extLst>
+        </p:cNvPr>
+        <p:cNvGrpSpPr/>
+        <p:nvPr/>
+      </p:nvGrpSpPr>
+      <p:grpSpPr>
+        <a:xfrm>
+          <a:off x="0" y="0"/>
+          <a:ext cx="0" cy="0"/>
+          <a:chOff x="0" y="0"/>
+          <a:chExt cx="0" cy="0"/>
+        </a:xfrm>
+      </p:grpSpPr>
+      <p:sp>
+        <p:nvSpPr>
+          <p:cNvPr id="2" name="Folienbildplatzhalter 1">
+            <a:extLst>
+              <a:ext uri="{FF2B5EF4-FFF2-40B4-BE49-F238E27FC236}">
+                <a16:creationId xmlns:a16="http://schemas.microsoft.com/office/drawing/2014/main" id="{0A219186-9F4B-E234-B992-8CBAAB3A09B4}"/>
+              </a:ext>
+            </a:extLst>
+          </p:cNvPr>
+          <p:cNvSpPr>
+            <a:spLocks noGrp="1" noRot="1" noChangeAspect="1"/>
+          </p:cNvSpPr>
+          <p:nvPr>
+            <p:ph type="sldImg"/>
+          </p:nvPr>
+        </p:nvSpPr>
+        <p:spPr/>
+      </p:sp>
+      <p:sp>
+        <p:nvSpPr>
+          <p:cNvPr id="3" name="Notizenplatzhalter 2">
+            <a:extLst>
+              <a:ext uri="{FF2B5EF4-FFF2-40B4-BE49-F238E27FC236}">
+                <a16:creationId xmlns:a16="http://schemas.microsoft.com/office/drawing/2014/main" id="{29F7DCD0-6BC2-B216-6BA0-4DDF5DDD6A61}"/>
+              </a:ext>
+            </a:extLst>
+          </p:cNvPr>
+          <p:cNvSpPr>
+            <a:spLocks noGrp="1"/>
+          </p:cNvSpPr>
+          <p:nvPr>
+            <p:ph type="body" idx="1"/>
+          </p:nvPr>
+        </p:nvSpPr>
+        <p:spPr/>
+        <p:txBody>
+          <a:bodyPr rtlCol="0"/>
+          <a:lstStyle>
+            <a:defPPr>
+              <a:defRPr lang="de-DE"/>
+            </a:defPPr>
+          </a:lstStyle>
+          <a:p>
+            <a:pPr rtl="0"/>
+            <a:endParaRPr lang="de-DE" dirty="0"/>
+          </a:p>
+        </p:txBody>
+      </p:sp>
+      <p:sp>
+        <p:nvSpPr>
+          <p:cNvPr id="4" name="Foliennummernplatzhalter 3">
+            <a:extLst>
+              <a:ext uri="{FF2B5EF4-FFF2-40B4-BE49-F238E27FC236}">
+                <a16:creationId xmlns:a16="http://schemas.microsoft.com/office/drawing/2014/main" id="{F2407290-7028-8BF3-1EBE-59BD53F28AE7}"/>
+              </a:ext>
+            </a:extLst>
+          </p:cNvPr>
+          <p:cNvSpPr>
+            <a:spLocks noGrp="1"/>
+          </p:cNvSpPr>
+          <p:nvPr>
+            <p:ph type="sldNum" sz="quarter" idx="5"/>
+          </p:nvPr>
+        </p:nvSpPr>
+        <p:spPr/>
+        <p:txBody>
+          <a:bodyPr rtlCol="0"/>
+          <a:lstStyle>
+            <a:defPPr>
+              <a:defRPr lang="de-DE"/>
+            </a:defPPr>
+          </a:lstStyle>
+          <a:p>
+            <a:pPr rtl="0"/>
+            <a:fld id="{7C366290-4595-5745-A50F-D5EC13BAC604}" type="slidenum">
+              <a:rPr lang="de-DE" noProof="0" smtClean="0"/>
+              <a:t>12</a:t>
+            </a:fld>
+            <a:endParaRPr lang="de-DE" noProof="0" dirty="0"/>
+          </a:p>
+        </p:txBody>
+      </p:sp>
+    </p:spTree>
+    <p:extLst>
+      <p:ext uri="{BB962C8B-B14F-4D97-AF65-F5344CB8AC3E}">
+        <p14:creationId xmlns:p14="http://schemas.microsoft.com/office/powerpoint/2010/main" val="920848816"/>
+      </p:ext>
+    </p:extLst>
+  </p:cSld>
+  <p:clrMapOvr>
+    <a:masterClrMapping/>
+  </p:clrMapOvr>
+</p:notes>
+</file>
+
+<file path=ppt/notesSlides/notesSlide13.xml><?xml version="1.0" encoding="utf-8"?>
+<p:notes xmlns:a="http://schemas.openxmlformats.org/drawingml/2006/main" xmlns:r="http://schemas.openxmlformats.org/officeDocument/2006/relationships" xmlns:p="http://schemas.openxmlformats.org/presentationml/2006/main">
+  <p:cSld>
+    <p:spTree>
+      <p:nvGrpSpPr>
+        <p:cNvPr id="1" name="">
+          <a:extLst>
+            <a:ext uri="{FF2B5EF4-FFF2-40B4-BE49-F238E27FC236}">
               <a16:creationId xmlns:a16="http://schemas.microsoft.com/office/drawing/2014/main" id="{F2526597-B7EC-AA4F-CC14-92D0DED2512B}"/>
             </a:ext>
           </a:extLst>
@@ -1350,7 +1365,7 @@
             <a:pPr rtl="0"/>
             <a:fld id="{7C366290-4595-5745-A50F-D5EC13BAC604}" type="slidenum">
               <a:rPr lang="de-DE" noProof="0" smtClean="0"/>
-              <a:t>12</a:t>
+              <a:t>13</a:t>
             </a:fld>
             <a:endParaRPr lang="de-DE" noProof="0" dirty="0"/>
           </a:p>
@@ -1369,12 +1384,18 @@
 </p:notes>
 </file>
 
-<file path=ppt/notesSlides/notesSlide13.xml><?xml version="1.0" encoding="utf-8"?>
+<file path=ppt/notesSlides/notesSlide14.xml><?xml version="1.0" encoding="utf-8"?>
 <p:notes xmlns:a="http://schemas.openxmlformats.org/drawingml/2006/main" xmlns:r="http://schemas.openxmlformats.org/officeDocument/2006/relationships" xmlns:p="http://schemas.openxmlformats.org/presentationml/2006/main">
   <p:cSld>
     <p:spTree>
       <p:nvGrpSpPr>
-        <p:cNvPr id="1" name=""/>
+        <p:cNvPr id="1" name="">
+          <a:extLst>
+            <a:ext uri="{FF2B5EF4-FFF2-40B4-BE49-F238E27FC236}">
+              <a16:creationId xmlns:a16="http://schemas.microsoft.com/office/drawing/2014/main" id="{63315B2F-523A-DCC3-6B97-1783763D26A8}"/>
+            </a:ext>
+          </a:extLst>
+        </p:cNvPr>
         <p:cNvGrpSpPr/>
         <p:nvPr/>
       </p:nvGrpSpPr>
@@ -1388,7 +1409,13 @@
       </p:grpSpPr>
       <p:sp>
         <p:nvSpPr>
-          <p:cNvPr id="2" name="Folienbildplatzhalter 1"/>
+          <p:cNvPr id="2" name="Folienbildplatzhalter 1">
+            <a:extLst>
+              <a:ext uri="{FF2B5EF4-FFF2-40B4-BE49-F238E27FC236}">
+                <a16:creationId xmlns:a16="http://schemas.microsoft.com/office/drawing/2014/main" id="{5CEBA227-776F-D49E-CC05-3C583B318A50}"/>
+              </a:ext>
+            </a:extLst>
+          </p:cNvPr>
           <p:cNvSpPr>
             <a:spLocks noGrp="1" noRot="1" noChangeAspect="1"/>
           </p:cNvSpPr>
@@ -1400,7 +1427,13 @@
       </p:sp>
       <p:sp>
         <p:nvSpPr>
-          <p:cNvPr id="3" name="Notizenplatzhalter 2"/>
+          <p:cNvPr id="3" name="Notizenplatzhalter 2">
+            <a:extLst>
+              <a:ext uri="{FF2B5EF4-FFF2-40B4-BE49-F238E27FC236}">
+                <a16:creationId xmlns:a16="http://schemas.microsoft.com/office/drawing/2014/main" id="{8F17017C-E98A-82AA-05E3-E652A66BAAE6}"/>
+              </a:ext>
+            </a:extLst>
+          </p:cNvPr>
           <p:cNvSpPr>
             <a:spLocks noGrp="1"/>
           </p:cNvSpPr>
@@ -1424,7 +1457,13 @@
       </p:sp>
       <p:sp>
         <p:nvSpPr>
-          <p:cNvPr id="4" name="Foliennummernplatzhalter 3"/>
+          <p:cNvPr id="4" name="Foliennummernplatzhalter 3">
+            <a:extLst>
+              <a:ext uri="{FF2B5EF4-FFF2-40B4-BE49-F238E27FC236}">
+                <a16:creationId xmlns:a16="http://schemas.microsoft.com/office/drawing/2014/main" id="{1D68160F-4D1A-53E9-54D1-0DC6399D3C52}"/>
+              </a:ext>
+            </a:extLst>
+          </p:cNvPr>
           <p:cNvSpPr>
             <a:spLocks noGrp="1"/>
           </p:cNvSpPr>
@@ -1444,7 +1483,7 @@
             <a:pPr rtl="0"/>
             <a:fld id="{7C366290-4595-5745-A50F-D5EC13BAC604}" type="slidenum">
               <a:rPr lang="de-DE" noProof="0" smtClean="0"/>
-              <a:t>13</a:t>
+              <a:t>14</a:t>
             </a:fld>
             <a:endParaRPr lang="de-DE" noProof="0" dirty="0"/>
           </a:p>
@@ -1453,7 +1492,7 @@
     </p:spTree>
     <p:extLst>
       <p:ext uri="{BB962C8B-B14F-4D97-AF65-F5344CB8AC3E}">
-        <p14:creationId xmlns:p14="http://schemas.microsoft.com/office/powerpoint/2010/main" val="4209986571"/>
+        <p14:creationId xmlns:p14="http://schemas.microsoft.com/office/powerpoint/2010/main" val="3950003884"/>
       </p:ext>
     </p:extLst>
   </p:cSld>
@@ -28776,11 +28815,11 @@
             <a:pPr rtl="0"/>
             <a:r>
               <a:rPr lang="de-DE" dirty="0"/>
-              <a:t>HTML und </a:t>
+              <a:t>HTML und CSS Tags </a:t>
             </a:r>
             <a:r>
-              <a:rPr lang="de-DE"/>
-              <a:t>CSS tags</a:t>
+              <a:rPr lang="de-DE" dirty="0" err="1"/>
+              <a:t>zusammenhang</a:t>
             </a:r>
             <a:endParaRPr lang="de-DE" dirty="0"/>
           </a:p>
@@ -28804,8 +28843,8 @@
         </p:nvSpPr>
         <p:spPr>
           <a:xfrm>
-            <a:off x="914400" y="2039112"/>
-            <a:ext cx="7053943" cy="3356576"/>
+            <a:off x="914400" y="2039111"/>
+            <a:ext cx="8706678" cy="3904489"/>
           </a:xfrm>
         </p:spPr>
         <p:txBody>
@@ -28818,130 +28857,106 @@
             </a:defPPr>
           </a:lstStyle>
           <a:p>
-            <a:pPr marL="457200" lvl="1" indent="0">
+            <a:pPr marL="457200" lvl="1" indent="0" algn="just">
               <a:buNone/>
             </a:pPr>
             <a:endParaRPr lang="de-DE" sz="2200" dirty="0"/>
           </a:p>
           <a:p>
-            <a:pPr marL="457200" lvl="1" indent="0" algn="ctr">
+            <a:pPr marL="457200" lvl="1" indent="0" algn="just">
               <a:buNone/>
             </a:pPr>
             <a:r>
-              <a:rPr lang="de-DE" sz="3000" dirty="0">
-                <a:solidFill>
-                  <a:srgbClr val="00B050"/>
-                </a:solidFill>
-              </a:rPr>
-              <a:t>&lt;p </a:t>
+              <a:rPr lang="de-DE" sz="3000" dirty="0"/>
+              <a:t>In HTML:</a:t>
+            </a:r>
+          </a:p>
+          <a:p>
+            <a:pPr marL="914400" lvl="2" indent="0" algn="just">
+              <a:buNone/>
+            </a:pPr>
+            <a:r>
+              <a:rPr lang="de-DE" sz="2800" dirty="0"/>
+              <a:t>&lt;</a:t>
             </a:r>
             <a:r>
-              <a:rPr lang="de-DE" sz="3000" dirty="0">
-                <a:solidFill>
-                  <a:schemeClr val="tx2">
-                    <a:lumMod val="75000"/>
-                  </a:schemeClr>
-                </a:solidFill>
-              </a:rPr>
-              <a:t>(</a:t>
-            </a:r>
-            <a:r>
-              <a:rPr lang="de-DE" sz="3000" dirty="0" err="1">
-                <a:solidFill>
-                  <a:schemeClr val="tx2">
-                    <a:lumMod val="75000"/>
-                  </a:schemeClr>
-                </a:solidFill>
-              </a:rPr>
-              <a:t>attribute</a:t>
-            </a:r>
-            <a:r>
-              <a:rPr lang="de-DE" sz="3000" dirty="0">
-                <a:solidFill>
-                  <a:schemeClr val="tx2">
-                    <a:lumMod val="75000"/>
-                  </a:schemeClr>
-                </a:solidFill>
-              </a:rPr>
-              <a:t>)&gt; </a:t>
-            </a:r>
-            <a:r>
-              <a:rPr lang="de-DE" sz="3000" dirty="0">
+              <a:rPr lang="de-DE" sz="2800" dirty="0">
                 <a:solidFill>
                   <a:schemeClr val="accent1">
                     <a:lumMod val="50000"/>
                   </a:schemeClr>
                 </a:solidFill>
               </a:rPr>
-              <a:t>Ich bin ein Paragraf </a:t>
+              <a:t>p</a:t>
             </a:r>
             <a:r>
-              <a:rPr lang="de-DE" sz="3000" dirty="0">
-                <a:solidFill>
-                  <a:srgbClr val="0070C0"/>
-                </a:solidFill>
-              </a:rPr>
-              <a:t>&lt;/p&gt;</a:t>
+              <a:rPr lang="de-DE" sz="2800" dirty="0"/>
+              <a:t>&gt; Ich bin ein Paragraf &lt;/p&gt;</a:t>
             </a:r>
           </a:p>
           <a:p>
             <a:pPr marL="457200" lvl="1" indent="0" algn="just">
               <a:buNone/>
             </a:pPr>
-            <a:endParaRPr lang="de-DE" sz="2200" dirty="0">
-              <a:solidFill>
-                <a:srgbClr val="00B050"/>
-              </a:solidFill>
-            </a:endParaRPr>
+            <a:r>
+              <a:rPr lang="de-DE" sz="3000" dirty="0"/>
+              <a:t>In CSS:</a:t>
+            </a:r>
           </a:p>
           <a:p>
-            <a:pPr marL="457200" lvl="1" indent="0" algn="just">
+            <a:pPr marL="914400" lvl="2" indent="0" algn="just">
               <a:buNone/>
             </a:pPr>
             <a:r>
-              <a:rPr lang="de-DE" sz="2200" dirty="0">
-                <a:solidFill>
-                  <a:srgbClr val="00B050"/>
-                </a:solidFill>
-              </a:rPr>
-              <a:t>Öffnet tag	</a:t>
-            </a:r>
-            <a:r>
-              <a:rPr lang="de-DE" sz="2200" dirty="0">
-                <a:solidFill>
-                  <a:schemeClr val="tx2">
-                    <a:lumMod val="75000"/>
-                  </a:schemeClr>
-                </a:solidFill>
-              </a:rPr>
-              <a:t>Attribute</a:t>
-            </a:r>
-            <a:r>
-              <a:rPr lang="de-DE" sz="2200" dirty="0">
-                <a:solidFill>
-                  <a:srgbClr val="00B050"/>
-                </a:solidFill>
-              </a:rPr>
-              <a:t>	</a:t>
-            </a:r>
-            <a:r>
-              <a:rPr lang="de-DE" sz="2200" dirty="0">
+              <a:rPr lang="de-DE" sz="2800" dirty="0">
                 <a:solidFill>
                   <a:schemeClr val="accent1">
                     <a:lumMod val="50000"/>
                   </a:schemeClr>
                 </a:solidFill>
               </a:rPr>
-              <a:t>Inhalt		</a:t>
+              <a:t>p</a:t>
+            </a:r>
+          </a:p>
+          <a:p>
+            <a:pPr marL="914400" lvl="2" indent="0" algn="just">
+              <a:buNone/>
+            </a:pPr>
+            <a:r>
+              <a:rPr lang="de-DE" sz="2800" dirty="0"/>
+              <a:t>{</a:t>
+            </a:r>
+          </a:p>
+          <a:p>
+            <a:pPr marL="914400" lvl="2" indent="0" algn="just">
+              <a:buNone/>
+            </a:pPr>
+            <a:r>
+              <a:rPr lang="de-DE" sz="2800" dirty="0"/>
+              <a:t>	</a:t>
             </a:r>
             <a:r>
-              <a:rPr lang="de-DE" sz="2200" dirty="0">
-                <a:solidFill>
-                  <a:srgbClr val="0070C0"/>
-                </a:solidFill>
-              </a:rPr>
-              <a:t>Schließt Tag</a:t>
+              <a:rPr lang="de-DE" sz="2800" dirty="0" err="1"/>
+              <a:t>color</a:t>
             </a:r>
+            <a:r>
+              <a:rPr lang="de-DE" sz="2800" dirty="0"/>
+              <a:t> = Yellow;</a:t>
+            </a:r>
+          </a:p>
+          <a:p>
+            <a:pPr marL="914400" lvl="2" indent="0" algn="just">
+              <a:buNone/>
+            </a:pPr>
+            <a:r>
+              <a:rPr lang="de-DE" sz="2800" dirty="0"/>
+              <a:t>}</a:t>
+            </a:r>
+            <a:endParaRPr lang="de-DE" sz="2400" dirty="0">
+              <a:solidFill>
+                <a:srgbClr val="00B050"/>
+              </a:solidFill>
+            </a:endParaRPr>
           </a:p>
         </p:txBody>
       </p:sp>
@@ -28985,210 +29000,6 @@
           </a:p>
         </p:txBody>
       </p:sp>
-      <mc:AlternateContent xmlns:mc="http://schemas.openxmlformats.org/markup-compatibility/2006">
-        <mc:Choice xmlns:p14="http://schemas.microsoft.com/office/powerpoint/2010/main" Requires="p14">
-          <p:contentPart p14:bwMode="auto" r:id="rId3">
-            <p14:nvContentPartPr>
-              <p14:cNvPr id="7" name="Freihand 6">
-                <a:extLst>
-                  <a:ext uri="{FF2B5EF4-FFF2-40B4-BE49-F238E27FC236}">
-                    <a16:creationId xmlns:a16="http://schemas.microsoft.com/office/drawing/2014/main" id="{608FC876-3C41-9EB7-E70E-827478BFD369}"/>
-                  </a:ext>
-                </a:extLst>
-              </p14:cNvPr>
-              <p14:cNvContentPartPr/>
-              <p14:nvPr/>
-            </p14:nvContentPartPr>
-            <p14:xfrm rot="2700000">
-              <a:off x="3215024" y="2920609"/>
-              <a:ext cx="276592" cy="276592"/>
-            </p14:xfrm>
-          </p:contentPart>
-        </mc:Choice>
-        <mc:Fallback>
-          <p:pic>
-            <p:nvPicPr>
-              <p:cNvPr id="7" name="Freihand 6">
-                <a:extLst>
-                  <a:ext uri="{FF2B5EF4-FFF2-40B4-BE49-F238E27FC236}">
-                    <a16:creationId xmlns:a16="http://schemas.microsoft.com/office/drawing/2014/main" id="{608FC876-3C41-9EB7-E70E-827478BFD369}"/>
-                  </a:ext>
-                </a:extLst>
-              </p:cNvPr>
-              <p:cNvPicPr/>
-              <p:nvPr/>
-            </p:nvPicPr>
-            <p:blipFill>
-              <a:blip r:embed="rId4"/>
-              <a:stretch>
-                <a:fillRect/>
-              </a:stretch>
-            </p:blipFill>
-            <p:spPr>
-              <a:xfrm rot="2700000">
-                <a:off x="3208909" y="2914494"/>
-                <a:ext cx="288821" cy="288821"/>
-              </a:xfrm>
-              <a:prstGeom prst="rect">
-                <a:avLst/>
-              </a:prstGeom>
-            </p:spPr>
-          </p:pic>
-        </mc:Fallback>
-      </mc:AlternateContent>
-      <mc:AlternateContent xmlns:mc="http://schemas.openxmlformats.org/markup-compatibility/2006">
-        <mc:Choice xmlns:p14="http://schemas.microsoft.com/office/powerpoint/2010/main" Requires="p14">
-          <p:contentPart p14:bwMode="auto" r:id="rId5">
-            <p14:nvContentPartPr>
-              <p14:cNvPr id="10" name="Freihand 9">
-                <a:extLst>
-                  <a:ext uri="{FF2B5EF4-FFF2-40B4-BE49-F238E27FC236}">
-                    <a16:creationId xmlns:a16="http://schemas.microsoft.com/office/drawing/2014/main" id="{9EB26B2D-99D1-CEE2-912A-D589B3FB7710}"/>
-                  </a:ext>
-                </a:extLst>
-              </p14:cNvPr>
-              <p14:cNvContentPartPr/>
-              <p14:nvPr/>
-            </p14:nvContentPartPr>
-            <p14:xfrm rot="2700000">
-              <a:off x="4792136" y="2930281"/>
-              <a:ext cx="323290" cy="323290"/>
-            </p14:xfrm>
-          </p:contentPart>
-        </mc:Choice>
-        <mc:Fallback>
-          <p:pic>
-            <p:nvPicPr>
-              <p:cNvPr id="10" name="Freihand 9">
-                <a:extLst>
-                  <a:ext uri="{FF2B5EF4-FFF2-40B4-BE49-F238E27FC236}">
-                    <a16:creationId xmlns:a16="http://schemas.microsoft.com/office/drawing/2014/main" id="{9EB26B2D-99D1-CEE2-912A-D589B3FB7710}"/>
-                  </a:ext>
-                </a:extLst>
-              </p:cNvPr>
-              <p:cNvPicPr/>
-              <p:nvPr/>
-            </p:nvPicPr>
-            <p:blipFill>
-              <a:blip r:embed="rId6"/>
-              <a:stretch>
-                <a:fillRect/>
-              </a:stretch>
-            </p:blipFill>
-            <p:spPr>
-              <a:xfrm rot="2700000">
-                <a:off x="4786016" y="2924161"/>
-                <a:ext cx="335530" cy="335530"/>
-              </a:xfrm>
-              <a:prstGeom prst="rect">
-                <a:avLst/>
-              </a:prstGeom>
-            </p:spPr>
-          </p:pic>
-        </mc:Fallback>
-      </mc:AlternateContent>
-      <mc:AlternateContent xmlns:mc="http://schemas.openxmlformats.org/markup-compatibility/2006">
-        <mc:Choice xmlns:p14="http://schemas.microsoft.com/office/powerpoint/2010/main" Requires="p14">
-          <p:contentPart p14:bwMode="auto" r:id="rId7">
-            <p14:nvContentPartPr>
-              <p14:cNvPr id="11" name="Freihand 10">
-                <a:extLst>
-                  <a:ext uri="{FF2B5EF4-FFF2-40B4-BE49-F238E27FC236}">
-                    <a16:creationId xmlns:a16="http://schemas.microsoft.com/office/drawing/2014/main" id="{BE45B2E2-BD2B-417F-36A6-18BF2C4AE96F}"/>
-                  </a:ext>
-                </a:extLst>
-              </p14:cNvPr>
-              <p14:cNvContentPartPr/>
-              <p14:nvPr/>
-            </p14:nvContentPartPr>
-            <p14:xfrm rot="2700000">
-              <a:off x="7110755" y="2947475"/>
-              <a:ext cx="254614" cy="254614"/>
-            </p14:xfrm>
-          </p:contentPart>
-        </mc:Choice>
-        <mc:Fallback>
-          <p:pic>
-            <p:nvPicPr>
-              <p:cNvPr id="11" name="Freihand 10">
-                <a:extLst>
-                  <a:ext uri="{FF2B5EF4-FFF2-40B4-BE49-F238E27FC236}">
-                    <a16:creationId xmlns:a16="http://schemas.microsoft.com/office/drawing/2014/main" id="{BE45B2E2-BD2B-417F-36A6-18BF2C4AE96F}"/>
-                  </a:ext>
-                </a:extLst>
-              </p:cNvPr>
-              <p:cNvPicPr/>
-              <p:nvPr/>
-            </p:nvPicPr>
-            <p:blipFill>
-              <a:blip r:embed="rId8"/>
-              <a:stretch>
-                <a:fillRect/>
-              </a:stretch>
-            </p:blipFill>
-            <p:spPr>
-              <a:xfrm rot="2700000">
-                <a:off x="7104641" y="2941361"/>
-                <a:ext cx="266841" cy="266841"/>
-              </a:xfrm>
-              <a:prstGeom prst="rect">
-                <a:avLst/>
-              </a:prstGeom>
-            </p:spPr>
-          </p:pic>
-        </mc:Fallback>
-      </mc:AlternateContent>
-      <mc:AlternateContent xmlns:mc="http://schemas.openxmlformats.org/markup-compatibility/2006">
-        <mc:Choice xmlns:p14="http://schemas.microsoft.com/office/powerpoint/2010/main" Requires="p14">
-          <p:contentPart p14:bwMode="auto" r:id="rId9">
-            <p14:nvContentPartPr>
-              <p14:cNvPr id="12" name="Freihand 11">
-                <a:extLst>
-                  <a:ext uri="{FF2B5EF4-FFF2-40B4-BE49-F238E27FC236}">
-                    <a16:creationId xmlns:a16="http://schemas.microsoft.com/office/drawing/2014/main" id="{FFEB50CF-96A4-24BE-F353-2569220BA40D}"/>
-                  </a:ext>
-                </a:extLst>
-              </p14:cNvPr>
-              <p14:cNvContentPartPr/>
-              <p14:nvPr/>
-            </p14:nvContentPartPr>
-            <p14:xfrm rot="2700000">
-              <a:off x="1843164" y="2953630"/>
-              <a:ext cx="276592" cy="276592"/>
-            </p14:xfrm>
-          </p:contentPart>
-        </mc:Choice>
-        <mc:Fallback>
-          <p:pic>
-            <p:nvPicPr>
-              <p:cNvPr id="12" name="Freihand 11">
-                <a:extLst>
-                  <a:ext uri="{FF2B5EF4-FFF2-40B4-BE49-F238E27FC236}">
-                    <a16:creationId xmlns:a16="http://schemas.microsoft.com/office/drawing/2014/main" id="{FFEB50CF-96A4-24BE-F353-2569220BA40D}"/>
-                  </a:ext>
-                </a:extLst>
-              </p:cNvPr>
-              <p:cNvPicPr/>
-              <p:nvPr/>
-            </p:nvPicPr>
-            <p:blipFill>
-              <a:blip r:embed="rId4"/>
-              <a:stretch>
-                <a:fillRect/>
-              </a:stretch>
-            </p:blipFill>
-            <p:spPr>
-              <a:xfrm rot="2700000">
-                <a:off x="1837049" y="2947515"/>
-                <a:ext cx="288821" cy="288821"/>
-              </a:xfrm>
-              <a:prstGeom prst="rect">
-                <a:avLst/>
-              </a:prstGeom>
-            </p:spPr>
-          </p:pic>
-        </mc:Fallback>
-      </mc:AlternateContent>
     </p:spTree>
     <p:extLst>
       <p:ext uri="{BB962C8B-B14F-4D97-AF65-F5344CB8AC3E}">
@@ -29203,6 +29014,282 @@
 </file>
 
 <file path=ppt/slides/slide12.xml><?xml version="1.0" encoding="utf-8"?>
+<p:sld xmlns:a="http://schemas.openxmlformats.org/drawingml/2006/main" xmlns:r="http://schemas.openxmlformats.org/officeDocument/2006/relationships" xmlns:p="http://schemas.openxmlformats.org/presentationml/2006/main">
+  <p:cSld>
+    <p:spTree>
+      <p:nvGrpSpPr>
+        <p:cNvPr id="1" name="">
+          <a:extLst>
+            <a:ext uri="{FF2B5EF4-FFF2-40B4-BE49-F238E27FC236}">
+              <a16:creationId xmlns:a16="http://schemas.microsoft.com/office/drawing/2014/main" id="{1E53BA92-5683-9246-5ACD-1131B5A06752}"/>
+            </a:ext>
+          </a:extLst>
+        </p:cNvPr>
+        <p:cNvGrpSpPr/>
+        <p:nvPr/>
+      </p:nvGrpSpPr>
+      <p:grpSpPr>
+        <a:xfrm>
+          <a:off x="0" y="0"/>
+          <a:ext cx="0" cy="0"/>
+          <a:chOff x="0" y="0"/>
+          <a:chExt cx="0" cy="0"/>
+        </a:xfrm>
+      </p:grpSpPr>
+      <p:sp>
+        <p:nvSpPr>
+          <p:cNvPr id="19" name="Titel 18">
+            <a:extLst>
+              <a:ext uri="{FF2B5EF4-FFF2-40B4-BE49-F238E27FC236}">
+                <a16:creationId xmlns:a16="http://schemas.microsoft.com/office/drawing/2014/main" id="{AD6645A6-5485-6800-D8CF-4D2C1D58B69C}"/>
+              </a:ext>
+            </a:extLst>
+          </p:cNvPr>
+          <p:cNvSpPr>
+            <a:spLocks noGrp="1"/>
+          </p:cNvSpPr>
+          <p:nvPr>
+            <p:ph type="title"/>
+          </p:nvPr>
+        </p:nvSpPr>
+        <p:spPr/>
+        <p:txBody>
+          <a:bodyPr rtlCol="0"/>
+          <a:lstStyle>
+            <a:defPPr>
+              <a:defRPr lang="de-DE"/>
+            </a:defPPr>
+          </a:lstStyle>
+          <a:p>
+            <a:pPr rtl="0"/>
+            <a:r>
+              <a:rPr lang="de-DE" dirty="0"/>
+              <a:t>HTML und CSS Tags </a:t>
+            </a:r>
+            <a:r>
+              <a:rPr lang="de-DE" dirty="0" err="1"/>
+              <a:t>zusammenhang</a:t>
+            </a:r>
+            <a:endParaRPr lang="de-DE" dirty="0"/>
+          </a:p>
+        </p:txBody>
+      </p:sp>
+      <p:sp>
+        <p:nvSpPr>
+          <p:cNvPr id="8" name="Inhaltsplatzhalter 7">
+            <a:extLst>
+              <a:ext uri="{FF2B5EF4-FFF2-40B4-BE49-F238E27FC236}">
+                <a16:creationId xmlns:a16="http://schemas.microsoft.com/office/drawing/2014/main" id="{C040BDB5-F025-8DE5-2D1F-AE7192A09478}"/>
+              </a:ext>
+            </a:extLst>
+          </p:cNvPr>
+          <p:cNvSpPr>
+            <a:spLocks noGrp="1"/>
+          </p:cNvSpPr>
+          <p:nvPr>
+            <p:ph sz="quarter" idx="10"/>
+          </p:nvPr>
+        </p:nvSpPr>
+        <p:spPr>
+          <a:xfrm>
+            <a:off x="914400" y="2039111"/>
+            <a:ext cx="8706678" cy="3904489"/>
+          </a:xfrm>
+        </p:spPr>
+        <p:txBody>
+          <a:bodyPr rtlCol="0">
+            <a:normAutofit/>
+          </a:bodyPr>
+          <a:lstStyle>
+            <a:defPPr>
+              <a:defRPr lang="de-DE"/>
+            </a:defPPr>
+          </a:lstStyle>
+          <a:p>
+            <a:pPr marL="457200" lvl="1" indent="0" algn="just">
+              <a:buNone/>
+            </a:pPr>
+            <a:endParaRPr lang="de-DE" sz="2200" dirty="0"/>
+          </a:p>
+          <a:p>
+            <a:pPr marL="457200" lvl="1" indent="0" algn="ctr">
+              <a:buNone/>
+            </a:pPr>
+            <a:r>
+              <a:rPr lang="de-DE" sz="3000" dirty="0"/>
+              <a:t>Vorher</a:t>
+            </a:r>
+          </a:p>
+          <a:p>
+            <a:pPr marL="457200" lvl="1" indent="0" algn="just">
+              <a:buNone/>
+            </a:pPr>
+            <a:endParaRPr lang="de-DE" sz="2400" dirty="0">
+              <a:solidFill>
+                <a:srgbClr val="00B050"/>
+              </a:solidFill>
+            </a:endParaRPr>
+          </a:p>
+          <a:p>
+            <a:pPr marL="457200" lvl="1" indent="0" algn="just">
+              <a:buNone/>
+            </a:pPr>
+            <a:endParaRPr lang="de-DE" sz="2400" dirty="0">
+              <a:solidFill>
+                <a:srgbClr val="00B050"/>
+              </a:solidFill>
+            </a:endParaRPr>
+          </a:p>
+          <a:p>
+            <a:pPr marL="457200" lvl="1" indent="0" algn="just">
+              <a:buNone/>
+            </a:pPr>
+            <a:endParaRPr lang="de-DE" sz="2400" dirty="0">
+              <a:solidFill>
+                <a:srgbClr val="00B050"/>
+              </a:solidFill>
+            </a:endParaRPr>
+          </a:p>
+          <a:p>
+            <a:pPr marL="457200" lvl="1" indent="0" algn="just">
+              <a:buNone/>
+            </a:pPr>
+            <a:endParaRPr lang="de-DE" sz="2400" dirty="0">
+              <a:solidFill>
+                <a:srgbClr val="00B050"/>
+              </a:solidFill>
+            </a:endParaRPr>
+          </a:p>
+          <a:p>
+            <a:pPr marL="457200" lvl="1" indent="0" algn="ctr">
+              <a:buNone/>
+            </a:pPr>
+            <a:r>
+              <a:rPr lang="de-DE" sz="2400" dirty="0"/>
+              <a:t>Nachher</a:t>
+            </a:r>
+            <a:endParaRPr lang="de-DE" sz="2400" dirty="0">
+              <a:solidFill>
+                <a:srgbClr val="00B050"/>
+              </a:solidFill>
+            </a:endParaRPr>
+          </a:p>
+        </p:txBody>
+      </p:sp>
+      <p:sp>
+        <p:nvSpPr>
+          <p:cNvPr id="3" name="Foliennummernplatzhalter 2">
+            <a:extLst>
+              <a:ext uri="{FF2B5EF4-FFF2-40B4-BE49-F238E27FC236}">
+                <a16:creationId xmlns:a16="http://schemas.microsoft.com/office/drawing/2014/main" id="{F4BF31D6-3116-6595-F11E-35C58B987BBD}"/>
+              </a:ext>
+            </a:extLst>
+          </p:cNvPr>
+          <p:cNvSpPr>
+            <a:spLocks noGrp="1"/>
+          </p:cNvSpPr>
+          <p:nvPr>
+            <p:ph type="sldNum" sz="quarter" idx="4"/>
+          </p:nvPr>
+        </p:nvSpPr>
+        <p:spPr>
+          <a:xfrm>
+            <a:off x="11353800" y="5879804"/>
+            <a:ext cx="661416" cy="895899"/>
+          </a:xfrm>
+        </p:spPr>
+        <p:txBody>
+          <a:bodyPr rtlCol="0"/>
+          <a:lstStyle>
+            <a:defPPr>
+              <a:defRPr lang="de-DE"/>
+            </a:defPPr>
+          </a:lstStyle>
+          <a:p>
+            <a:pPr rtl="0"/>
+            <a:fld id="{58FB4751-880F-D840-AAA9-3A15815CC996}" type="slidenum">
+              <a:rPr lang="de-DE" smtClean="0"/>
+              <a:pPr rtl="0"/>
+              <a:t>12</a:t>
+            </a:fld>
+            <a:endParaRPr lang="de-DE" dirty="0"/>
+          </a:p>
+        </p:txBody>
+      </p:sp>
+      <p:pic>
+        <p:nvPicPr>
+          <p:cNvPr id="4" name="Grafik 3">
+            <a:extLst>
+              <a:ext uri="{FF2B5EF4-FFF2-40B4-BE49-F238E27FC236}">
+                <a16:creationId xmlns:a16="http://schemas.microsoft.com/office/drawing/2014/main" id="{63645E8D-8822-C29B-E25E-1FC71669CBD8}"/>
+              </a:ext>
+            </a:extLst>
+          </p:cNvPr>
+          <p:cNvPicPr>
+            <a:picLocks noChangeAspect="1"/>
+          </p:cNvPicPr>
+          <p:nvPr/>
+        </p:nvPicPr>
+        <p:blipFill>
+          <a:blip r:embed="rId3"/>
+          <a:stretch>
+            <a:fillRect/>
+          </a:stretch>
+        </p:blipFill>
+        <p:spPr>
+          <a:xfrm>
+            <a:off x="3666959" y="3071762"/>
+            <a:ext cx="3820058" cy="714475"/>
+          </a:xfrm>
+          <a:prstGeom prst="rect">
+            <a:avLst/>
+          </a:prstGeom>
+        </p:spPr>
+      </p:pic>
+      <p:pic>
+        <p:nvPicPr>
+          <p:cNvPr id="6" name="Grafik 5">
+            <a:extLst>
+              <a:ext uri="{FF2B5EF4-FFF2-40B4-BE49-F238E27FC236}">
+                <a16:creationId xmlns:a16="http://schemas.microsoft.com/office/drawing/2014/main" id="{3DADE221-BFC1-8221-166B-94FF771C6E01}"/>
+              </a:ext>
+            </a:extLst>
+          </p:cNvPr>
+          <p:cNvPicPr>
+            <a:picLocks noChangeAspect="1"/>
+          </p:cNvPicPr>
+          <p:nvPr/>
+        </p:nvPicPr>
+        <p:blipFill>
+          <a:blip r:embed="rId4"/>
+          <a:stretch>
+            <a:fillRect/>
+          </a:stretch>
+        </p:blipFill>
+        <p:spPr>
+          <a:xfrm>
+            <a:off x="3666959" y="4986426"/>
+            <a:ext cx="3788064" cy="714474"/>
+          </a:xfrm>
+          <a:prstGeom prst="rect">
+            <a:avLst/>
+          </a:prstGeom>
+        </p:spPr>
+      </p:pic>
+    </p:spTree>
+    <p:extLst>
+      <p:ext uri="{BB962C8B-B14F-4D97-AF65-F5344CB8AC3E}">
+        <p14:creationId xmlns:p14="http://schemas.microsoft.com/office/powerpoint/2010/main" val="2654769657"/>
+      </p:ext>
+    </p:extLst>
+  </p:cSld>
+  <p:clrMapOvr>
+    <a:masterClrMapping/>
+  </p:clrMapOvr>
+</p:sld>
+</file>
+
+<file path=ppt/slides/slide13.xml><?xml version="1.0" encoding="utf-8"?>
 <p:sld xmlns:a="http://schemas.openxmlformats.org/drawingml/2006/main" xmlns:r="http://schemas.openxmlformats.org/officeDocument/2006/relationships" xmlns:p="http://schemas.openxmlformats.org/presentationml/2006/main">
   <p:cSld>
     <p:spTree>
@@ -29314,12 +29401,18 @@
 </p:sld>
 </file>
 
-<file path=ppt/slides/slide13.xml><?xml version="1.0" encoding="utf-8"?>
+<file path=ppt/slides/slide14.xml><?xml version="1.0" encoding="utf-8"?>
 <p:sld xmlns:a="http://schemas.openxmlformats.org/drawingml/2006/main" xmlns:r="http://schemas.openxmlformats.org/officeDocument/2006/relationships" xmlns:p="http://schemas.openxmlformats.org/presentationml/2006/main">
   <p:cSld>
     <p:spTree>
       <p:nvGrpSpPr>
-        <p:cNvPr id="1" name=""/>
+        <p:cNvPr id="1" name="">
+          <a:extLst>
+            <a:ext uri="{FF2B5EF4-FFF2-40B4-BE49-F238E27FC236}">
+              <a16:creationId xmlns:a16="http://schemas.microsoft.com/office/drawing/2014/main" id="{05F9EC72-E46C-648E-AF08-8CA3D89FCBE2}"/>
+            </a:ext>
+          </a:extLst>
+        </p:cNvPr>
         <p:cNvGrpSpPr/>
         <p:nvPr/>
       </p:nvGrpSpPr>
@@ -29333,10 +29426,10 @@
       </p:grpSpPr>
       <p:sp>
         <p:nvSpPr>
-          <p:cNvPr id="9" name="Titel 8">
+          <p:cNvPr id="11" name="Titel 2">
             <a:extLst>
               <a:ext uri="{FF2B5EF4-FFF2-40B4-BE49-F238E27FC236}">
-                <a16:creationId xmlns:a16="http://schemas.microsoft.com/office/drawing/2014/main" id="{EB33A77B-664F-FFD3-D61A-0D344C269A12}"/>
+                <a16:creationId xmlns:a16="http://schemas.microsoft.com/office/drawing/2014/main" id="{77355508-DA41-BAE5-B7C8-4186B872A429}"/>
               </a:ext>
             </a:extLst>
           </p:cNvPr>
@@ -29347,50 +29440,14 @@
             <p:ph type="title"/>
           </p:nvPr>
         </p:nvSpPr>
-        <p:spPr/>
-        <p:txBody>
-          <a:bodyPr rtlCol="0"/>
-          <a:lstStyle>
-            <a:defPPr>
-              <a:defRPr lang="de-DE"/>
-            </a:defPPr>
-          </a:lstStyle>
-          <a:p>
-            <a:pPr rtl="0"/>
-            <a:r>
-              <a:rPr lang="de-DE" sz="3200" dirty="0"/>
-              <a:t>LETZTE TIPPS UND ERKENNTNISSE</a:t>
-            </a:r>
-            <a:endParaRPr lang="de-DE" dirty="0"/>
-          </a:p>
-        </p:txBody>
-      </p:sp>
-      <p:sp>
-        <p:nvSpPr>
-          <p:cNvPr id="3" name="Inhaltsplatzhalter 2">
-            <a:extLst>
-              <a:ext uri="{FF2B5EF4-FFF2-40B4-BE49-F238E27FC236}">
-                <a16:creationId xmlns:a16="http://schemas.microsoft.com/office/drawing/2014/main" id="{DA4B0F3C-5228-C9FB-1212-1D4894C80B46}"/>
-              </a:ext>
-            </a:extLst>
-          </p:cNvPr>
-          <p:cNvSpPr>
-            <a:spLocks noGrp="1"/>
-          </p:cNvSpPr>
-          <p:nvPr>
-            <p:ph sz="quarter" idx="13"/>
-          </p:nvPr>
-        </p:nvSpPr>
         <p:spPr>
           <a:xfrm>
-            <a:off x="914399" y="2039111"/>
-            <a:ext cx="6729984" cy="3840480"/>
+            <a:off x="2228523" y="914400"/>
+            <a:ext cx="7731906" cy="2843784"/>
           </a:xfrm>
         </p:spPr>
         <p:txBody>
-          <a:bodyPr rtlCol="0">
-            <a:normAutofit/>
-          </a:bodyPr>
+          <a:bodyPr rtlCol="0" anchor="b"/>
           <a:lstStyle>
             <a:defPPr>
               <a:defRPr lang="de-DE"/>
@@ -29400,66 +29457,17 @@
             <a:pPr rtl="0"/>
             <a:r>
               <a:rPr lang="de-DE" dirty="0"/>
-              <a:t>KONSEQUENTES ÜBEN</a:t>
-            </a:r>
-          </a:p>
-          <a:p>
-            <a:pPr lvl="1" rtl="0"/>
-            <a:r>
-              <a:rPr lang="de-DE" dirty="0"/>
-              <a:t>Stärken Ihrer Vertrautheit</a:t>
-            </a:r>
-          </a:p>
-          <a:p>
-            <a:pPr rtl="0"/>
-            <a:r>
-              <a:rPr lang="de-DE" dirty="0"/>
-              <a:t>VORTRAGSSTIL VERFEINERN</a:t>
-            </a:r>
-          </a:p>
-          <a:p>
-            <a:pPr lvl="1" rtl="0"/>
-            <a:r>
-              <a:rPr lang="de-DE" dirty="0"/>
-              <a:t>Tempo, Tonfall und Betonung</a:t>
-            </a:r>
-          </a:p>
-          <a:p>
-            <a:pPr rtl="0"/>
-            <a:r>
-              <a:rPr lang="de-DE" dirty="0"/>
-              <a:t>TIMING UND ÜBERGÄNGE</a:t>
-            </a:r>
-          </a:p>
-          <a:p>
-            <a:pPr lvl="1" rtl="0"/>
-            <a:r>
-              <a:rPr lang="de-DE" dirty="0"/>
-              <a:t>Streben Sie einen nahtlosen, professionellen Vortrag an.</a:t>
-            </a:r>
-          </a:p>
-          <a:p>
-            <a:pPr rtl="0"/>
-            <a:r>
-              <a:rPr lang="de-DE" dirty="0"/>
-              <a:t>ÜBUNGSPUBLIKUM</a:t>
-            </a:r>
-          </a:p>
-          <a:p>
-            <a:pPr lvl="1" rtl="0"/>
-            <a:r>
-              <a:rPr lang="de-DE" dirty="0"/>
-              <a:t>Bitten Sie Ihre Kollegen, zuzuhören und Feedback zu geben.</a:t>
+              <a:t>Geschafft!</a:t>
             </a:r>
           </a:p>
         </p:txBody>
       </p:sp>
       <p:sp>
         <p:nvSpPr>
-          <p:cNvPr id="5" name="Inhaltsplatzhalter 4">
+          <p:cNvPr id="15" name="Textplatzhalter 14">
             <a:extLst>
               <a:ext uri="{FF2B5EF4-FFF2-40B4-BE49-F238E27FC236}">
-                <a16:creationId xmlns:a16="http://schemas.microsoft.com/office/drawing/2014/main" id="{7DA9EE9E-3073-7E11-3AA5-F77C3B48A97F}"/>
+                <a16:creationId xmlns:a16="http://schemas.microsoft.com/office/drawing/2014/main" id="{BF418405-B001-7450-8FDC-DA4D13EF44E4}"/>
               </a:ext>
             </a:extLst>
           </p:cNvPr>
@@ -29467,81 +29475,13 @@
             <a:spLocks noGrp="1"/>
           </p:cNvSpPr>
           <p:nvPr>
-            <p:ph sz="quarter" idx="12"/>
+            <p:ph type="body" sz="quarter" idx="13"/>
           </p:nvPr>
         </p:nvSpPr>
         <p:spPr>
           <a:xfrm>
-            <a:off x="8113472" y="2039111"/>
-            <a:ext cx="3163824" cy="3840480"/>
-          </a:xfrm>
-        </p:spPr>
-        <p:txBody>
-          <a:bodyPr rtlCol="0">
-            <a:normAutofit/>
-          </a:bodyPr>
-          <a:lstStyle>
-            <a:defPPr>
-              <a:defRPr lang="de-DE"/>
-            </a:defPPr>
-          </a:lstStyle>
-          <a:p>
-            <a:pPr rtl="0"/>
-            <a:r>
-              <a:rPr lang="de-DE" dirty="0"/>
-              <a:t>Feedback einholen</a:t>
-            </a:r>
-          </a:p>
-          <a:p>
-            <a:pPr rtl="0"/>
-            <a:r>
-              <a:rPr lang="de-DE" dirty="0"/>
-              <a:t>Über Leistung nachdenken</a:t>
-            </a:r>
-          </a:p>
-          <a:p>
-            <a:pPr rtl="0"/>
-            <a:r>
-              <a:rPr lang="de-DE" dirty="0"/>
-              <a:t>Erkunden neuer Techniken</a:t>
-            </a:r>
-          </a:p>
-          <a:p>
-            <a:pPr rtl="0"/>
-            <a:r>
-              <a:rPr lang="de-DE" dirty="0"/>
-              <a:t>Persönliche Ziele festlegen</a:t>
-            </a:r>
-          </a:p>
-          <a:p>
-            <a:pPr rtl="0"/>
-            <a:r>
-              <a:rPr lang="de-DE" dirty="0"/>
-              <a:t>Wiederholen und Anpassen</a:t>
-            </a:r>
-          </a:p>
-        </p:txBody>
-      </p:sp>
-      <p:sp>
-        <p:nvSpPr>
-          <p:cNvPr id="4" name="Foliennummernplatzhalter 3">
-            <a:extLst>
-              <a:ext uri="{FF2B5EF4-FFF2-40B4-BE49-F238E27FC236}">
-                <a16:creationId xmlns:a16="http://schemas.microsoft.com/office/drawing/2014/main" id="{AE59500A-4B75-29F9-CE37-C3E13D6A566A}"/>
-              </a:ext>
-            </a:extLst>
-          </p:cNvPr>
-          <p:cNvSpPr>
-            <a:spLocks noGrp="1"/>
-          </p:cNvSpPr>
-          <p:nvPr>
-            <p:ph type="sldNum" sz="quarter" idx="4"/>
-          </p:nvPr>
-        </p:nvSpPr>
-        <p:spPr>
-          <a:xfrm>
-            <a:off x="11353800" y="5879804"/>
-            <a:ext cx="661416" cy="895899"/>
+            <a:off x="2041114" y="3825875"/>
+            <a:ext cx="8109772" cy="2644775"/>
           </a:xfrm>
         </p:spPr>
         <p:txBody>
@@ -29552,12 +29492,22 @@
             </a:defPPr>
           </a:lstStyle>
           <a:p>
-            <a:pPr rtl="0"/>
-            <a:fld id="{58FB4751-880F-D840-AAA9-3A15815CC996}" type="slidenum">
-              <a:rPr lang="de-DE" smtClean="0"/>
-              <a:pPr rtl="0"/>
-              <a:t>13</a:t>
-            </a:fld>
+            <a:r>
+              <a:rPr lang="de-DE" dirty="0"/>
+              <a:t>Nun wisst ihr </a:t>
+            </a:r>
+            <a:r>
+              <a:rPr lang="de-DE" sz="1000" dirty="0"/>
+              <a:t>fast</a:t>
+            </a:r>
+            <a:r>
+              <a:rPr lang="de-DE" dirty="0"/>
+              <a:t> alles für den </a:t>
+            </a:r>
+            <a:r>
+              <a:rPr lang="de-DE" dirty="0" err="1"/>
+              <a:t>avatar-maker</a:t>
+            </a:r>
             <a:endParaRPr lang="de-DE" dirty="0"/>
           </a:p>
         </p:txBody>
@@ -29565,7 +29515,7 @@
     </p:spTree>
     <p:extLst>
       <p:ext uri="{BB962C8B-B14F-4D97-AF65-F5344CB8AC3E}">
-        <p14:creationId xmlns:p14="http://schemas.microsoft.com/office/powerpoint/2010/main" val="4132147533"/>
+        <p14:creationId xmlns:p14="http://schemas.microsoft.com/office/powerpoint/2010/main" val="2714415513"/>
       </p:ext>
     </p:extLst>
   </p:cSld>

--- a/Intro HTML & CSS.pptx
+++ b/Intro HTML & CSS.pptx
@@ -28627,23 +28627,7 @@
                   <a:srgbClr val="FF0000"/>
                 </a:solidFill>
               </a:rPr>
-              <a:t>Nur das Aussehen, Nicht was </a:t>
-            </a:r>
-            <a:r>
-              <a:rPr lang="de-DE" sz="2000" dirty="0" err="1">
-                <a:solidFill>
-                  <a:srgbClr val="FF0000"/>
-                </a:solidFill>
-              </a:rPr>
-              <a:t>Drinn</a:t>
-            </a:r>
-            <a:r>
-              <a:rPr lang="de-DE" sz="2000" dirty="0">
-                <a:solidFill>
-                  <a:srgbClr val="FF0000"/>
-                </a:solidFill>
-              </a:rPr>
-              <a:t> ist!</a:t>
+              <a:t>Nur das Aussehen, Nicht was Drin ist!</a:t>
             </a:r>
           </a:p>
           <a:p>
@@ -28815,13 +28799,8 @@
             <a:pPr rtl="0"/>
             <a:r>
               <a:rPr lang="de-DE" dirty="0"/>
-              <a:t>HTML und CSS Tags </a:t>
+              <a:t>HTML und CSS Zusammenhang</a:t>
             </a:r>
-            <a:r>
-              <a:rPr lang="de-DE" dirty="0" err="1"/>
-              <a:t>zusammenhang</a:t>
-            </a:r>
-            <a:endParaRPr lang="de-DE" dirty="0"/>
           </a:p>
         </p:txBody>
       </p:sp>
@@ -28849,7 +28828,7 @@
         </p:spPr>
         <p:txBody>
           <a:bodyPr rtlCol="0">
-            <a:normAutofit/>
+            <a:normAutofit lnSpcReduction="10000"/>
           </a:bodyPr>
           <a:lstStyle>
             <a:defPPr>
@@ -28893,6 +28872,12 @@
               <a:rPr lang="de-DE" sz="2800" dirty="0"/>
               <a:t>&gt; Ich bin ein Paragraf &lt;/p&gt;</a:t>
             </a:r>
+          </a:p>
+          <a:p>
+            <a:pPr marL="914400" lvl="2" indent="0" algn="just">
+              <a:buNone/>
+            </a:pPr>
+            <a:endParaRPr lang="de-DE" sz="2800" dirty="0"/>
           </a:p>
           <a:p>
             <a:pPr marL="457200" lvl="1" indent="0" algn="just">
@@ -29064,13 +29049,8 @@
             <a:pPr rtl="0"/>
             <a:r>
               <a:rPr lang="de-DE" dirty="0"/>
-              <a:t>HTML und CSS Tags </a:t>
+              <a:t>CSS Vorher - Nachher</a:t>
             </a:r>
-            <a:r>
-              <a:rPr lang="de-DE" dirty="0" err="1"/>
-              <a:t>zusammenhang</a:t>
-            </a:r>
-            <a:endParaRPr lang="de-DE" dirty="0"/>
           </a:p>
         </p:txBody>
       </p:sp>
@@ -30513,23 +30493,7 @@
                   <a:srgbClr val="FF0000"/>
                 </a:solidFill>
               </a:rPr>
-              <a:t>Nicht das aussehen, nur was </a:t>
-            </a:r>
-            <a:r>
-              <a:rPr lang="de-DE" sz="2000" dirty="0" err="1">
-                <a:solidFill>
-                  <a:srgbClr val="FF0000"/>
-                </a:solidFill>
-              </a:rPr>
-              <a:t>drinn</a:t>
-            </a:r>
-            <a:r>
-              <a:rPr lang="de-DE" sz="2000" dirty="0">
-                <a:solidFill>
-                  <a:srgbClr val="FF0000"/>
-                </a:solidFill>
-              </a:rPr>
-              <a:t> ist!</a:t>
+              <a:t>Nicht das aussehen, nur was drin ist!</a:t>
             </a:r>
           </a:p>
           <a:p>
@@ -30549,15 +30513,7 @@
             </a:pPr>
             <a:r>
               <a:rPr lang="de-DE" sz="2200" dirty="0"/>
-              <a:t>&lt;title&gt;Ich bin ein Titel &lt;/</a:t>
-            </a:r>
-            <a:r>
-              <a:rPr lang="de-DE" sz="2200" dirty="0" err="1"/>
-              <a:t>titel</a:t>
-            </a:r>
-            <a:r>
-              <a:rPr lang="de-DE" sz="2200" dirty="0"/>
-              <a:t>&gt;</a:t>
+              <a:t>&lt;title&gt;Ich bin ein Titel &lt;/title&gt;</a:t>
             </a:r>
           </a:p>
           <a:p>

--- a/Intro HTML & CSS.pptx
+++ b/Intro HTML & CSS.pptx
@@ -5,26 +5,27 @@
     <p:sldMasterId id="2147483648" r:id="rId4"/>
   </p:sldMasterIdLst>
   <p:notesMasterIdLst>
-    <p:notesMasterId r:id="rId19"/>
+    <p:notesMasterId r:id="rId20"/>
   </p:notesMasterIdLst>
   <p:handoutMasterIdLst>
-    <p:handoutMasterId r:id="rId20"/>
+    <p:handoutMasterId r:id="rId21"/>
   </p:handoutMasterIdLst>
   <p:sldIdLst>
-    <p:sldId id="317" r:id="rId5"/>
-    <p:sldId id="307" r:id="rId6"/>
-    <p:sldId id="308" r:id="rId7"/>
-    <p:sldId id="309" r:id="rId8"/>
-    <p:sldId id="263" r:id="rId9"/>
-    <p:sldId id="320" r:id="rId10"/>
-    <p:sldId id="324" r:id="rId11"/>
-    <p:sldId id="322" r:id="rId12"/>
-    <p:sldId id="319" r:id="rId13"/>
-    <p:sldId id="325" r:id="rId14"/>
-    <p:sldId id="326" r:id="rId15"/>
-    <p:sldId id="327" r:id="rId16"/>
-    <p:sldId id="323" r:id="rId17"/>
-    <p:sldId id="328" r:id="rId18"/>
+    <p:sldId id="256" r:id="rId5"/>
+    <p:sldId id="317" r:id="rId6"/>
+    <p:sldId id="307" r:id="rId7"/>
+    <p:sldId id="308" r:id="rId8"/>
+    <p:sldId id="309" r:id="rId9"/>
+    <p:sldId id="263" r:id="rId10"/>
+    <p:sldId id="320" r:id="rId11"/>
+    <p:sldId id="324" r:id="rId12"/>
+    <p:sldId id="322" r:id="rId13"/>
+    <p:sldId id="319" r:id="rId14"/>
+    <p:sldId id="325" r:id="rId15"/>
+    <p:sldId id="326" r:id="rId16"/>
+    <p:sldId id="327" r:id="rId17"/>
+    <p:sldId id="323" r:id="rId18"/>
+    <p:sldId id="328" r:id="rId19"/>
   </p:sldIdLst>
   <p:sldSz cx="12192000" cy="6858000"/>
   <p:notesSz cx="6858000" cy="9144000"/>
@@ -893,7 +894,7 @@
             <a:pPr rtl="0"/>
             <a:fld id="{7C366290-4595-5745-A50F-D5EC13BAC604}" type="slidenum">
               <a:rPr lang="de-DE" noProof="0" smtClean="0"/>
-              <a:t>1</a:t>
+              <a:t>2</a:t>
             </a:fld>
             <a:endParaRPr lang="de-DE" noProof="0" dirty="0"/>
           </a:p>
@@ -1011,7 +1012,7 @@
             <a:pPr rtl="0"/>
             <a:fld id="{7C366290-4595-5745-A50F-D5EC13BAC604}" type="slidenum">
               <a:rPr lang="de-DE" noProof="0" smtClean="0"/>
-              <a:t>10</a:t>
+              <a:t>11</a:t>
             </a:fld>
             <a:endParaRPr lang="de-DE" noProof="0" dirty="0"/>
           </a:p>
@@ -1129,7 +1130,7 @@
             <a:pPr rtl="0"/>
             <a:fld id="{7C366290-4595-5745-A50F-D5EC13BAC604}" type="slidenum">
               <a:rPr lang="de-DE" noProof="0" smtClean="0"/>
-              <a:t>11</a:t>
+              <a:t>12</a:t>
             </a:fld>
             <a:endParaRPr lang="de-DE" noProof="0" dirty="0"/>
           </a:p>
@@ -1247,7 +1248,7 @@
             <a:pPr rtl="0"/>
             <a:fld id="{7C366290-4595-5745-A50F-D5EC13BAC604}" type="slidenum">
               <a:rPr lang="de-DE" noProof="0" smtClean="0"/>
-              <a:t>12</a:t>
+              <a:t>13</a:t>
             </a:fld>
             <a:endParaRPr lang="de-DE" noProof="0" dirty="0"/>
           </a:p>
@@ -1365,7 +1366,7 @@
             <a:pPr rtl="0"/>
             <a:fld id="{7C366290-4595-5745-A50F-D5EC13BAC604}" type="slidenum">
               <a:rPr lang="de-DE" noProof="0" smtClean="0"/>
-              <a:t>13</a:t>
+              <a:t>14</a:t>
             </a:fld>
             <a:endParaRPr lang="de-DE" noProof="0" dirty="0"/>
           </a:p>
@@ -1483,7 +1484,7 @@
             <a:pPr rtl="0"/>
             <a:fld id="{7C366290-4595-5745-A50F-D5EC13BAC604}" type="slidenum">
               <a:rPr lang="de-DE" noProof="0" smtClean="0"/>
-              <a:t>14</a:t>
+              <a:t>15</a:t>
             </a:fld>
             <a:endParaRPr lang="de-DE" noProof="0" dirty="0"/>
           </a:p>
@@ -1577,7 +1578,7 @@
             <a:pPr rtl="0"/>
             <a:fld id="{7C366290-4595-5745-A50F-D5EC13BAC604}" type="slidenum">
               <a:rPr lang="de-DE" noProof="0" smtClean="0"/>
-              <a:t>2</a:t>
+              <a:t>3</a:t>
             </a:fld>
             <a:endParaRPr lang="de-DE" noProof="0" dirty="0"/>
           </a:p>
@@ -1671,7 +1672,7 @@
             <a:pPr rtl="0"/>
             <a:fld id="{7C366290-4595-5745-A50F-D5EC13BAC604}" type="slidenum">
               <a:rPr lang="de-DE" noProof="0" smtClean="0"/>
-              <a:t>3</a:t>
+              <a:t>4</a:t>
             </a:fld>
             <a:endParaRPr lang="de-DE" noProof="0" dirty="0"/>
           </a:p>
@@ -1765,7 +1766,7 @@
             <a:pPr rtl="0"/>
             <a:fld id="{7C366290-4595-5745-A50F-D5EC13BAC604}" type="slidenum">
               <a:rPr lang="de-DE" noProof="0" smtClean="0"/>
-              <a:t>4</a:t>
+              <a:t>5</a:t>
             </a:fld>
             <a:endParaRPr lang="de-DE" noProof="0" dirty="0"/>
           </a:p>
@@ -1859,7 +1860,7 @@
             <a:pPr rtl="0"/>
             <a:fld id="{7C366290-4595-5745-A50F-D5EC13BAC604}" type="slidenum">
               <a:rPr lang="de-DE" noProof="0" smtClean="0"/>
-              <a:t>5</a:t>
+              <a:t>6</a:t>
             </a:fld>
             <a:endParaRPr lang="de-DE" noProof="0" dirty="0"/>
           </a:p>
@@ -1977,7 +1978,7 @@
             <a:pPr rtl="0"/>
             <a:fld id="{7C366290-4595-5745-A50F-D5EC13BAC604}" type="slidenum">
               <a:rPr lang="de-DE" noProof="0" smtClean="0"/>
-              <a:t>6</a:t>
+              <a:t>7</a:t>
             </a:fld>
             <a:endParaRPr lang="de-DE" noProof="0" dirty="0"/>
           </a:p>
@@ -2095,7 +2096,7 @@
             <a:pPr rtl="0"/>
             <a:fld id="{7C366290-4595-5745-A50F-D5EC13BAC604}" type="slidenum">
               <a:rPr lang="de-DE" noProof="0" smtClean="0"/>
-              <a:t>7</a:t>
+              <a:t>8</a:t>
             </a:fld>
             <a:endParaRPr lang="de-DE" noProof="0" dirty="0"/>
           </a:p>
@@ -2213,7 +2214,7 @@
             <a:pPr rtl="0"/>
             <a:fld id="{7C366290-4595-5745-A50F-D5EC13BAC604}" type="slidenum">
               <a:rPr lang="de-DE" noProof="0" smtClean="0"/>
-              <a:t>8</a:t>
+              <a:t>9</a:t>
             </a:fld>
             <a:endParaRPr lang="de-DE" noProof="0" dirty="0"/>
           </a:p>
@@ -2331,7 +2332,7 @@
             <a:pPr rtl="0"/>
             <a:fld id="{7C366290-4595-5745-A50F-D5EC13BAC604}" type="slidenum">
               <a:rPr lang="de-DE" noProof="0" smtClean="0"/>
-              <a:t>9</a:t>
+              <a:t>10</a:t>
             </a:fld>
             <a:endParaRPr lang="de-DE" noProof="0" dirty="0"/>
           </a:p>
@@ -12458,6 +12459,101 @@
     <p:extLst>
       <p:ext uri="{BB962C8B-B14F-4D97-AF65-F5344CB8AC3E}">
         <p14:creationId xmlns:p14="http://schemas.microsoft.com/office/powerpoint/2010/main" val="3021782729"/>
+      </p:ext>
+    </p:extLst>
+  </p:cSld>
+  <p:clrMapOvr>
+    <a:masterClrMapping/>
+  </p:clrMapOvr>
+</p:sldLayout>
+</file>
+
+<file path=ppt/slideLayouts/slideLayout15.xml><?xml version="1.0" encoding="utf-8"?>
+<p:sldLayout xmlns:a="http://schemas.openxmlformats.org/drawingml/2006/main" xmlns:r="http://schemas.openxmlformats.org/officeDocument/2006/relationships" xmlns:p="http://schemas.openxmlformats.org/presentationml/2006/main" type="blank">
+  <p:cSld name="Blank">
+    <p:spTree>
+      <p:nvGrpSpPr>
+        <p:cNvPr id="1" name=""/>
+        <p:cNvGrpSpPr/>
+        <p:nvPr/>
+      </p:nvGrpSpPr>
+      <p:grpSpPr>
+        <a:xfrm>
+          <a:off x="0" y="0"/>
+          <a:ext cx="0" cy="0"/>
+          <a:chOff x="0" y="0"/>
+          <a:chExt cx="0" cy="0"/>
+        </a:xfrm>
+      </p:grpSpPr>
+      <p:sp>
+        <p:nvSpPr>
+          <p:cNvPr id="2" name="Date Placeholder 1"/>
+          <p:cNvSpPr>
+            <a:spLocks noGrp="1"/>
+          </p:cNvSpPr>
+          <p:nvPr>
+            <p:ph type="dt" sz="half" idx="10"/>
+          </p:nvPr>
+        </p:nvSpPr>
+        <p:spPr/>
+        <p:txBody>
+          <a:bodyPr/>
+          <a:lstStyle/>
+          <a:p>
+            <a:fld id="{5BCAD085-E8A6-8845-BD4E-CB4CCA059FC4}" type="datetimeFigureOut">
+              <a:rPr lang="en-US" smtClean="0"/>
+              <a:t>12/4/2025</a:t>
+            </a:fld>
+            <a:endParaRPr lang="en-US"/>
+          </a:p>
+        </p:txBody>
+      </p:sp>
+      <p:sp>
+        <p:nvSpPr>
+          <p:cNvPr id="3" name="Footer Placeholder 2"/>
+          <p:cNvSpPr>
+            <a:spLocks noGrp="1"/>
+          </p:cNvSpPr>
+          <p:nvPr>
+            <p:ph type="ftr" sz="quarter" idx="11"/>
+          </p:nvPr>
+        </p:nvSpPr>
+        <p:spPr/>
+        <p:txBody>
+          <a:bodyPr/>
+          <a:lstStyle/>
+          <a:p>
+            <a:endParaRPr lang="en-US"/>
+          </a:p>
+        </p:txBody>
+      </p:sp>
+      <p:sp>
+        <p:nvSpPr>
+          <p:cNvPr id="4" name="Slide Number Placeholder 3"/>
+          <p:cNvSpPr>
+            <a:spLocks noGrp="1"/>
+          </p:cNvSpPr>
+          <p:nvPr>
+            <p:ph type="sldNum" sz="quarter" idx="12"/>
+          </p:nvPr>
+        </p:nvSpPr>
+        <p:spPr/>
+        <p:txBody>
+          <a:bodyPr/>
+          <a:lstStyle/>
+          <a:p>
+            <a:fld id="{C1FF6DA9-008F-8B48-92A6-B652298478BF}" type="slidenum">
+              <a:rPr lang="en-US" smtClean="0"/>
+              <a:t>‹Nr.›</a:t>
+            </a:fld>
+            <a:endParaRPr lang="en-US"/>
+          </a:p>
+        </p:txBody>
+      </p:sp>
+    </p:spTree>
+    <p:extLst>
+      <p:ext uri="{BB962C8B-B14F-4D97-AF65-F5344CB8AC3E}">
+        <p14:creationId xmlns:p14="http://schemas.microsoft.com/office/powerpoint/2010/main" val="902774963"/>
       </p:ext>
     </p:extLst>
   </p:cSld>
@@ -28158,6 +28254,7 @@
     <p:sldLayoutId id="2147483682" r:id="rId12"/>
     <p:sldLayoutId id="2147483666" r:id="rId13"/>
     <p:sldLayoutId id="2147483654" r:id="rId14"/>
+    <p:sldLayoutId id="2147483683" r:id="rId15"/>
   </p:sldLayoutIdLst>
   <p:hf hdr="0" ftr="0" dt="0"/>
   <p:txStyles>
@@ -28446,12 +28543,1588 @@
 <file path=ppt/slides/slide1.xml><?xml version="1.0" encoding="utf-8"?>
 <p:sld xmlns:a="http://schemas.openxmlformats.org/drawingml/2006/main" xmlns:r="http://schemas.openxmlformats.org/officeDocument/2006/relationships" xmlns:p="http://schemas.openxmlformats.org/presentationml/2006/main">
   <p:cSld>
+    <p:bg>
+      <p:bgPr>
+        <a:solidFill>
+          <a:srgbClr val="000000"/>
+        </a:solidFill>
+        <a:effectLst/>
+      </p:bgPr>
+    </p:bg>
+    <p:spTree>
+      <p:nvGrpSpPr>
+        <p:cNvPr id="1" name=""/>
+        <p:cNvGrpSpPr/>
+        <p:nvPr/>
+      </p:nvGrpSpPr>
+      <p:grpSpPr>
+        <a:xfrm>
+          <a:off x="0" y="0"/>
+          <a:ext cx="0" cy="0"/>
+          <a:chOff x="0" y="0"/>
+          <a:chExt cx="0" cy="0"/>
+        </a:xfrm>
+      </p:grpSpPr>
+      <p:sp>
+        <p:nvSpPr>
+          <p:cNvPr id="2" name="Rounded Rectangle 1"/>
+          <p:cNvSpPr/>
+          <p:nvPr/>
+        </p:nvSpPr>
+        <p:spPr>
+          <a:xfrm>
+            <a:off x="7558166" y="3239135"/>
+            <a:ext cx="956772" cy="825500"/>
+          </a:xfrm>
+          <a:custGeom>
+            <a:avLst/>
+            <a:gdLst/>
+            <a:ahLst/>
+            <a:cxnLst/>
+            <a:rect l="0" t="0" r="0" b="0"/>
+            <a:pathLst>
+              <a:path w="956772" h="825500">
+                <a:moveTo>
+                  <a:pt x="5732" y="428636"/>
+                </a:moveTo>
+                <a:cubicBezTo>
+                  <a:pt x="0" y="418803"/>
+                  <a:pt x="0" y="406696"/>
+                  <a:pt x="5732" y="396863"/>
+                </a:cubicBezTo>
+                <a:lnTo>
+                  <a:pt x="228149" y="15886"/>
+                </a:lnTo>
+                <a:cubicBezTo>
+                  <a:pt x="233891" y="6053"/>
+                  <a:pt x="244494" y="0"/>
+                  <a:pt x="255969" y="0"/>
+                </a:cubicBezTo>
+                <a:lnTo>
+                  <a:pt x="700803" y="0"/>
+                </a:lnTo>
+                <a:cubicBezTo>
+                  <a:pt x="712278" y="0"/>
+                  <a:pt x="722881" y="6053"/>
+                  <a:pt x="728622" y="15886"/>
+                </a:cubicBezTo>
+                <a:lnTo>
+                  <a:pt x="951040" y="396863"/>
+                </a:lnTo>
+                <a:cubicBezTo>
+                  <a:pt x="956772" y="406696"/>
+                  <a:pt x="956772" y="418803"/>
+                  <a:pt x="951040" y="428636"/>
+                </a:cubicBezTo>
+                <a:lnTo>
+                  <a:pt x="728622" y="809613"/>
+                </a:lnTo>
+                <a:cubicBezTo>
+                  <a:pt x="722881" y="819446"/>
+                  <a:pt x="712278" y="825500"/>
+                  <a:pt x="700803" y="825500"/>
+                </a:cubicBezTo>
+                <a:lnTo>
+                  <a:pt x="255969" y="825500"/>
+                </a:lnTo>
+                <a:cubicBezTo>
+                  <a:pt x="244494" y="825500"/>
+                  <a:pt x="233891" y="819446"/>
+                  <a:pt x="228149" y="809613"/>
+                </a:cubicBezTo>
+                <a:lnTo>
+                  <a:pt x="5732" y="428636"/>
+                </a:lnTo>
+              </a:path>
+            </a:pathLst>
+          </a:custGeom>
+          <a:solidFill>
+            <a:srgbClr val="69425A"/>
+          </a:solidFill>
+          <a:ln>
+            <a:noFill/>
+          </a:ln>
+        </p:spPr>
+        <p:txBody>
+          <a:bodyPr rtlCol="0" anchor="ctr"/>
+          <a:lstStyle/>
+          <a:p>
+            <a:pPr algn="ctr"/>
+            <a:endParaRPr/>
+          </a:p>
+        </p:txBody>
+      </p:sp>
+      <p:sp>
+        <p:nvSpPr>
+          <p:cNvPr id="3" name="Rounded Rectangle 2"/>
+          <p:cNvSpPr/>
+          <p:nvPr/>
+        </p:nvSpPr>
+        <p:spPr>
+          <a:xfrm>
+            <a:off x="7558163" y="3239135"/>
+            <a:ext cx="956780" cy="825500"/>
+          </a:xfrm>
+          <a:custGeom>
+            <a:avLst/>
+            <a:gdLst/>
+            <a:ahLst/>
+            <a:cxnLst/>
+            <a:rect l="0" t="0" r="0" b="0"/>
+            <a:pathLst>
+              <a:path w="956780" h="825500">
+                <a:moveTo>
+                  <a:pt x="5739" y="428637"/>
+                </a:moveTo>
+                <a:cubicBezTo>
+                  <a:pt x="0" y="418806"/>
+                  <a:pt x="0" y="406693"/>
+                  <a:pt x="5739" y="396863"/>
+                </a:cubicBezTo>
+                <a:lnTo>
+                  <a:pt x="228152" y="15887"/>
+                </a:lnTo>
+                <a:cubicBezTo>
+                  <a:pt x="233891" y="6056"/>
+                  <a:pt x="244498" y="0"/>
+                  <a:pt x="255976" y="0"/>
+                </a:cubicBezTo>
+                <a:lnTo>
+                  <a:pt x="700803" y="0"/>
+                </a:lnTo>
+                <a:cubicBezTo>
+                  <a:pt x="712281" y="0"/>
+                  <a:pt x="722888" y="6056"/>
+                  <a:pt x="728627" y="15887"/>
+                </a:cubicBezTo>
+                <a:lnTo>
+                  <a:pt x="951041" y="396862"/>
+                </a:lnTo>
+                <a:cubicBezTo>
+                  <a:pt x="956780" y="406693"/>
+                  <a:pt x="956780" y="418806"/>
+                  <a:pt x="951041" y="428636"/>
+                </a:cubicBezTo>
+                <a:lnTo>
+                  <a:pt x="728627" y="809612"/>
+                </a:lnTo>
+                <a:cubicBezTo>
+                  <a:pt x="722888" y="819443"/>
+                  <a:pt x="712281" y="825500"/>
+                  <a:pt x="700803" y="825500"/>
+                </a:cubicBezTo>
+                <a:lnTo>
+                  <a:pt x="255976" y="825500"/>
+                </a:lnTo>
+                <a:cubicBezTo>
+                  <a:pt x="244498" y="825500"/>
+                  <a:pt x="233891" y="819443"/>
+                  <a:pt x="228152" y="809612"/>
+                </a:cubicBezTo>
+                <a:lnTo>
+                  <a:pt x="5739" y="428637"/>
+                </a:lnTo>
+                <a:close/>
+              </a:path>
+            </a:pathLst>
+          </a:custGeom>
+          <a:noFill/>
+          <a:ln w="13758">
+            <a:solidFill>
+              <a:srgbClr val="F366BB"/>
+            </a:solidFill>
+          </a:ln>
+        </p:spPr>
+        <p:txBody>
+          <a:bodyPr rtlCol="0" anchor="ctr"/>
+          <a:lstStyle/>
+          <a:p>
+            <a:pPr algn="ctr"/>
+            <a:endParaRPr/>
+          </a:p>
+        </p:txBody>
+      </p:sp>
+      <p:sp>
+        <p:nvSpPr>
+          <p:cNvPr id="4" name="Rounded Rectangle 3"/>
+          <p:cNvSpPr/>
+          <p:nvPr/>
+        </p:nvSpPr>
+        <p:spPr>
+          <a:xfrm>
+            <a:off x="6263609" y="3172802"/>
+            <a:ext cx="904289" cy="901005"/>
+          </a:xfrm>
+          <a:custGeom>
+            <a:avLst/>
+            <a:gdLst/>
+            <a:ahLst/>
+            <a:cxnLst/>
+            <a:rect l="0" t="0" r="0" b="0"/>
+            <a:pathLst>
+              <a:path w="904289" h="901005">
+                <a:moveTo>
+                  <a:pt x="433396" y="8511"/>
+                </a:moveTo>
+                <a:cubicBezTo>
+                  <a:pt x="444577" y="0"/>
+                  <a:pt x="459711" y="0"/>
+                  <a:pt x="470892" y="8511"/>
+                </a:cubicBezTo>
+                <a:lnTo>
+                  <a:pt x="888430" y="326320"/>
+                </a:lnTo>
+                <a:cubicBezTo>
+                  <a:pt x="899611" y="334831"/>
+                  <a:pt x="904289" y="349911"/>
+                  <a:pt x="900024" y="363678"/>
+                </a:cubicBezTo>
+                <a:lnTo>
+                  <a:pt x="740537" y="877919"/>
+                </a:lnTo>
+                <a:cubicBezTo>
+                  <a:pt x="736263" y="891686"/>
+                  <a:pt x="724018" y="901005"/>
+                  <a:pt x="710195" y="901005"/>
+                </a:cubicBezTo>
+                <a:lnTo>
+                  <a:pt x="194093" y="901005"/>
+                </a:lnTo>
+                <a:cubicBezTo>
+                  <a:pt x="180270" y="901005"/>
+                  <a:pt x="168025" y="891686"/>
+                  <a:pt x="163751" y="877919"/>
+                </a:cubicBezTo>
+                <a:lnTo>
+                  <a:pt x="4265" y="363678"/>
+                </a:lnTo>
+                <a:cubicBezTo>
+                  <a:pt x="0" y="349911"/>
+                  <a:pt x="4677" y="334831"/>
+                  <a:pt x="15858" y="326320"/>
+                </a:cubicBezTo>
+                <a:lnTo>
+                  <a:pt x="433396" y="8511"/>
+                </a:lnTo>
+              </a:path>
+            </a:pathLst>
+          </a:custGeom>
+          <a:solidFill>
+            <a:srgbClr val="68403F"/>
+          </a:solidFill>
+          <a:ln>
+            <a:noFill/>
+          </a:ln>
+        </p:spPr>
+        <p:txBody>
+          <a:bodyPr rtlCol="0" anchor="ctr"/>
+          <a:lstStyle/>
+          <a:p>
+            <a:pPr algn="ctr"/>
+            <a:endParaRPr/>
+          </a:p>
+        </p:txBody>
+      </p:sp>
+      <p:sp>
+        <p:nvSpPr>
+          <p:cNvPr id="5" name="Rounded Rectangle 4"/>
+          <p:cNvSpPr/>
+          <p:nvPr/>
+        </p:nvSpPr>
+        <p:spPr>
+          <a:xfrm>
+            <a:off x="6263608" y="3172802"/>
+            <a:ext cx="904291" cy="901004"/>
+          </a:xfrm>
+          <a:custGeom>
+            <a:avLst/>
+            <a:gdLst/>
+            <a:ahLst/>
+            <a:cxnLst/>
+            <a:rect l="0" t="0" r="0" b="0"/>
+            <a:pathLst>
+              <a:path w="904291" h="901004">
+                <a:moveTo>
+                  <a:pt x="433396" y="8509"/>
+                </a:moveTo>
+                <a:cubicBezTo>
+                  <a:pt x="444576" y="0"/>
+                  <a:pt x="459714" y="0"/>
+                  <a:pt x="470894" y="8509"/>
+                </a:cubicBezTo>
+                <a:lnTo>
+                  <a:pt x="888434" y="326321"/>
+                </a:lnTo>
+                <a:cubicBezTo>
+                  <a:pt x="899613" y="334831"/>
+                  <a:pt x="904291" y="349913"/>
+                  <a:pt x="900021" y="363682"/>
+                </a:cubicBezTo>
+                <a:lnTo>
+                  <a:pt x="740534" y="877914"/>
+                </a:lnTo>
+                <a:cubicBezTo>
+                  <a:pt x="736265" y="891683"/>
+                  <a:pt x="724017" y="901004"/>
+                  <a:pt x="710199" y="901004"/>
+                </a:cubicBezTo>
+                <a:lnTo>
+                  <a:pt x="194091" y="901004"/>
+                </a:lnTo>
+                <a:cubicBezTo>
+                  <a:pt x="180273" y="901004"/>
+                  <a:pt x="168025" y="891683"/>
+                  <a:pt x="163756" y="877914"/>
+                </a:cubicBezTo>
+                <a:lnTo>
+                  <a:pt x="4269" y="363682"/>
+                </a:lnTo>
+                <a:cubicBezTo>
+                  <a:pt x="0" y="349914"/>
+                  <a:pt x="4677" y="334831"/>
+                  <a:pt x="15856" y="326321"/>
+                </a:cubicBezTo>
+                <a:lnTo>
+                  <a:pt x="433396" y="8509"/>
+                </a:lnTo>
+                <a:close/>
+              </a:path>
+            </a:pathLst>
+          </a:custGeom>
+          <a:noFill/>
+          <a:ln w="13758">
+            <a:solidFill>
+              <a:srgbClr val="FB6762"/>
+            </a:solidFill>
+          </a:ln>
+        </p:spPr>
+        <p:txBody>
+          <a:bodyPr rtlCol="0" anchor="ctr"/>
+          <a:lstStyle/>
+          <a:p>
+            <a:pPr algn="ctr"/>
+            <a:endParaRPr/>
+          </a:p>
+        </p:txBody>
+      </p:sp>
+      <p:sp>
+        <p:nvSpPr>
+          <p:cNvPr id="6" name="Rounded Rectangle 5"/>
+          <p:cNvSpPr/>
+          <p:nvPr/>
+        </p:nvSpPr>
+        <p:spPr>
+          <a:xfrm>
+            <a:off x="4945515" y="3284997"/>
+            <a:ext cx="788811" cy="788811"/>
+          </a:xfrm>
+          <a:custGeom>
+            <a:avLst/>
+            <a:gdLst/>
+            <a:ahLst/>
+            <a:cxnLst/>
+            <a:rect l="0" t="0" r="0" b="0"/>
+            <a:pathLst>
+              <a:path w="788811" h="788811">
+                <a:moveTo>
+                  <a:pt x="0" y="37560"/>
+                </a:moveTo>
+                <a:cubicBezTo>
+                  <a:pt x="0" y="16812"/>
+                  <a:pt x="16812" y="0"/>
+                  <a:pt x="37560" y="0"/>
+                </a:cubicBezTo>
+                <a:lnTo>
+                  <a:pt x="751250" y="0"/>
+                </a:lnTo>
+                <a:cubicBezTo>
+                  <a:pt x="771989" y="0"/>
+                  <a:pt x="788811" y="16812"/>
+                  <a:pt x="788811" y="37560"/>
+                </a:cubicBezTo>
+                <a:lnTo>
+                  <a:pt x="788811" y="751250"/>
+                </a:lnTo>
+                <a:cubicBezTo>
+                  <a:pt x="788811" y="771989"/>
+                  <a:pt x="771989" y="788811"/>
+                  <a:pt x="751250" y="788811"/>
+                </a:cubicBezTo>
+                <a:lnTo>
+                  <a:pt x="37560" y="788811"/>
+                </a:lnTo>
+                <a:cubicBezTo>
+                  <a:pt x="16812" y="788811"/>
+                  <a:pt x="0" y="771989"/>
+                  <a:pt x="0" y="751250"/>
+                </a:cubicBezTo>
+                <a:lnTo>
+                  <a:pt x="0" y="37560"/>
+                </a:lnTo>
+              </a:path>
+            </a:pathLst>
+          </a:custGeom>
+          <a:solidFill>
+            <a:srgbClr val="5C4938"/>
+          </a:solidFill>
+          <a:ln>
+            <a:noFill/>
+          </a:ln>
+        </p:spPr>
+        <p:txBody>
+          <a:bodyPr rtlCol="0" anchor="ctr"/>
+          <a:lstStyle/>
+          <a:p>
+            <a:pPr algn="ctr"/>
+            <a:endParaRPr/>
+          </a:p>
+        </p:txBody>
+      </p:sp>
+      <p:sp>
+        <p:nvSpPr>
+          <p:cNvPr id="7" name="Rounded Rectangle 6"/>
+          <p:cNvSpPr/>
+          <p:nvPr/>
+        </p:nvSpPr>
+        <p:spPr>
+          <a:xfrm>
+            <a:off x="4945515" y="3284997"/>
+            <a:ext cx="788811" cy="788811"/>
+          </a:xfrm>
+          <a:custGeom>
+            <a:avLst/>
+            <a:gdLst/>
+            <a:ahLst/>
+            <a:cxnLst/>
+            <a:rect l="0" t="0" r="0" b="0"/>
+            <a:pathLst>
+              <a:path w="788811" h="788811">
+                <a:moveTo>
+                  <a:pt x="0" y="37562"/>
+                </a:moveTo>
+                <a:cubicBezTo>
+                  <a:pt x="0" y="16817"/>
+                  <a:pt x="16817" y="0"/>
+                  <a:pt x="37562" y="0"/>
+                </a:cubicBezTo>
+                <a:lnTo>
+                  <a:pt x="751249" y="0"/>
+                </a:lnTo>
+                <a:cubicBezTo>
+                  <a:pt x="771993" y="0"/>
+                  <a:pt x="788811" y="16817"/>
+                  <a:pt x="788811" y="37562"/>
+                </a:cubicBezTo>
+                <a:lnTo>
+                  <a:pt x="788811" y="751249"/>
+                </a:lnTo>
+                <a:cubicBezTo>
+                  <a:pt x="788811" y="771993"/>
+                  <a:pt x="771993" y="788811"/>
+                  <a:pt x="751249" y="788811"/>
+                </a:cubicBezTo>
+                <a:lnTo>
+                  <a:pt x="37562" y="788811"/>
+                </a:lnTo>
+                <a:cubicBezTo>
+                  <a:pt x="16817" y="788811"/>
+                  <a:pt x="0" y="771993"/>
+                  <a:pt x="0" y="751249"/>
+                </a:cubicBezTo>
+                <a:lnTo>
+                  <a:pt x="0" y="37562"/>
+                </a:lnTo>
+                <a:close/>
+              </a:path>
+            </a:pathLst>
+          </a:custGeom>
+          <a:noFill/>
+          <a:ln w="13758">
+            <a:solidFill>
+              <a:srgbClr val="F79438"/>
+            </a:solidFill>
+          </a:ln>
+        </p:spPr>
+        <p:txBody>
+          <a:bodyPr rtlCol="0" anchor="ctr"/>
+          <a:lstStyle/>
+          <a:p>
+            <a:pPr algn="ctr"/>
+            <a:endParaRPr/>
+          </a:p>
+        </p:txBody>
+      </p:sp>
+      <p:sp>
+        <p:nvSpPr>
+          <p:cNvPr id="8" name="Rounded Rectangle 7"/>
+          <p:cNvSpPr/>
+          <p:nvPr/>
+        </p:nvSpPr>
+        <p:spPr>
+          <a:xfrm>
+            <a:off x="3531727" y="3204584"/>
+            <a:ext cx="974787" cy="850879"/>
+          </a:xfrm>
+          <a:custGeom>
+            <a:avLst/>
+            <a:gdLst/>
+            <a:ahLst/>
+            <a:cxnLst/>
+            <a:rect l="0" t="0" r="0" b="0"/>
+            <a:pathLst>
+              <a:path w="974787" h="850879">
+                <a:moveTo>
+                  <a:pt x="451144" y="28131"/>
+                </a:moveTo>
+                <a:cubicBezTo>
+                  <a:pt x="467251" y="0"/>
+                  <a:pt x="507535" y="0"/>
+                  <a:pt x="523642" y="28131"/>
+                </a:cubicBezTo>
+                <a:lnTo>
+                  <a:pt x="958680" y="787591"/>
+                </a:lnTo>
+                <a:cubicBezTo>
+                  <a:pt x="974787" y="815722"/>
+                  <a:pt x="954654" y="850879"/>
+                  <a:pt x="922422" y="850879"/>
+                </a:cubicBezTo>
+                <a:lnTo>
+                  <a:pt x="52364" y="850879"/>
+                </a:lnTo>
+                <a:cubicBezTo>
+                  <a:pt x="20133" y="850879"/>
+                  <a:pt x="0" y="815722"/>
+                  <a:pt x="16106" y="787591"/>
+                </a:cubicBezTo>
+                <a:lnTo>
+                  <a:pt x="451144" y="28131"/>
+                </a:lnTo>
+              </a:path>
+            </a:pathLst>
+          </a:custGeom>
+          <a:solidFill>
+            <a:srgbClr val="54502F"/>
+          </a:solidFill>
+          <a:ln>
+            <a:noFill/>
+          </a:ln>
+        </p:spPr>
+        <p:txBody>
+          <a:bodyPr rtlCol="0" anchor="ctr"/>
+          <a:lstStyle/>
+          <a:p>
+            <a:pPr algn="ctr"/>
+            <a:endParaRPr/>
+          </a:p>
+        </p:txBody>
+      </p:sp>
+      <p:sp>
+        <p:nvSpPr>
+          <p:cNvPr id="9" name="Rounded Rectangle 8"/>
+          <p:cNvSpPr/>
+          <p:nvPr/>
+        </p:nvSpPr>
+        <p:spPr>
+          <a:xfrm>
+            <a:off x="3531722" y="3204586"/>
+            <a:ext cx="974794" cy="850876"/>
+          </a:xfrm>
+          <a:custGeom>
+            <a:avLst/>
+            <a:gdLst/>
+            <a:ahLst/>
+            <a:cxnLst/>
+            <a:rect l="0" t="0" r="0" b="0"/>
+            <a:pathLst>
+              <a:path w="974794" h="850876">
+                <a:moveTo>
+                  <a:pt x="451144" y="28128"/>
+                </a:moveTo>
+                <a:cubicBezTo>
+                  <a:pt x="467256" y="0"/>
+                  <a:pt x="507537" y="0"/>
+                  <a:pt x="523649" y="28128"/>
+                </a:cubicBezTo>
+                <a:lnTo>
+                  <a:pt x="958681" y="787588"/>
+                </a:lnTo>
+                <a:cubicBezTo>
+                  <a:pt x="974794" y="815716"/>
+                  <a:pt x="954654" y="850876"/>
+                  <a:pt x="922429" y="850876"/>
+                </a:cubicBezTo>
+                <a:lnTo>
+                  <a:pt x="52365" y="850876"/>
+                </a:lnTo>
+                <a:cubicBezTo>
+                  <a:pt x="20140" y="850876"/>
+                  <a:pt x="0" y="815716"/>
+                  <a:pt x="16112" y="787588"/>
+                </a:cubicBezTo>
+                <a:lnTo>
+                  <a:pt x="451144" y="28128"/>
+                </a:lnTo>
+                <a:close/>
+              </a:path>
+            </a:pathLst>
+          </a:custGeom>
+          <a:noFill/>
+          <a:ln w="13758">
+            <a:solidFill>
+              <a:srgbClr val="FFE711"/>
+            </a:solidFill>
+          </a:ln>
+        </p:spPr>
+        <p:txBody>
+          <a:bodyPr rtlCol="0" anchor="ctr"/>
+          <a:lstStyle/>
+          <a:p>
+            <a:pPr algn="ctr"/>
+            <a:endParaRPr/>
+          </a:p>
+        </p:txBody>
+      </p:sp>
+      <p:grpSp>
+        <p:nvGrpSpPr>
+          <p:cNvPr id="12" name="Group 11"/>
+          <p:cNvGrpSpPr/>
+          <p:nvPr/>
+        </p:nvGrpSpPr>
+        <p:grpSpPr>
+          <a:xfrm>
+            <a:off x="7976934" y="4170115"/>
+            <a:ext cx="119238" cy="536574"/>
+            <a:chOff x="5168547" y="3746852"/>
+            <a:chExt cx="119238" cy="536574"/>
+          </a:xfrm>
+        </p:grpSpPr>
+        <p:sp>
+          <p:nvSpPr>
+            <p:cNvPr id="10" name="Rounded Rectangle 9"/>
+            <p:cNvSpPr/>
+            <p:nvPr/>
+          </p:nvSpPr>
+          <p:spPr>
+            <a:xfrm>
+              <a:off x="5228166" y="3751438"/>
+              <a:ext cx="9172" cy="531988"/>
+            </a:xfrm>
+            <a:custGeom>
+              <a:avLst/>
+              <a:gdLst/>
+              <a:ahLst/>
+              <a:cxnLst/>
+              <a:rect l="0" t="0" r="0" b="0"/>
+              <a:pathLst>
+                <a:path w="9172" h="531988">
+                  <a:moveTo>
+                    <a:pt x="0" y="531988"/>
+                  </a:moveTo>
+                  <a:lnTo>
+                    <a:pt x="0" y="0"/>
+                  </a:lnTo>
+                </a:path>
+              </a:pathLst>
+            </a:custGeom>
+            <a:noFill/>
+            <a:ln w="13758">
+              <a:solidFill>
+                <a:srgbClr val="ABABAB"/>
+              </a:solidFill>
+            </a:ln>
+          </p:spPr>
+          <p:txBody>
+            <a:bodyPr rtlCol="0" anchor="ctr"/>
+            <a:lstStyle/>
+            <a:p>
+              <a:pPr algn="ctr"/>
+              <a:endParaRPr/>
+            </a:p>
+          </p:txBody>
+        </p:sp>
+        <p:sp>
+          <p:nvSpPr>
+            <p:cNvPr id="11" name="Rounded Rectangle 10"/>
+            <p:cNvSpPr/>
+            <p:nvPr/>
+          </p:nvSpPr>
+          <p:spPr>
+            <a:xfrm>
+              <a:off x="5168547" y="3746852"/>
+              <a:ext cx="119238" cy="59619"/>
+            </a:xfrm>
+            <a:custGeom>
+              <a:avLst/>
+              <a:gdLst/>
+              <a:ahLst/>
+              <a:cxnLst/>
+              <a:rect l="0" t="0" r="0" b="0"/>
+              <a:pathLst>
+                <a:path w="119238" h="59619">
+                  <a:moveTo>
+                    <a:pt x="119238" y="59619"/>
+                  </a:moveTo>
+                  <a:lnTo>
+                    <a:pt x="59619" y="0"/>
+                  </a:lnTo>
+                  <a:lnTo>
+                    <a:pt x="0" y="59619"/>
+                  </a:lnTo>
+                </a:path>
+              </a:pathLst>
+            </a:custGeom>
+            <a:noFill/>
+            <a:ln w="13758">
+              <a:solidFill>
+                <a:srgbClr val="ABABAB"/>
+              </a:solidFill>
+            </a:ln>
+          </p:spPr>
+          <p:txBody>
+            <a:bodyPr rtlCol="0" anchor="ctr"/>
+            <a:lstStyle/>
+            <a:p>
+              <a:pPr algn="ctr"/>
+              <a:endParaRPr/>
+            </a:p>
+          </p:txBody>
+        </p:sp>
+      </p:grpSp>
+      <p:grpSp>
+        <p:nvGrpSpPr>
+          <p:cNvPr id="15" name="Group 14"/>
+          <p:cNvGrpSpPr/>
+          <p:nvPr/>
+        </p:nvGrpSpPr>
+        <p:grpSpPr>
+          <a:xfrm>
+            <a:off x="6646961" y="2514530"/>
+            <a:ext cx="119238" cy="536575"/>
+            <a:chOff x="3838574" y="2091266"/>
+            <a:chExt cx="119238" cy="536575"/>
+          </a:xfrm>
+        </p:grpSpPr>
+        <p:sp>
+          <p:nvSpPr>
+            <p:cNvPr id="13" name="Rounded Rectangle 12"/>
+            <p:cNvSpPr/>
+            <p:nvPr/>
+          </p:nvSpPr>
+          <p:spPr>
+            <a:xfrm>
+              <a:off x="3898194" y="2091266"/>
+              <a:ext cx="9172" cy="531988"/>
+            </a:xfrm>
+            <a:custGeom>
+              <a:avLst/>
+              <a:gdLst/>
+              <a:ahLst/>
+              <a:cxnLst/>
+              <a:rect l="0" t="0" r="0" b="0"/>
+              <a:pathLst>
+                <a:path w="9172" h="531988">
+                  <a:moveTo>
+                    <a:pt x="0" y="0"/>
+                  </a:moveTo>
+                  <a:lnTo>
+                    <a:pt x="0" y="531988"/>
+                  </a:lnTo>
+                </a:path>
+              </a:pathLst>
+            </a:custGeom>
+            <a:noFill/>
+            <a:ln w="13758">
+              <a:solidFill>
+                <a:srgbClr val="ABABAB"/>
+              </a:solidFill>
+            </a:ln>
+          </p:spPr>
+          <p:txBody>
+            <a:bodyPr rtlCol="0" anchor="ctr"/>
+            <a:lstStyle/>
+            <a:p>
+              <a:pPr algn="ctr"/>
+              <a:endParaRPr/>
+            </a:p>
+          </p:txBody>
+        </p:sp>
+        <p:sp>
+          <p:nvSpPr>
+            <p:cNvPr id="14" name="Rounded Rectangle 13"/>
+            <p:cNvSpPr/>
+            <p:nvPr/>
+          </p:nvSpPr>
+          <p:spPr>
+            <a:xfrm>
+              <a:off x="3838574" y="2568222"/>
+              <a:ext cx="119238" cy="59619"/>
+            </a:xfrm>
+            <a:custGeom>
+              <a:avLst/>
+              <a:gdLst/>
+              <a:ahLst/>
+              <a:cxnLst/>
+              <a:rect l="0" t="0" r="0" b="0"/>
+              <a:pathLst>
+                <a:path w="119238" h="59619">
+                  <a:moveTo>
+                    <a:pt x="0" y="0"/>
+                  </a:moveTo>
+                  <a:lnTo>
+                    <a:pt x="59619" y="59619"/>
+                  </a:lnTo>
+                  <a:lnTo>
+                    <a:pt x="119238" y="0"/>
+                  </a:lnTo>
+                </a:path>
+              </a:pathLst>
+            </a:custGeom>
+            <a:noFill/>
+            <a:ln w="13758">
+              <a:solidFill>
+                <a:srgbClr val="ABABAB"/>
+              </a:solidFill>
+            </a:ln>
+          </p:spPr>
+          <p:txBody>
+            <a:bodyPr rtlCol="0" anchor="ctr"/>
+            <a:lstStyle/>
+            <a:p>
+              <a:pPr algn="ctr"/>
+              <a:endParaRPr/>
+            </a:p>
+          </p:txBody>
+        </p:sp>
+      </p:grpSp>
+      <p:grpSp>
+        <p:nvGrpSpPr>
+          <p:cNvPr id="18" name="Group 17"/>
+          <p:cNvGrpSpPr/>
+          <p:nvPr/>
+        </p:nvGrpSpPr>
+        <p:grpSpPr>
+          <a:xfrm>
+            <a:off x="5280300" y="4179288"/>
+            <a:ext cx="119238" cy="536574"/>
+            <a:chOff x="2471913" y="3756025"/>
+            <a:chExt cx="119238" cy="536574"/>
+          </a:xfrm>
+        </p:grpSpPr>
+        <p:sp>
+          <p:nvSpPr>
+            <p:cNvPr id="16" name="Rounded Rectangle 15"/>
+            <p:cNvSpPr/>
+            <p:nvPr/>
+          </p:nvSpPr>
+          <p:spPr>
+            <a:xfrm>
+              <a:off x="2531533" y="3760611"/>
+              <a:ext cx="9172" cy="531988"/>
+            </a:xfrm>
+            <a:custGeom>
+              <a:avLst/>
+              <a:gdLst/>
+              <a:ahLst/>
+              <a:cxnLst/>
+              <a:rect l="0" t="0" r="0" b="0"/>
+              <a:pathLst>
+                <a:path w="9172" h="531988">
+                  <a:moveTo>
+                    <a:pt x="0" y="531988"/>
+                  </a:moveTo>
+                  <a:lnTo>
+                    <a:pt x="0" y="0"/>
+                  </a:lnTo>
+                </a:path>
+              </a:pathLst>
+            </a:custGeom>
+            <a:noFill/>
+            <a:ln w="13758">
+              <a:solidFill>
+                <a:srgbClr val="ABABAB"/>
+              </a:solidFill>
+            </a:ln>
+          </p:spPr>
+          <p:txBody>
+            <a:bodyPr rtlCol="0" anchor="ctr"/>
+            <a:lstStyle/>
+            <a:p>
+              <a:pPr algn="ctr"/>
+              <a:endParaRPr/>
+            </a:p>
+          </p:txBody>
+        </p:sp>
+        <p:sp>
+          <p:nvSpPr>
+            <p:cNvPr id="17" name="Rounded Rectangle 16"/>
+            <p:cNvSpPr/>
+            <p:nvPr/>
+          </p:nvSpPr>
+          <p:spPr>
+            <a:xfrm>
+              <a:off x="2471913" y="3756025"/>
+              <a:ext cx="119238" cy="59619"/>
+            </a:xfrm>
+            <a:custGeom>
+              <a:avLst/>
+              <a:gdLst/>
+              <a:ahLst/>
+              <a:cxnLst/>
+              <a:rect l="0" t="0" r="0" b="0"/>
+              <a:pathLst>
+                <a:path w="119238" h="59619">
+                  <a:moveTo>
+                    <a:pt x="119238" y="59619"/>
+                  </a:moveTo>
+                  <a:lnTo>
+                    <a:pt x="59619" y="0"/>
+                  </a:lnTo>
+                  <a:lnTo>
+                    <a:pt x="0" y="59619"/>
+                  </a:lnTo>
+                </a:path>
+              </a:pathLst>
+            </a:custGeom>
+            <a:noFill/>
+            <a:ln w="13758">
+              <a:solidFill>
+                <a:srgbClr val="ABABAB"/>
+              </a:solidFill>
+            </a:ln>
+          </p:spPr>
+          <p:txBody>
+            <a:bodyPr rtlCol="0" anchor="ctr"/>
+            <a:lstStyle/>
+            <a:p>
+              <a:pPr algn="ctr"/>
+              <a:endParaRPr/>
+            </a:p>
+          </p:txBody>
+        </p:sp>
+      </p:grpSp>
+      <p:grpSp>
+        <p:nvGrpSpPr>
+          <p:cNvPr id="21" name="Group 20"/>
+          <p:cNvGrpSpPr/>
+          <p:nvPr/>
+        </p:nvGrpSpPr>
+        <p:grpSpPr>
+          <a:xfrm>
+            <a:off x="3959500" y="2514530"/>
+            <a:ext cx="119238" cy="536575"/>
+            <a:chOff x="1151113" y="2091266"/>
+            <a:chExt cx="119238" cy="536575"/>
+          </a:xfrm>
+        </p:grpSpPr>
+        <p:sp>
+          <p:nvSpPr>
+            <p:cNvPr id="19" name="Rounded Rectangle 18"/>
+            <p:cNvSpPr/>
+            <p:nvPr/>
+          </p:nvSpPr>
+          <p:spPr>
+            <a:xfrm>
+              <a:off x="1210733" y="2091266"/>
+              <a:ext cx="9172" cy="531988"/>
+            </a:xfrm>
+            <a:custGeom>
+              <a:avLst/>
+              <a:gdLst/>
+              <a:ahLst/>
+              <a:cxnLst/>
+              <a:rect l="0" t="0" r="0" b="0"/>
+              <a:pathLst>
+                <a:path w="9172" h="531988">
+                  <a:moveTo>
+                    <a:pt x="0" y="0"/>
+                  </a:moveTo>
+                  <a:lnTo>
+                    <a:pt x="0" y="531988"/>
+                  </a:lnTo>
+                </a:path>
+              </a:pathLst>
+            </a:custGeom>
+            <a:noFill/>
+            <a:ln w="13758">
+              <a:solidFill>
+                <a:srgbClr val="ABABAB"/>
+              </a:solidFill>
+            </a:ln>
+          </p:spPr>
+          <p:txBody>
+            <a:bodyPr rtlCol="0" anchor="ctr"/>
+            <a:lstStyle/>
+            <a:p>
+              <a:pPr algn="ctr"/>
+              <a:endParaRPr/>
+            </a:p>
+          </p:txBody>
+        </p:sp>
+        <p:sp>
+          <p:nvSpPr>
+            <p:cNvPr id="20" name="Rounded Rectangle 19"/>
+            <p:cNvSpPr/>
+            <p:nvPr/>
+          </p:nvSpPr>
+          <p:spPr>
+            <a:xfrm>
+              <a:off x="1151113" y="2568222"/>
+              <a:ext cx="119238" cy="59619"/>
+            </a:xfrm>
+            <a:custGeom>
+              <a:avLst/>
+              <a:gdLst/>
+              <a:ahLst/>
+              <a:cxnLst/>
+              <a:rect l="0" t="0" r="0" b="0"/>
+              <a:pathLst>
+                <a:path w="119238" h="59619">
+                  <a:moveTo>
+                    <a:pt x="0" y="0"/>
+                  </a:moveTo>
+                  <a:lnTo>
+                    <a:pt x="59619" y="59619"/>
+                  </a:lnTo>
+                  <a:lnTo>
+                    <a:pt x="119238" y="0"/>
+                  </a:lnTo>
+                </a:path>
+              </a:pathLst>
+            </a:custGeom>
+            <a:noFill/>
+            <a:ln w="13758">
+              <a:solidFill>
+                <a:srgbClr val="ABABAB"/>
+              </a:solidFill>
+            </a:ln>
+          </p:spPr>
+          <p:txBody>
+            <a:bodyPr rtlCol="0" anchor="ctr"/>
+            <a:lstStyle/>
+            <a:p>
+              <a:pPr algn="ctr"/>
+              <a:endParaRPr/>
+            </a:p>
+          </p:txBody>
+        </p:sp>
+      </p:grpSp>
+      <p:sp>
+        <p:nvSpPr>
+          <p:cNvPr id="22" name="TextBox 21"/>
+          <p:cNvSpPr txBox="1"/>
+          <p:nvPr/>
+        </p:nvSpPr>
+        <p:spPr>
+          <a:xfrm>
+            <a:off x="4909975" y="915812"/>
+            <a:ext cx="2290692" cy="276999"/>
+          </a:xfrm>
+          <a:prstGeom prst="rect">
+            <a:avLst/>
+          </a:prstGeom>
+          <a:noFill/>
+          <a:ln>
+            <a:noFill/>
+          </a:ln>
+        </p:spPr>
+        <p:txBody>
+          <a:bodyPr wrap="none" lIns="0" tIns="0" rIns="0" bIns="0" anchor="t">
+            <a:spAutoFit/>
+          </a:bodyPr>
+          <a:lstStyle/>
+          <a:p>
+            <a:pPr algn="ctr"/>
+            <a:r>
+              <a:rPr b="1">
+                <a:solidFill>
+                  <a:srgbClr val="F4F4F4"/>
+                </a:solidFill>
+                <a:latin typeface="Roboto"/>
+              </a:rPr>
+              <a:t>Frontend-Entwicklung</a:t>
+            </a:r>
+          </a:p>
+        </p:txBody>
+      </p:sp>
+      <p:sp>
+        <p:nvSpPr>
+          <p:cNvPr id="23" name="TextBox 22"/>
+          <p:cNvSpPr txBox="1"/>
+          <p:nvPr/>
+        </p:nvSpPr>
+        <p:spPr>
+          <a:xfrm>
+            <a:off x="3525195" y="1542275"/>
+            <a:ext cx="987848" cy="220133"/>
+          </a:xfrm>
+          <a:prstGeom prst="rect">
+            <a:avLst/>
+          </a:prstGeom>
+          <a:noFill/>
+          <a:ln>
+            <a:noFill/>
+          </a:ln>
+        </p:spPr>
+        <p:txBody>
+          <a:bodyPr wrap="none" lIns="0" tIns="0" rIns="0" bIns="0" anchor="t">
+            <a:spAutoFit/>
+          </a:bodyPr>
+          <a:lstStyle/>
+          <a:p>
+            <a:pPr algn="ctr"/>
+            <a:r>
+              <a:rPr sz="1400">
+                <a:solidFill>
+                  <a:srgbClr val="FFE711"/>
+                </a:solidFill>
+                <a:latin typeface="Roboto"/>
+              </a:rPr>
+              <a:t>Rohmaterial</a:t>
+            </a:r>
+          </a:p>
+        </p:txBody>
+      </p:sp>
+      <p:sp>
+        <p:nvSpPr>
+          <p:cNvPr id="24" name="TextBox 23"/>
+          <p:cNvSpPr txBox="1"/>
+          <p:nvPr/>
+        </p:nvSpPr>
+        <p:spPr>
+          <a:xfrm>
+            <a:off x="6206786" y="1542275"/>
+            <a:ext cx="1017960" cy="220133"/>
+          </a:xfrm>
+          <a:prstGeom prst="rect">
+            <a:avLst/>
+          </a:prstGeom>
+          <a:noFill/>
+          <a:ln>
+            <a:noFill/>
+          </a:ln>
+        </p:spPr>
+        <p:txBody>
+          <a:bodyPr wrap="none" lIns="0" tIns="0" rIns="0" bIns="0" anchor="t">
+            <a:spAutoFit/>
+          </a:bodyPr>
+          <a:lstStyle/>
+          <a:p>
+            <a:pPr algn="ctr"/>
+            <a:r>
+              <a:rPr sz="1400">
+                <a:solidFill>
+                  <a:srgbClr val="FB6762"/>
+                </a:solidFill>
+                <a:latin typeface="Roboto"/>
+              </a:rPr>
+              <a:t>Interaktivität</a:t>
+            </a:r>
+          </a:p>
+        </p:txBody>
+      </p:sp>
+      <p:sp>
+        <p:nvSpPr>
+          <p:cNvPr id="25" name="TextBox 24"/>
+          <p:cNvSpPr txBox="1"/>
+          <p:nvPr/>
+        </p:nvSpPr>
+        <p:spPr>
+          <a:xfrm>
+            <a:off x="3574287" y="1869723"/>
+            <a:ext cx="889667" cy="307777"/>
+          </a:xfrm>
+          <a:prstGeom prst="rect">
+            <a:avLst/>
+          </a:prstGeom>
+          <a:noFill/>
+          <a:ln>
+            <a:noFill/>
+          </a:ln>
+        </p:spPr>
+        <p:txBody>
+          <a:bodyPr wrap="none" lIns="0" tIns="0" rIns="0" bIns="0" anchor="t">
+            <a:spAutoFit/>
+          </a:bodyPr>
+          <a:lstStyle/>
+          <a:p>
+            <a:pPr algn="ctr"/>
+            <a:r>
+              <a:rPr sz="1000">
+                <a:solidFill>
+                  <a:srgbClr val="F4F4F4"/>
+                </a:solidFill>
+                <a:latin typeface="Roboto"/>
+              </a:rPr>
+              <a:t>HTML, CSS und
+JavaScript</a:t>
+            </a:r>
+          </a:p>
+        </p:txBody>
+      </p:sp>
+      <p:sp>
+        <p:nvSpPr>
+          <p:cNvPr id="26" name="TextBox 25"/>
+          <p:cNvSpPr txBox="1"/>
+          <p:nvPr/>
+        </p:nvSpPr>
+        <p:spPr>
+          <a:xfrm>
+            <a:off x="6218034" y="1869723"/>
+            <a:ext cx="995464" cy="307777"/>
+          </a:xfrm>
+          <a:prstGeom prst="rect">
+            <a:avLst/>
+          </a:prstGeom>
+          <a:noFill/>
+          <a:ln>
+            <a:noFill/>
+          </a:ln>
+        </p:spPr>
+        <p:txBody>
+          <a:bodyPr wrap="none" lIns="0" tIns="0" rIns="0" bIns="0" anchor="t">
+            <a:spAutoFit/>
+          </a:bodyPr>
+          <a:lstStyle/>
+          <a:p>
+            <a:pPr algn="ctr"/>
+            <a:r>
+              <a:rPr sz="1000">
+                <a:solidFill>
+                  <a:srgbClr val="F4F4F4"/>
+                </a:solidFill>
+                <a:latin typeface="Roboto"/>
+              </a:rPr>
+              <a:t>Steuerung von
+Benutzeraktionen</a:t>
+            </a:r>
+          </a:p>
+        </p:txBody>
+      </p:sp>
+      <p:sp>
+        <p:nvSpPr>
+          <p:cNvPr id="27" name="TextBox 26"/>
+          <p:cNvSpPr txBox="1"/>
+          <p:nvPr/>
+        </p:nvSpPr>
+        <p:spPr>
+          <a:xfrm>
+            <a:off x="3941799" y="3532646"/>
+            <a:ext cx="154707" cy="330200"/>
+          </a:xfrm>
+          <a:prstGeom prst="rect">
+            <a:avLst/>
+          </a:prstGeom>
+          <a:noFill/>
+          <a:ln>
+            <a:noFill/>
+          </a:ln>
+        </p:spPr>
+        <p:txBody>
+          <a:bodyPr wrap="none" lIns="0" tIns="0" rIns="0" bIns="0" anchor="t">
+            <a:spAutoFit/>
+          </a:bodyPr>
+          <a:lstStyle/>
+          <a:p>
+            <a:pPr algn="ctr"/>
+            <a:r>
+              <a:rPr sz="2100">
+                <a:solidFill>
+                  <a:srgbClr val="FFE711"/>
+                </a:solidFill>
+                <a:latin typeface="Roboto"/>
+              </a:rPr>
+              <a:t>1</a:t>
+            </a:r>
+          </a:p>
+        </p:txBody>
+      </p:sp>
+      <p:sp>
+        <p:nvSpPr>
+          <p:cNvPr id="28" name="TextBox 27"/>
+          <p:cNvSpPr txBox="1"/>
+          <p:nvPr/>
+        </p:nvSpPr>
+        <p:spPr>
+          <a:xfrm>
+            <a:off x="5262599" y="3532646"/>
+            <a:ext cx="154707" cy="330200"/>
+          </a:xfrm>
+          <a:prstGeom prst="rect">
+            <a:avLst/>
+          </a:prstGeom>
+          <a:noFill/>
+          <a:ln>
+            <a:noFill/>
+          </a:ln>
+        </p:spPr>
+        <p:txBody>
+          <a:bodyPr wrap="none" lIns="0" tIns="0" rIns="0" bIns="0" anchor="t">
+            <a:spAutoFit/>
+          </a:bodyPr>
+          <a:lstStyle/>
+          <a:p>
+            <a:pPr algn="ctr"/>
+            <a:r>
+              <a:rPr sz="2100">
+                <a:solidFill>
+                  <a:srgbClr val="F79438"/>
+                </a:solidFill>
+                <a:latin typeface="Roboto"/>
+              </a:rPr>
+              <a:t>2</a:t>
+            </a:r>
+          </a:p>
+        </p:txBody>
+      </p:sp>
+      <p:sp>
+        <p:nvSpPr>
+          <p:cNvPr id="29" name="TextBox 28"/>
+          <p:cNvSpPr txBox="1"/>
+          <p:nvPr/>
+        </p:nvSpPr>
+        <p:spPr>
+          <a:xfrm>
+            <a:off x="6638432" y="3532646"/>
+            <a:ext cx="154707" cy="330200"/>
+          </a:xfrm>
+          <a:prstGeom prst="rect">
+            <a:avLst/>
+          </a:prstGeom>
+          <a:noFill/>
+          <a:ln>
+            <a:noFill/>
+          </a:ln>
+        </p:spPr>
+        <p:txBody>
+          <a:bodyPr wrap="none" lIns="0" tIns="0" rIns="0" bIns="0" anchor="t">
+            <a:spAutoFit/>
+          </a:bodyPr>
+          <a:lstStyle/>
+          <a:p>
+            <a:pPr algn="ctr"/>
+            <a:r>
+              <a:rPr sz="2100">
+                <a:solidFill>
+                  <a:srgbClr val="FB6762"/>
+                </a:solidFill>
+                <a:latin typeface="Roboto"/>
+              </a:rPr>
+              <a:t>3</a:t>
+            </a:r>
+          </a:p>
+        </p:txBody>
+      </p:sp>
+      <p:sp>
+        <p:nvSpPr>
+          <p:cNvPr id="30" name="TextBox 29"/>
+          <p:cNvSpPr txBox="1"/>
+          <p:nvPr/>
+        </p:nvSpPr>
+        <p:spPr>
+          <a:xfrm>
+            <a:off x="7959232" y="3532646"/>
+            <a:ext cx="154707" cy="330200"/>
+          </a:xfrm>
+          <a:prstGeom prst="rect">
+            <a:avLst/>
+          </a:prstGeom>
+          <a:noFill/>
+          <a:ln>
+            <a:noFill/>
+          </a:ln>
+        </p:spPr>
+        <p:txBody>
+          <a:bodyPr wrap="none" lIns="0" tIns="0" rIns="0" bIns="0" anchor="t">
+            <a:spAutoFit/>
+          </a:bodyPr>
+          <a:lstStyle/>
+          <a:p>
+            <a:pPr algn="ctr"/>
+            <a:r>
+              <a:rPr sz="2100">
+                <a:solidFill>
+                  <a:srgbClr val="F366BB"/>
+                </a:solidFill>
+                <a:latin typeface="Roboto"/>
+              </a:rPr>
+              <a:t>4</a:t>
+            </a:r>
+          </a:p>
+        </p:txBody>
+      </p:sp>
+      <p:sp>
+        <p:nvSpPr>
+          <p:cNvPr id="31" name="TextBox 30"/>
+          <p:cNvSpPr txBox="1"/>
+          <p:nvPr/>
+        </p:nvSpPr>
+        <p:spPr>
+          <a:xfrm>
+            <a:off x="4875805" y="5064407"/>
+            <a:ext cx="928228" cy="440266"/>
+          </a:xfrm>
+          <a:prstGeom prst="rect">
+            <a:avLst/>
+          </a:prstGeom>
+          <a:noFill/>
+          <a:ln>
+            <a:noFill/>
+          </a:ln>
+        </p:spPr>
+        <p:txBody>
+          <a:bodyPr wrap="none" lIns="0" tIns="0" rIns="0" bIns="0" anchor="t">
+            <a:spAutoFit/>
+          </a:bodyPr>
+          <a:lstStyle/>
+          <a:p>
+            <a:pPr algn="ctr"/>
+            <a:r>
+              <a:rPr sz="1400">
+                <a:solidFill>
+                  <a:srgbClr val="F79438"/>
+                </a:solidFill>
+                <a:latin typeface="Roboto"/>
+              </a:rPr>
+              <a:t>Design-
+Umsetzung</a:t>
+            </a:r>
+          </a:p>
+        </p:txBody>
+      </p:sp>
+      <p:sp>
+        <p:nvSpPr>
+          <p:cNvPr id="32" name="TextBox 31"/>
+          <p:cNvSpPr txBox="1"/>
+          <p:nvPr/>
+        </p:nvSpPr>
+        <p:spPr>
+          <a:xfrm>
+            <a:off x="7687917" y="5064408"/>
+            <a:ext cx="697244" cy="220133"/>
+          </a:xfrm>
+          <a:prstGeom prst="rect">
+            <a:avLst/>
+          </a:prstGeom>
+          <a:noFill/>
+          <a:ln>
+            <a:noFill/>
+          </a:ln>
+        </p:spPr>
+        <p:txBody>
+          <a:bodyPr wrap="none" lIns="0" tIns="0" rIns="0" bIns="0" anchor="t">
+            <a:spAutoFit/>
+          </a:bodyPr>
+          <a:lstStyle/>
+          <a:p>
+            <a:pPr algn="ctr"/>
+            <a:r>
+              <a:rPr sz="1400">
+                <a:solidFill>
+                  <a:srgbClr val="F366BB"/>
+                </a:solidFill>
+                <a:latin typeface="Roboto"/>
+              </a:rPr>
+              <a:t>Usability</a:t>
+            </a:r>
+          </a:p>
+        </p:txBody>
+      </p:sp>
+      <p:sp>
+        <p:nvSpPr>
+          <p:cNvPr id="33" name="TextBox 32"/>
+          <p:cNvSpPr txBox="1"/>
+          <p:nvPr/>
+        </p:nvSpPr>
+        <p:spPr>
+          <a:xfrm>
+            <a:off x="7466654" y="5391856"/>
+            <a:ext cx="1139735" cy="307777"/>
+          </a:xfrm>
+          <a:prstGeom prst="rect">
+            <a:avLst/>
+          </a:prstGeom>
+          <a:noFill/>
+          <a:ln>
+            <a:noFill/>
+          </a:ln>
+        </p:spPr>
+        <p:txBody>
+          <a:bodyPr wrap="none" lIns="0" tIns="0" rIns="0" bIns="0" anchor="t">
+            <a:spAutoFit/>
+          </a:bodyPr>
+          <a:lstStyle/>
+          <a:p>
+            <a:pPr algn="ctr"/>
+            <a:r>
+              <a:rPr sz="1000">
+                <a:solidFill>
+                  <a:srgbClr val="F4F4F4"/>
+                </a:solidFill>
+                <a:latin typeface="Roboto"/>
+              </a:rPr>
+              <a:t>Benutzerfreundliche
+Oberfläche</a:t>
+            </a:r>
+          </a:p>
+        </p:txBody>
+      </p:sp>
+      <p:sp>
+        <p:nvSpPr>
+          <p:cNvPr id="34" name="TextBox 33"/>
+          <p:cNvSpPr txBox="1"/>
+          <p:nvPr/>
+        </p:nvSpPr>
+        <p:spPr>
+          <a:xfrm>
+            <a:off x="4798104" y="5611990"/>
+            <a:ext cx="1083630" cy="307777"/>
+          </a:xfrm>
+          <a:prstGeom prst="rect">
+            <a:avLst/>
+          </a:prstGeom>
+          <a:noFill/>
+          <a:ln>
+            <a:noFill/>
+          </a:ln>
+        </p:spPr>
+        <p:txBody>
+          <a:bodyPr wrap="none" lIns="0" tIns="0" rIns="0" bIns="0" anchor="t">
+            <a:spAutoFit/>
+          </a:bodyPr>
+          <a:lstStyle/>
+          <a:p>
+            <a:pPr algn="ctr"/>
+            <a:r>
+              <a:rPr sz="1000">
+                <a:solidFill>
+                  <a:srgbClr val="F4F4F4"/>
+                </a:solidFill>
+                <a:latin typeface="Roboto"/>
+              </a:rPr>
+              <a:t>Layout, Farben und
+Schriftarten</a:t>
+            </a:r>
+          </a:p>
+        </p:txBody>
+      </p:sp>
+    </p:spTree>
+  </p:cSld>
+  <p:clrMapOvr>
+    <a:masterClrMapping/>
+  </p:clrMapOvr>
+</p:sld>
+</file>
+
+<file path=ppt/slides/slide10.xml><?xml version="1.0" encoding="utf-8"?>
+<p:sld xmlns:a="http://schemas.openxmlformats.org/drawingml/2006/main" xmlns:r="http://schemas.openxmlformats.org/officeDocument/2006/relationships" xmlns:p="http://schemas.openxmlformats.org/presentationml/2006/main">
+  <p:cSld>
     <p:spTree>
       <p:nvGrpSpPr>
         <p:cNvPr id="1" name="">
           <a:extLst>
             <a:ext uri="{FF2B5EF4-FFF2-40B4-BE49-F238E27FC236}">
-              <a16:creationId xmlns:a16="http://schemas.microsoft.com/office/drawing/2014/main" id="{E7092719-D5D9-FEC2-B9D6-942BD02028E8}"/>
+              <a16:creationId xmlns:a16="http://schemas.microsoft.com/office/drawing/2014/main" id="{E9C5159C-7518-AC7A-EE04-786BCFE5EB41}"/>
             </a:ext>
           </a:extLst>
         </p:cNvPr>
@@ -28468,10 +30141,10 @@
       </p:grpSpPr>
       <p:sp>
         <p:nvSpPr>
-          <p:cNvPr id="3" name="Titel 2">
+          <p:cNvPr id="11" name="Titel 2">
             <a:extLst>
               <a:ext uri="{FF2B5EF4-FFF2-40B4-BE49-F238E27FC236}">
-                <a16:creationId xmlns:a16="http://schemas.microsoft.com/office/drawing/2014/main" id="{B45A4A65-E8B8-40CF-7ABD-97EA8FA97521}"/>
+                <a16:creationId xmlns:a16="http://schemas.microsoft.com/office/drawing/2014/main" id="{84EDBE11-50A0-5079-091A-2B0842498943}"/>
               </a:ext>
             </a:extLst>
           </p:cNvPr>
@@ -28479,17 +30152,17 @@
             <a:spLocks noGrp="1"/>
           </p:cNvSpPr>
           <p:nvPr>
-            <p:ph type="ctrTitle"/>
+            <p:ph type="title"/>
           </p:nvPr>
         </p:nvSpPr>
         <p:spPr>
           <a:xfrm>
-            <a:off x="915924" y="914400"/>
-            <a:ext cx="10360152" cy="5029200"/>
+            <a:off x="2228523" y="914400"/>
+            <a:ext cx="7731906" cy="2843784"/>
           </a:xfrm>
         </p:spPr>
         <p:txBody>
-          <a:bodyPr rtlCol="0" anchor="ctr"/>
+          <a:bodyPr rtlCol="0" anchor="b"/>
           <a:lstStyle>
             <a:defPPr>
               <a:defRPr lang="de-DE"/>
@@ -28499,15 +30172,58 @@
             <a:pPr rtl="0"/>
             <a:r>
               <a:rPr lang="de-DE" dirty="0"/>
-              <a:t>Intro HTML &amp; CSS</a:t>
+              <a:t>CSS</a:t>
             </a:r>
+          </a:p>
+        </p:txBody>
+      </p:sp>
+      <p:sp>
+        <p:nvSpPr>
+          <p:cNvPr id="15" name="Textplatzhalter 14">
+            <a:extLst>
+              <a:ext uri="{FF2B5EF4-FFF2-40B4-BE49-F238E27FC236}">
+                <a16:creationId xmlns:a16="http://schemas.microsoft.com/office/drawing/2014/main" id="{97B9B256-8E86-A99F-D49E-0EB2352A4AB2}"/>
+              </a:ext>
+            </a:extLst>
+          </p:cNvPr>
+          <p:cNvSpPr>
+            <a:spLocks noGrp="1"/>
+          </p:cNvSpPr>
+          <p:nvPr>
+            <p:ph type="body" sz="quarter" idx="13"/>
+          </p:nvPr>
+        </p:nvSpPr>
+        <p:spPr>
+          <a:xfrm>
+            <a:off x="2041114" y="3825875"/>
+            <a:ext cx="8109772" cy="2644775"/>
+          </a:xfrm>
+        </p:spPr>
+        <p:txBody>
+          <a:bodyPr rtlCol="0"/>
+          <a:lstStyle>
+            <a:defPPr>
+              <a:defRPr lang="de-DE"/>
+            </a:defPPr>
+          </a:lstStyle>
+          <a:p>
+            <a:pPr rtl="0"/>
+            <a:r>
+              <a:rPr lang="de-DE" dirty="0"/>
+              <a:t>Das design der </a:t>
+            </a:r>
+            <a:r>
+              <a:rPr lang="de-DE" dirty="0" err="1"/>
+              <a:t>seite</a:t>
+            </a:r>
+            <a:endParaRPr lang="de-DE" dirty="0"/>
           </a:p>
         </p:txBody>
       </p:sp>
     </p:spTree>
     <p:extLst>
       <p:ext uri="{BB962C8B-B14F-4D97-AF65-F5344CB8AC3E}">
-        <p14:creationId xmlns:p14="http://schemas.microsoft.com/office/powerpoint/2010/main" val="1338167130"/>
+        <p14:creationId xmlns:p14="http://schemas.microsoft.com/office/powerpoint/2010/main" val="2765444373"/>
       </p:ext>
     </p:extLst>
   </p:cSld>
@@ -28517,7 +30233,7 @@
 </p:sld>
 </file>
 
-<file path=ppt/slides/slide10.xml><?xml version="1.0" encoding="utf-8"?>
+<file path=ppt/slides/slide11.xml><?xml version="1.0" encoding="utf-8"?>
 <p:sld xmlns:a="http://schemas.openxmlformats.org/drawingml/2006/main" xmlns:r="http://schemas.openxmlformats.org/officeDocument/2006/relationships" xmlns:p="http://schemas.openxmlformats.org/presentationml/2006/main">
   <p:cSld>
     <p:spTree>
@@ -28729,7 +30445,7 @@
             <a:fld id="{58FB4751-880F-D840-AAA9-3A15815CC996}" type="slidenum">
               <a:rPr lang="de-DE" smtClean="0"/>
               <a:pPr rtl="0"/>
-              <a:t>10</a:t>
+              <a:t>11</a:t>
             </a:fld>
             <a:endParaRPr lang="de-DE" dirty="0"/>
           </a:p>
@@ -28748,7 +30464,7 @@
 </p:sld>
 </file>
 
-<file path=ppt/slides/slide11.xml><?xml version="1.0" encoding="utf-8"?>
+<file path=ppt/slides/slide12.xml><?xml version="1.0" encoding="utf-8"?>
 <p:sld xmlns:a="http://schemas.openxmlformats.org/drawingml/2006/main" xmlns:r="http://schemas.openxmlformats.org/officeDocument/2006/relationships" xmlns:p="http://schemas.openxmlformats.org/presentationml/2006/main">
   <p:cSld>
     <p:spTree>
@@ -28979,7 +30695,7 @@
             <a:fld id="{58FB4751-880F-D840-AAA9-3A15815CC996}" type="slidenum">
               <a:rPr lang="de-DE" smtClean="0"/>
               <a:pPr rtl="0"/>
-              <a:t>11</a:t>
+              <a:t>12</a:t>
             </a:fld>
             <a:endParaRPr lang="de-DE" dirty="0"/>
           </a:p>
@@ -28998,7 +30714,7 @@
 </p:sld>
 </file>
 
-<file path=ppt/slides/slide12.xml><?xml version="1.0" encoding="utf-8"?>
+<file path=ppt/slides/slide13.xml><?xml version="1.0" encoding="utf-8"?>
 <p:sld xmlns:a="http://schemas.openxmlformats.org/drawingml/2006/main" xmlns:r="http://schemas.openxmlformats.org/officeDocument/2006/relationships" xmlns:p="http://schemas.openxmlformats.org/presentationml/2006/main">
   <p:cSld>
     <p:spTree>
@@ -29190,7 +30906,7 @@
             <a:fld id="{58FB4751-880F-D840-AAA9-3A15815CC996}" type="slidenum">
               <a:rPr lang="de-DE" smtClean="0"/>
               <a:pPr rtl="0"/>
-              <a:t>12</a:t>
+              <a:t>13</a:t>
             </a:fld>
             <a:endParaRPr lang="de-DE" dirty="0"/>
           </a:p>
@@ -29269,7 +30985,7 @@
 </p:sld>
 </file>
 
-<file path=ppt/slides/slide13.xml><?xml version="1.0" encoding="utf-8"?>
+<file path=ppt/slides/slide14.xml><?xml version="1.0" encoding="utf-8"?>
 <p:sld xmlns:a="http://schemas.openxmlformats.org/drawingml/2006/main" xmlns:r="http://schemas.openxmlformats.org/officeDocument/2006/relationships" xmlns:p="http://schemas.openxmlformats.org/presentationml/2006/main">
   <p:cSld>
     <p:spTree>
@@ -29381,7 +31097,7 @@
 </p:sld>
 </file>
 
-<file path=ppt/slides/slide14.xml><?xml version="1.0" encoding="utf-8"?>
+<file path=ppt/slides/slide15.xml><?xml version="1.0" encoding="utf-8"?>
 <p:sld xmlns:a="http://schemas.openxmlformats.org/drawingml/2006/main" xmlns:r="http://schemas.openxmlformats.org/officeDocument/2006/relationships" xmlns:p="http://schemas.openxmlformats.org/presentationml/2006/main">
   <p:cSld>
     <p:spTree>
@@ -29506,6 +31222,80 @@
 </file>
 
 <file path=ppt/slides/slide2.xml><?xml version="1.0" encoding="utf-8"?>
+<p:sld xmlns:a="http://schemas.openxmlformats.org/drawingml/2006/main" xmlns:r="http://schemas.openxmlformats.org/officeDocument/2006/relationships" xmlns:p="http://schemas.openxmlformats.org/presentationml/2006/main">
+  <p:cSld>
+    <p:spTree>
+      <p:nvGrpSpPr>
+        <p:cNvPr id="1" name="">
+          <a:extLst>
+            <a:ext uri="{FF2B5EF4-FFF2-40B4-BE49-F238E27FC236}">
+              <a16:creationId xmlns:a16="http://schemas.microsoft.com/office/drawing/2014/main" id="{E7092719-D5D9-FEC2-B9D6-942BD02028E8}"/>
+            </a:ext>
+          </a:extLst>
+        </p:cNvPr>
+        <p:cNvGrpSpPr/>
+        <p:nvPr/>
+      </p:nvGrpSpPr>
+      <p:grpSpPr>
+        <a:xfrm>
+          <a:off x="0" y="0"/>
+          <a:ext cx="0" cy="0"/>
+          <a:chOff x="0" y="0"/>
+          <a:chExt cx="0" cy="0"/>
+        </a:xfrm>
+      </p:grpSpPr>
+      <p:sp>
+        <p:nvSpPr>
+          <p:cNvPr id="3" name="Titel 2">
+            <a:extLst>
+              <a:ext uri="{FF2B5EF4-FFF2-40B4-BE49-F238E27FC236}">
+                <a16:creationId xmlns:a16="http://schemas.microsoft.com/office/drawing/2014/main" id="{B45A4A65-E8B8-40CF-7ABD-97EA8FA97521}"/>
+              </a:ext>
+            </a:extLst>
+          </p:cNvPr>
+          <p:cNvSpPr>
+            <a:spLocks noGrp="1"/>
+          </p:cNvSpPr>
+          <p:nvPr>
+            <p:ph type="ctrTitle"/>
+          </p:nvPr>
+        </p:nvSpPr>
+        <p:spPr>
+          <a:xfrm>
+            <a:off x="915924" y="914400"/>
+            <a:ext cx="10360152" cy="5029200"/>
+          </a:xfrm>
+        </p:spPr>
+        <p:txBody>
+          <a:bodyPr rtlCol="0" anchor="ctr"/>
+          <a:lstStyle>
+            <a:defPPr>
+              <a:defRPr lang="de-DE"/>
+            </a:defPPr>
+          </a:lstStyle>
+          <a:p>
+            <a:pPr rtl="0"/>
+            <a:r>
+              <a:rPr lang="de-DE" dirty="0"/>
+              <a:t>Intro HTML &amp; CSS</a:t>
+            </a:r>
+          </a:p>
+        </p:txBody>
+      </p:sp>
+    </p:spTree>
+    <p:extLst>
+      <p:ext uri="{BB962C8B-B14F-4D97-AF65-F5344CB8AC3E}">
+        <p14:creationId xmlns:p14="http://schemas.microsoft.com/office/powerpoint/2010/main" val="1338167130"/>
+      </p:ext>
+    </p:extLst>
+  </p:cSld>
+  <p:clrMapOvr>
+    <a:masterClrMapping/>
+  </p:clrMapOvr>
+</p:sld>
+</file>
+
+<file path=ppt/slides/slide3.xml><?xml version="1.0" encoding="utf-8"?>
 <p:sld xmlns:a="http://schemas.openxmlformats.org/drawingml/2006/main" xmlns:r="http://schemas.openxmlformats.org/officeDocument/2006/relationships" xmlns:p="http://schemas.openxmlformats.org/presentationml/2006/main">
   <p:cSld>
     <p:spTree>
@@ -30029,7 +31819,7 @@
 </p:sld>
 </file>
 
-<file path=ppt/slides/slide3.xml><?xml version="1.0" encoding="utf-8"?>
+<file path=ppt/slides/slide4.xml><?xml version="1.0" encoding="utf-8"?>
 <p:sld xmlns:a="http://schemas.openxmlformats.org/drawingml/2006/main" xmlns:r="http://schemas.openxmlformats.org/officeDocument/2006/relationships" xmlns:p="http://schemas.openxmlformats.org/presentationml/2006/main">
   <p:cSld>
     <p:spTree>
@@ -30122,7 +31912,7 @@
 </p:sld>
 </file>
 
-<file path=ppt/slides/slide4.xml><?xml version="1.0" encoding="utf-8"?>
+<file path=ppt/slides/slide5.xml><?xml version="1.0" encoding="utf-8"?>
 <p:sld xmlns:a="http://schemas.openxmlformats.org/drawingml/2006/main" xmlns:r="http://schemas.openxmlformats.org/officeDocument/2006/relationships" xmlns:p="http://schemas.openxmlformats.org/presentationml/2006/main">
   <p:cSld>
     <p:spTree>
@@ -30245,7 +32035,7 @@
             <a:fld id="{58FB4751-880F-D840-AAA9-3A15815CC996}" type="slidenum">
               <a:rPr lang="de-DE" smtClean="0"/>
               <a:pPr rtl="0"/>
-              <a:t>4</a:t>
+              <a:t>5</a:t>
             </a:fld>
             <a:endParaRPr lang="de-DE" dirty="0"/>
           </a:p>
@@ -30264,7 +32054,7 @@
 </p:sld>
 </file>
 
-<file path=ppt/slides/slide5.xml><?xml version="1.0" encoding="utf-8"?>
+<file path=ppt/slides/slide6.xml><?xml version="1.0" encoding="utf-8"?>
 <p:sld xmlns:a="http://schemas.openxmlformats.org/drawingml/2006/main" xmlns:r="http://schemas.openxmlformats.org/officeDocument/2006/relationships" xmlns:p="http://schemas.openxmlformats.org/presentationml/2006/main">
   <p:cSld>
     <p:bg>
@@ -30383,7 +32173,7 @@
 </p:sld>
 </file>
 
-<file path=ppt/slides/slide6.xml><?xml version="1.0" encoding="utf-8"?>
+<file path=ppt/slides/slide7.xml><?xml version="1.0" encoding="utf-8"?>
 <p:sld xmlns:a="http://schemas.openxmlformats.org/drawingml/2006/main" xmlns:r="http://schemas.openxmlformats.org/officeDocument/2006/relationships" xmlns:p="http://schemas.openxmlformats.org/presentationml/2006/main">
   <p:cSld>
     <p:spTree>
@@ -30561,7 +32351,7 @@
             <a:fld id="{58FB4751-880F-D840-AAA9-3A15815CC996}" type="slidenum">
               <a:rPr lang="de-DE" smtClean="0"/>
               <a:pPr rtl="0"/>
-              <a:t>6</a:t>
+              <a:t>7</a:t>
             </a:fld>
             <a:endParaRPr lang="de-DE" dirty="0"/>
           </a:p>
@@ -30580,7 +32370,7 @@
 </p:sld>
 </file>
 
-<file path=ppt/slides/slide7.xml><?xml version="1.0" encoding="utf-8"?>
+<file path=ppt/slides/slide8.xml><?xml version="1.0" encoding="utf-8"?>
 <p:sld xmlns:a="http://schemas.openxmlformats.org/drawingml/2006/main" xmlns:r="http://schemas.openxmlformats.org/officeDocument/2006/relationships" xmlns:p="http://schemas.openxmlformats.org/presentationml/2006/main">
   <p:cSld>
     <p:spTree>
@@ -30830,7 +32620,7 @@
             <a:fld id="{58FB4751-880F-D840-AAA9-3A15815CC996}" type="slidenum">
               <a:rPr lang="de-DE" smtClean="0"/>
               <a:pPr rtl="0"/>
-              <a:t>7</a:t>
+              <a:t>8</a:t>
             </a:fld>
             <a:endParaRPr lang="de-DE" dirty="0"/>
           </a:p>
@@ -31053,7 +32843,7 @@
 </p:sld>
 </file>
 
-<file path=ppt/slides/slide8.xml><?xml version="1.0" encoding="utf-8"?>
+<file path=ppt/slides/slide9.xml><?xml version="1.0" encoding="utf-8"?>
 <p:sld xmlns:a="http://schemas.openxmlformats.org/drawingml/2006/main" xmlns:r="http://schemas.openxmlformats.org/officeDocument/2006/relationships" xmlns:p="http://schemas.openxmlformats.org/presentationml/2006/main">
   <p:cSld>
     <p:spTree>
@@ -31156,123 +32946,6 @@
     <p:extLst>
       <p:ext uri="{BB962C8B-B14F-4D97-AF65-F5344CB8AC3E}">
         <p14:creationId xmlns:p14="http://schemas.microsoft.com/office/powerpoint/2010/main" val="2100621158"/>
-      </p:ext>
-    </p:extLst>
-  </p:cSld>
-  <p:clrMapOvr>
-    <a:masterClrMapping/>
-  </p:clrMapOvr>
-</p:sld>
-</file>
-
-<file path=ppt/slides/slide9.xml><?xml version="1.0" encoding="utf-8"?>
-<p:sld xmlns:a="http://schemas.openxmlformats.org/drawingml/2006/main" xmlns:r="http://schemas.openxmlformats.org/officeDocument/2006/relationships" xmlns:p="http://schemas.openxmlformats.org/presentationml/2006/main">
-  <p:cSld>
-    <p:spTree>
-      <p:nvGrpSpPr>
-        <p:cNvPr id="1" name="">
-          <a:extLst>
-            <a:ext uri="{FF2B5EF4-FFF2-40B4-BE49-F238E27FC236}">
-              <a16:creationId xmlns:a16="http://schemas.microsoft.com/office/drawing/2014/main" id="{E9C5159C-7518-AC7A-EE04-786BCFE5EB41}"/>
-            </a:ext>
-          </a:extLst>
-        </p:cNvPr>
-        <p:cNvGrpSpPr/>
-        <p:nvPr/>
-      </p:nvGrpSpPr>
-      <p:grpSpPr>
-        <a:xfrm>
-          <a:off x="0" y="0"/>
-          <a:ext cx="0" cy="0"/>
-          <a:chOff x="0" y="0"/>
-          <a:chExt cx="0" cy="0"/>
-        </a:xfrm>
-      </p:grpSpPr>
-      <p:sp>
-        <p:nvSpPr>
-          <p:cNvPr id="11" name="Titel 2">
-            <a:extLst>
-              <a:ext uri="{FF2B5EF4-FFF2-40B4-BE49-F238E27FC236}">
-                <a16:creationId xmlns:a16="http://schemas.microsoft.com/office/drawing/2014/main" id="{84EDBE11-50A0-5079-091A-2B0842498943}"/>
-              </a:ext>
-            </a:extLst>
-          </p:cNvPr>
-          <p:cNvSpPr>
-            <a:spLocks noGrp="1"/>
-          </p:cNvSpPr>
-          <p:nvPr>
-            <p:ph type="title"/>
-          </p:nvPr>
-        </p:nvSpPr>
-        <p:spPr>
-          <a:xfrm>
-            <a:off x="2228523" y="914400"/>
-            <a:ext cx="7731906" cy="2843784"/>
-          </a:xfrm>
-        </p:spPr>
-        <p:txBody>
-          <a:bodyPr rtlCol="0" anchor="b"/>
-          <a:lstStyle>
-            <a:defPPr>
-              <a:defRPr lang="de-DE"/>
-            </a:defPPr>
-          </a:lstStyle>
-          <a:p>
-            <a:pPr rtl="0"/>
-            <a:r>
-              <a:rPr lang="de-DE" dirty="0"/>
-              <a:t>CSS</a:t>
-            </a:r>
-          </a:p>
-        </p:txBody>
-      </p:sp>
-      <p:sp>
-        <p:nvSpPr>
-          <p:cNvPr id="15" name="Textplatzhalter 14">
-            <a:extLst>
-              <a:ext uri="{FF2B5EF4-FFF2-40B4-BE49-F238E27FC236}">
-                <a16:creationId xmlns:a16="http://schemas.microsoft.com/office/drawing/2014/main" id="{97B9B256-8E86-A99F-D49E-0EB2352A4AB2}"/>
-              </a:ext>
-            </a:extLst>
-          </p:cNvPr>
-          <p:cNvSpPr>
-            <a:spLocks noGrp="1"/>
-          </p:cNvSpPr>
-          <p:nvPr>
-            <p:ph type="body" sz="quarter" idx="13"/>
-          </p:nvPr>
-        </p:nvSpPr>
-        <p:spPr>
-          <a:xfrm>
-            <a:off x="2041114" y="3825875"/>
-            <a:ext cx="8109772" cy="2644775"/>
-          </a:xfrm>
-        </p:spPr>
-        <p:txBody>
-          <a:bodyPr rtlCol="0"/>
-          <a:lstStyle>
-            <a:defPPr>
-              <a:defRPr lang="de-DE"/>
-            </a:defPPr>
-          </a:lstStyle>
-          <a:p>
-            <a:pPr rtl="0"/>
-            <a:r>
-              <a:rPr lang="de-DE" dirty="0"/>
-              <a:t>Das design der </a:t>
-            </a:r>
-            <a:r>
-              <a:rPr lang="de-DE" dirty="0" err="1"/>
-              <a:t>seite</a:t>
-            </a:r>
-            <a:endParaRPr lang="de-DE" dirty="0"/>
-          </a:p>
-        </p:txBody>
-      </p:sp>
-    </p:spTree>
-    <p:extLst>
-      <p:ext uri="{BB962C8B-B14F-4D97-AF65-F5344CB8AC3E}">
-        <p14:creationId xmlns:p14="http://schemas.microsoft.com/office/powerpoint/2010/main" val="2765444373"/>
       </p:ext>
     </p:extLst>
   </p:cSld>

--- a/Intro HTML & CSS.pptx
+++ b/Intro HTML & CSS.pptx
@@ -30096,7 +30096,7 @@
           <a:p>
             <a:pPr algn="ctr"/>
             <a:r>
-              <a:rPr sz="1000">
+              <a:rPr sz="1000" dirty="0">
                 <a:solidFill>
                   <a:srgbClr val="F4F4F4"/>
                 </a:solidFill>

--- a/Intro HTML & CSS.pptx
+++ b/Intro HTML & CSS.pptx
@@ -5,10 +5,10 @@
     <p:sldMasterId id="2147483648" r:id="rId4"/>
   </p:sldMasterIdLst>
   <p:notesMasterIdLst>
-    <p:notesMasterId r:id="rId20"/>
+    <p:notesMasterId r:id="rId21"/>
   </p:notesMasterIdLst>
   <p:handoutMasterIdLst>
-    <p:handoutMasterId r:id="rId21"/>
+    <p:handoutMasterId r:id="rId22"/>
   </p:handoutMasterIdLst>
   <p:sldIdLst>
     <p:sldId id="256" r:id="rId5"/>
@@ -26,6 +26,7 @@
     <p:sldId id="327" r:id="rId17"/>
     <p:sldId id="323" r:id="rId18"/>
     <p:sldId id="328" r:id="rId19"/>
+    <p:sldId id="329" r:id="rId20"/>
   </p:sldIdLst>
   <p:sldSz cx="12192000" cy="6858000"/>
   <p:notesSz cx="6858000" cy="9144000"/>
@@ -31221,6 +31222,2431 @@
 </p:sld>
 </file>
 
+<file path=ppt/slides/slide16.xml><?xml version="1.0" encoding="utf-8"?>
+<p:sld xmlns:a="http://schemas.openxmlformats.org/drawingml/2006/main" xmlns:r="http://schemas.openxmlformats.org/officeDocument/2006/relationships" xmlns:p="http://schemas.openxmlformats.org/presentationml/2006/main">
+  <p:cSld>
+    <p:bg>
+      <p:bgPr>
+        <a:solidFill>
+          <a:srgbClr val="000000"/>
+        </a:solidFill>
+        <a:effectLst/>
+      </p:bgPr>
+    </p:bg>
+    <p:spTree>
+      <p:nvGrpSpPr>
+        <p:cNvPr id="1" name=""/>
+        <p:cNvGrpSpPr/>
+        <p:nvPr/>
+      </p:nvGrpSpPr>
+      <p:grpSpPr>
+        <a:xfrm>
+          <a:off x="0" y="0"/>
+          <a:ext cx="0" cy="0"/>
+          <a:chOff x="0" y="0"/>
+          <a:chExt cx="0" cy="0"/>
+        </a:xfrm>
+      </p:grpSpPr>
+      <p:sp>
+        <p:nvSpPr>
+          <p:cNvPr id="2" name="Rounded Rectangle 1"/>
+          <p:cNvSpPr/>
+          <p:nvPr/>
+        </p:nvSpPr>
+        <p:spPr>
+          <a:xfrm>
+            <a:off x="8700909" y="3265549"/>
+            <a:ext cx="794569" cy="794569"/>
+          </a:xfrm>
+          <a:custGeom>
+            <a:avLst/>
+            <a:gdLst/>
+            <a:ahLst/>
+            <a:cxnLst/>
+            <a:rect l="0" t="0" r="0" b="0"/>
+            <a:pathLst>
+              <a:path w="794569" h="794569">
+                <a:moveTo>
+                  <a:pt x="387113" y="2701"/>
+                </a:moveTo>
+                <a:cubicBezTo>
+                  <a:pt x="393624" y="0"/>
+                  <a:pt x="400945" y="0"/>
+                  <a:pt x="407456" y="2701"/>
+                </a:cubicBezTo>
+                <a:lnTo>
+                  <a:pt x="669101" y="111074"/>
+                </a:lnTo>
+                <a:cubicBezTo>
+                  <a:pt x="675620" y="113776"/>
+                  <a:pt x="680792" y="118949"/>
+                  <a:pt x="683494" y="125468"/>
+                </a:cubicBezTo>
+                <a:lnTo>
+                  <a:pt x="791867" y="387113"/>
+                </a:lnTo>
+                <a:cubicBezTo>
+                  <a:pt x="794569" y="393624"/>
+                  <a:pt x="794569" y="400945"/>
+                  <a:pt x="791867" y="407456"/>
+                </a:cubicBezTo>
+                <a:lnTo>
+                  <a:pt x="683494" y="669101"/>
+                </a:lnTo>
+                <a:cubicBezTo>
+                  <a:pt x="680792" y="675620"/>
+                  <a:pt x="675620" y="680792"/>
+                  <a:pt x="669101" y="683494"/>
+                </a:cubicBezTo>
+                <a:lnTo>
+                  <a:pt x="407456" y="791867"/>
+                </a:lnTo>
+                <a:cubicBezTo>
+                  <a:pt x="400945" y="794569"/>
+                  <a:pt x="393624" y="794569"/>
+                  <a:pt x="387113" y="791867"/>
+                </a:cubicBezTo>
+                <a:lnTo>
+                  <a:pt x="125468" y="683494"/>
+                </a:lnTo>
+                <a:cubicBezTo>
+                  <a:pt x="118949" y="680792"/>
+                  <a:pt x="113776" y="675620"/>
+                  <a:pt x="111074" y="669101"/>
+                </a:cubicBezTo>
+                <a:lnTo>
+                  <a:pt x="2701" y="407456"/>
+                </a:lnTo>
+                <a:cubicBezTo>
+                  <a:pt x="0" y="400945"/>
+                  <a:pt x="0" y="393624"/>
+                  <a:pt x="2701" y="387113"/>
+                </a:cubicBezTo>
+                <a:lnTo>
+                  <a:pt x="111074" y="125468"/>
+                </a:lnTo>
+                <a:cubicBezTo>
+                  <a:pt x="113776" y="118949"/>
+                  <a:pt x="118949" y="113776"/>
+                  <a:pt x="125468" y="111074"/>
+                </a:cubicBezTo>
+                <a:lnTo>
+                  <a:pt x="387113" y="2701"/>
+                </a:lnTo>
+              </a:path>
+            </a:pathLst>
+          </a:custGeom>
+          <a:solidFill>
+            <a:srgbClr val="4C4371"/>
+          </a:solidFill>
+          <a:ln>
+            <a:noFill/>
+          </a:ln>
+        </p:spPr>
+        <p:txBody>
+          <a:bodyPr rtlCol="0" anchor="ctr"/>
+          <a:lstStyle/>
+          <a:p>
+            <a:pPr algn="ctr"/>
+            <a:endParaRPr/>
+          </a:p>
+        </p:txBody>
+      </p:sp>
+      <p:sp>
+        <p:nvSpPr>
+          <p:cNvPr id="3" name="Rounded Rectangle 2"/>
+          <p:cNvSpPr/>
+          <p:nvPr/>
+        </p:nvSpPr>
+        <p:spPr>
+          <a:xfrm>
+            <a:off x="8700911" y="3265552"/>
+            <a:ext cx="794562" cy="794562"/>
+          </a:xfrm>
+          <a:custGeom>
+            <a:avLst/>
+            <a:gdLst/>
+            <a:ahLst/>
+            <a:cxnLst/>
+            <a:rect l="0" t="0" r="0" b="0"/>
+            <a:pathLst>
+              <a:path w="794562" h="794562">
+                <a:moveTo>
+                  <a:pt x="387107" y="2697"/>
+                </a:moveTo>
+                <a:cubicBezTo>
+                  <a:pt x="393621" y="0"/>
+                  <a:pt x="400940" y="0"/>
+                  <a:pt x="407455" y="2697"/>
+                </a:cubicBezTo>
+                <a:lnTo>
+                  <a:pt x="669099" y="111074"/>
+                </a:lnTo>
+                <a:cubicBezTo>
+                  <a:pt x="675614" y="113772"/>
+                  <a:pt x="680790" y="118948"/>
+                  <a:pt x="683488" y="125463"/>
+                </a:cubicBezTo>
+                <a:lnTo>
+                  <a:pt x="791865" y="387107"/>
+                </a:lnTo>
+                <a:cubicBezTo>
+                  <a:pt x="794562" y="393621"/>
+                  <a:pt x="794562" y="400940"/>
+                  <a:pt x="791865" y="407455"/>
+                </a:cubicBezTo>
+                <a:lnTo>
+                  <a:pt x="683488" y="669099"/>
+                </a:lnTo>
+                <a:cubicBezTo>
+                  <a:pt x="680790" y="675614"/>
+                  <a:pt x="675614" y="680790"/>
+                  <a:pt x="669099" y="683488"/>
+                </a:cubicBezTo>
+                <a:lnTo>
+                  <a:pt x="407455" y="791865"/>
+                </a:lnTo>
+                <a:cubicBezTo>
+                  <a:pt x="400940" y="794562"/>
+                  <a:pt x="393621" y="794562"/>
+                  <a:pt x="387107" y="791865"/>
+                </a:cubicBezTo>
+                <a:lnTo>
+                  <a:pt x="125463" y="683488"/>
+                </a:lnTo>
+                <a:cubicBezTo>
+                  <a:pt x="118948" y="680790"/>
+                  <a:pt x="113772" y="675614"/>
+                  <a:pt x="111074" y="669099"/>
+                </a:cubicBezTo>
+                <a:lnTo>
+                  <a:pt x="2697" y="407455"/>
+                </a:lnTo>
+                <a:cubicBezTo>
+                  <a:pt x="0" y="400940"/>
+                  <a:pt x="0" y="393621"/>
+                  <a:pt x="2697" y="387107"/>
+                </a:cubicBezTo>
+                <a:lnTo>
+                  <a:pt x="111074" y="125463"/>
+                </a:lnTo>
+                <a:cubicBezTo>
+                  <a:pt x="113772" y="118948"/>
+                  <a:pt x="118948" y="113772"/>
+                  <a:pt x="125463" y="111074"/>
+                </a:cubicBezTo>
+                <a:lnTo>
+                  <a:pt x="387107" y="2697"/>
+                </a:lnTo>
+                <a:close/>
+              </a:path>
+            </a:pathLst>
+          </a:custGeom>
+          <a:noFill/>
+          <a:ln w="12393">
+            <a:solidFill>
+              <a:srgbClr val="8769FD"/>
+            </a:solidFill>
+          </a:ln>
+        </p:spPr>
+        <p:txBody>
+          <a:bodyPr rtlCol="0" anchor="ctr"/>
+          <a:lstStyle/>
+          <a:p>
+            <a:pPr algn="ctr"/>
+            <a:endParaRPr/>
+          </a:p>
+        </p:txBody>
+      </p:sp>
+      <p:sp>
+        <p:nvSpPr>
+          <p:cNvPr id="4" name="Rounded Rectangle 3"/>
+          <p:cNvSpPr/>
+          <p:nvPr/>
+        </p:nvSpPr>
+        <p:spPr>
+          <a:xfrm>
+            <a:off x="7502303" y="3240488"/>
+            <a:ext cx="820398" cy="818952"/>
+          </a:xfrm>
+          <a:custGeom>
+            <a:avLst/>
+            <a:gdLst/>
+            <a:ahLst/>
+            <a:cxnLst/>
+            <a:rect l="0" t="0" r="0" b="0"/>
+            <a:pathLst>
+              <a:path w="820398" h="818952">
+                <a:moveTo>
+                  <a:pt x="397995" y="3800"/>
+                </a:moveTo>
+                <a:cubicBezTo>
+                  <a:pt x="405704" y="0"/>
+                  <a:pt x="414694" y="0"/>
+                  <a:pt x="422403" y="3800"/>
+                </a:cubicBezTo>
+                <a:lnTo>
+                  <a:pt x="727840" y="154412"/>
+                </a:lnTo>
+                <a:cubicBezTo>
+                  <a:pt x="735549" y="158213"/>
+                  <a:pt x="741151" y="165401"/>
+                  <a:pt x="743060" y="173945"/>
+                </a:cubicBezTo>
+                <a:lnTo>
+                  <a:pt x="818498" y="512358"/>
+                </a:lnTo>
+                <a:cubicBezTo>
+                  <a:pt x="820398" y="520902"/>
+                  <a:pt x="818399" y="529875"/>
+                  <a:pt x="813061" y="536725"/>
+                </a:cubicBezTo>
+                <a:lnTo>
+                  <a:pt x="601694" y="808112"/>
+                </a:lnTo>
+                <a:cubicBezTo>
+                  <a:pt x="596356" y="814961"/>
+                  <a:pt x="588267" y="818952"/>
+                  <a:pt x="579707" y="818952"/>
+                </a:cubicBezTo>
+                <a:lnTo>
+                  <a:pt x="240691" y="818952"/>
+                </a:lnTo>
+                <a:cubicBezTo>
+                  <a:pt x="232130" y="818952"/>
+                  <a:pt x="224041" y="814961"/>
+                  <a:pt x="218704" y="808112"/>
+                </a:cubicBezTo>
+                <a:lnTo>
+                  <a:pt x="7337" y="536725"/>
+                </a:lnTo>
+                <a:cubicBezTo>
+                  <a:pt x="1999" y="529875"/>
+                  <a:pt x="0" y="520902"/>
+                  <a:pt x="1900" y="512358"/>
+                </a:cubicBezTo>
+                <a:lnTo>
+                  <a:pt x="77338" y="173945"/>
+                </a:lnTo>
+                <a:cubicBezTo>
+                  <a:pt x="79247" y="165401"/>
+                  <a:pt x="84849" y="158213"/>
+                  <a:pt x="92558" y="154412"/>
+                </a:cubicBezTo>
+                <a:lnTo>
+                  <a:pt x="397995" y="3800"/>
+                </a:lnTo>
+              </a:path>
+            </a:pathLst>
+          </a:custGeom>
+          <a:solidFill>
+            <a:srgbClr val="60436D"/>
+          </a:solidFill>
+          <a:ln>
+            <a:noFill/>
+          </a:ln>
+        </p:spPr>
+        <p:txBody>
+          <a:bodyPr rtlCol="0" anchor="ctr"/>
+          <a:lstStyle/>
+          <a:p>
+            <a:pPr algn="ctr"/>
+            <a:endParaRPr/>
+          </a:p>
+        </p:txBody>
+      </p:sp>
+      <p:sp>
+        <p:nvSpPr>
+          <p:cNvPr id="5" name="Rounded Rectangle 4"/>
+          <p:cNvSpPr/>
+          <p:nvPr/>
+        </p:nvSpPr>
+        <p:spPr>
+          <a:xfrm>
+            <a:off x="7502302" y="3240488"/>
+            <a:ext cx="820400" cy="818953"/>
+          </a:xfrm>
+          <a:custGeom>
+            <a:avLst/>
+            <a:gdLst/>
+            <a:ahLst/>
+            <a:cxnLst/>
+            <a:rect l="0" t="0" r="0" b="0"/>
+            <a:pathLst>
+              <a:path w="820400" h="818953">
+                <a:moveTo>
+                  <a:pt x="397997" y="3803"/>
+                </a:moveTo>
+                <a:cubicBezTo>
+                  <a:pt x="405708" y="0"/>
+                  <a:pt x="414691" y="0"/>
+                  <a:pt x="422403" y="3803"/>
+                </a:cubicBezTo>
+                <a:lnTo>
+                  <a:pt x="727841" y="154410"/>
+                </a:lnTo>
+                <a:cubicBezTo>
+                  <a:pt x="735553" y="158213"/>
+                  <a:pt x="741153" y="165404"/>
+                  <a:pt x="743059" y="173948"/>
+                </a:cubicBezTo>
+                <a:lnTo>
+                  <a:pt x="818495" y="512361"/>
+                </a:lnTo>
+                <a:cubicBezTo>
+                  <a:pt x="820400" y="520905"/>
+                  <a:pt x="818401" y="529873"/>
+                  <a:pt x="813064" y="536725"/>
+                </a:cubicBezTo>
+                <a:lnTo>
+                  <a:pt x="601695" y="808110"/>
+                </a:lnTo>
+                <a:cubicBezTo>
+                  <a:pt x="596358" y="814962"/>
+                  <a:pt x="588265" y="818953"/>
+                  <a:pt x="579705" y="818953"/>
+                </a:cubicBezTo>
+                <a:lnTo>
+                  <a:pt x="240695" y="818953"/>
+                </a:lnTo>
+                <a:cubicBezTo>
+                  <a:pt x="232135" y="818953"/>
+                  <a:pt x="224041" y="814962"/>
+                  <a:pt x="218704" y="808110"/>
+                </a:cubicBezTo>
+                <a:lnTo>
+                  <a:pt x="7335" y="536725"/>
+                </a:lnTo>
+                <a:cubicBezTo>
+                  <a:pt x="1998" y="529873"/>
+                  <a:pt x="0" y="520905"/>
+                  <a:pt x="1904" y="512361"/>
+                </a:cubicBezTo>
+                <a:lnTo>
+                  <a:pt x="77341" y="173948"/>
+                </a:lnTo>
+                <a:cubicBezTo>
+                  <a:pt x="79246" y="165404"/>
+                  <a:pt x="84846" y="158213"/>
+                  <a:pt x="92559" y="154410"/>
+                </a:cubicBezTo>
+                <a:lnTo>
+                  <a:pt x="397997" y="3803"/>
+                </a:lnTo>
+                <a:close/>
+              </a:path>
+            </a:pathLst>
+          </a:custGeom>
+          <a:noFill/>
+          <a:ln w="12393">
+            <a:solidFill>
+              <a:srgbClr val="CB68F9"/>
+            </a:solidFill>
+          </a:ln>
+        </p:spPr>
+        <p:txBody>
+          <a:bodyPr rtlCol="0" anchor="ctr"/>
+          <a:lstStyle/>
+          <a:p>
+            <a:pPr algn="ctr"/>
+            <a:endParaRPr/>
+          </a:p>
+        </p:txBody>
+      </p:sp>
+      <p:sp>
+        <p:nvSpPr>
+          <p:cNvPr id="6" name="Rounded Rectangle 5"/>
+          <p:cNvSpPr/>
+          <p:nvPr/>
+        </p:nvSpPr>
+        <p:spPr>
+          <a:xfrm>
+            <a:off x="6238027" y="3307539"/>
+            <a:ext cx="861893" cy="743638"/>
+          </a:xfrm>
+          <a:custGeom>
+            <a:avLst/>
+            <a:gdLst/>
+            <a:ahLst/>
+            <a:cxnLst/>
+            <a:rect l="0" t="0" r="0" b="0"/>
+            <a:pathLst>
+              <a:path w="861893" h="743638">
+                <a:moveTo>
+                  <a:pt x="5164" y="386130"/>
+                </a:moveTo>
+                <a:cubicBezTo>
+                  <a:pt x="0" y="377272"/>
+                  <a:pt x="0" y="366365"/>
+                  <a:pt x="5164" y="357508"/>
+                </a:cubicBezTo>
+                <a:lnTo>
+                  <a:pt x="205525" y="14310"/>
+                </a:lnTo>
+                <a:cubicBezTo>
+                  <a:pt x="210697" y="5453"/>
+                  <a:pt x="220249" y="0"/>
+                  <a:pt x="230585" y="0"/>
+                </a:cubicBezTo>
+                <a:lnTo>
+                  <a:pt x="631307" y="0"/>
+                </a:lnTo>
+                <a:cubicBezTo>
+                  <a:pt x="641644" y="0"/>
+                  <a:pt x="651196" y="5453"/>
+                  <a:pt x="656368" y="14310"/>
+                </a:cubicBezTo>
+                <a:lnTo>
+                  <a:pt x="856729" y="357508"/>
+                </a:lnTo>
+                <a:cubicBezTo>
+                  <a:pt x="861893" y="366365"/>
+                  <a:pt x="861893" y="377272"/>
+                  <a:pt x="856729" y="386130"/>
+                </a:cubicBezTo>
+                <a:lnTo>
+                  <a:pt x="656368" y="729327"/>
+                </a:lnTo>
+                <a:cubicBezTo>
+                  <a:pt x="651196" y="738185"/>
+                  <a:pt x="641644" y="743638"/>
+                  <a:pt x="631307" y="743638"/>
+                </a:cubicBezTo>
+                <a:lnTo>
+                  <a:pt x="230585" y="743638"/>
+                </a:lnTo>
+                <a:cubicBezTo>
+                  <a:pt x="220249" y="743638"/>
+                  <a:pt x="210697" y="738185"/>
+                  <a:pt x="205525" y="729327"/>
+                </a:cubicBezTo>
+                <a:lnTo>
+                  <a:pt x="5164" y="386130"/>
+                </a:lnTo>
+              </a:path>
+            </a:pathLst>
+          </a:custGeom>
+          <a:solidFill>
+            <a:srgbClr val="69425A"/>
+          </a:solidFill>
+          <a:ln>
+            <a:noFill/>
+          </a:ln>
+        </p:spPr>
+        <p:txBody>
+          <a:bodyPr rtlCol="0" anchor="ctr"/>
+          <a:lstStyle/>
+          <a:p>
+            <a:pPr algn="ctr"/>
+            <a:endParaRPr/>
+          </a:p>
+        </p:txBody>
+      </p:sp>
+      <p:sp>
+        <p:nvSpPr>
+          <p:cNvPr id="7" name="Rounded Rectangle 6"/>
+          <p:cNvSpPr/>
+          <p:nvPr/>
+        </p:nvSpPr>
+        <p:spPr>
+          <a:xfrm>
+            <a:off x="6238023" y="3307539"/>
+            <a:ext cx="861900" cy="743638"/>
+          </a:xfrm>
+          <a:custGeom>
+            <a:avLst/>
+            <a:gdLst/>
+            <a:ahLst/>
+            <a:cxnLst/>
+            <a:rect l="0" t="0" r="0" b="0"/>
+            <a:pathLst>
+              <a:path w="861900" h="743638">
+                <a:moveTo>
+                  <a:pt x="5169" y="386131"/>
+                </a:moveTo>
+                <a:cubicBezTo>
+                  <a:pt x="0" y="377275"/>
+                  <a:pt x="0" y="366363"/>
+                  <a:pt x="5169" y="357508"/>
+                </a:cubicBezTo>
+                <a:lnTo>
+                  <a:pt x="205527" y="14311"/>
+                </a:lnTo>
+                <a:cubicBezTo>
+                  <a:pt x="210697" y="5455"/>
+                  <a:pt x="220252" y="0"/>
+                  <a:pt x="230592" y="0"/>
+                </a:cubicBezTo>
+                <a:lnTo>
+                  <a:pt x="631307" y="0"/>
+                </a:lnTo>
+                <a:cubicBezTo>
+                  <a:pt x="641647" y="0"/>
+                  <a:pt x="651202" y="5455"/>
+                  <a:pt x="656372" y="14311"/>
+                </a:cubicBezTo>
+                <a:lnTo>
+                  <a:pt x="856730" y="357507"/>
+                </a:lnTo>
+                <a:cubicBezTo>
+                  <a:pt x="861900" y="366363"/>
+                  <a:pt x="861900" y="377275"/>
+                  <a:pt x="856730" y="386130"/>
+                </a:cubicBezTo>
+                <a:lnTo>
+                  <a:pt x="656372" y="729326"/>
+                </a:lnTo>
+                <a:cubicBezTo>
+                  <a:pt x="651202" y="738182"/>
+                  <a:pt x="641647" y="743638"/>
+                  <a:pt x="631307" y="743638"/>
+                </a:cubicBezTo>
+                <a:lnTo>
+                  <a:pt x="230592" y="743638"/>
+                </a:lnTo>
+                <a:cubicBezTo>
+                  <a:pt x="220252" y="743638"/>
+                  <a:pt x="210697" y="738182"/>
+                  <a:pt x="205527" y="729326"/>
+                </a:cubicBezTo>
+                <a:lnTo>
+                  <a:pt x="5169" y="386131"/>
+                </a:lnTo>
+                <a:close/>
+              </a:path>
+            </a:pathLst>
+          </a:custGeom>
+          <a:noFill/>
+          <a:ln w="12393">
+            <a:solidFill>
+              <a:srgbClr val="F366BB"/>
+            </a:solidFill>
+          </a:ln>
+        </p:spPr>
+        <p:txBody>
+          <a:bodyPr rtlCol="0" anchor="ctr"/>
+          <a:lstStyle/>
+          <a:p>
+            <a:pPr algn="ctr"/>
+            <a:endParaRPr/>
+          </a:p>
+        </p:txBody>
+      </p:sp>
+      <p:sp>
+        <p:nvSpPr>
+          <p:cNvPr id="8" name="Rounded Rectangle 7"/>
+          <p:cNvSpPr/>
+          <p:nvPr/>
+        </p:nvSpPr>
+        <p:spPr>
+          <a:xfrm>
+            <a:off x="5071844" y="3247784"/>
+            <a:ext cx="814614" cy="811656"/>
+          </a:xfrm>
+          <a:custGeom>
+            <a:avLst/>
+            <a:gdLst/>
+            <a:ahLst/>
+            <a:cxnLst/>
+            <a:rect l="0" t="0" r="0" b="0"/>
+            <a:pathLst>
+              <a:path w="814614" h="811656">
+                <a:moveTo>
+                  <a:pt x="390418" y="7667"/>
+                </a:moveTo>
+                <a:cubicBezTo>
+                  <a:pt x="400490" y="0"/>
+                  <a:pt x="414124" y="0"/>
+                  <a:pt x="424196" y="7667"/>
+                </a:cubicBezTo>
+                <a:lnTo>
+                  <a:pt x="800328" y="293960"/>
+                </a:lnTo>
+                <a:cubicBezTo>
+                  <a:pt x="810400" y="301628"/>
+                  <a:pt x="814614" y="315211"/>
+                  <a:pt x="810772" y="327614"/>
+                </a:cubicBezTo>
+                <a:lnTo>
+                  <a:pt x="667101" y="790859"/>
+                </a:lnTo>
+                <a:cubicBezTo>
+                  <a:pt x="663251" y="803261"/>
+                  <a:pt x="652220" y="811656"/>
+                  <a:pt x="639768" y="811656"/>
+                </a:cubicBezTo>
+                <a:lnTo>
+                  <a:pt x="174845" y="811656"/>
+                </a:lnTo>
+                <a:cubicBezTo>
+                  <a:pt x="162394" y="811656"/>
+                  <a:pt x="151363" y="803261"/>
+                  <a:pt x="147513" y="790859"/>
+                </a:cubicBezTo>
+                <a:lnTo>
+                  <a:pt x="3842" y="327614"/>
+                </a:lnTo>
+                <a:cubicBezTo>
+                  <a:pt x="0" y="315211"/>
+                  <a:pt x="4213" y="301628"/>
+                  <a:pt x="14286" y="293960"/>
+                </a:cubicBezTo>
+                <a:lnTo>
+                  <a:pt x="390418" y="7667"/>
+                </a:lnTo>
+              </a:path>
+            </a:pathLst>
+          </a:custGeom>
+          <a:solidFill>
+            <a:srgbClr val="68403F"/>
+          </a:solidFill>
+          <a:ln>
+            <a:noFill/>
+          </a:ln>
+        </p:spPr>
+        <p:txBody>
+          <a:bodyPr rtlCol="0" anchor="ctr"/>
+          <a:lstStyle/>
+          <a:p>
+            <a:pPr algn="ctr"/>
+            <a:endParaRPr/>
+          </a:p>
+        </p:txBody>
+      </p:sp>
+      <p:sp>
+        <p:nvSpPr>
+          <p:cNvPr id="9" name="Rounded Rectangle 8"/>
+          <p:cNvSpPr/>
+          <p:nvPr/>
+        </p:nvSpPr>
+        <p:spPr>
+          <a:xfrm>
+            <a:off x="5071843" y="3247785"/>
+            <a:ext cx="814616" cy="811655"/>
+          </a:xfrm>
+          <a:custGeom>
+            <a:avLst/>
+            <a:gdLst/>
+            <a:ahLst/>
+            <a:cxnLst/>
+            <a:rect l="0" t="0" r="0" b="0"/>
+            <a:pathLst>
+              <a:path w="814616" h="811655">
+                <a:moveTo>
+                  <a:pt x="390418" y="7665"/>
+                </a:moveTo>
+                <a:cubicBezTo>
+                  <a:pt x="400489" y="0"/>
+                  <a:pt x="414126" y="0"/>
+                  <a:pt x="424197" y="7665"/>
+                </a:cubicBezTo>
+                <a:lnTo>
+                  <a:pt x="800331" y="293961"/>
+                </a:lnTo>
+                <a:cubicBezTo>
+                  <a:pt x="810402" y="301627"/>
+                  <a:pt x="814616" y="315214"/>
+                  <a:pt x="810770" y="327617"/>
+                </a:cubicBezTo>
+                <a:lnTo>
+                  <a:pt x="667099" y="790855"/>
+                </a:lnTo>
+                <a:cubicBezTo>
+                  <a:pt x="663252" y="803258"/>
+                  <a:pt x="652219" y="811655"/>
+                  <a:pt x="639772" y="811655"/>
+                </a:cubicBezTo>
+                <a:lnTo>
+                  <a:pt x="174844" y="811655"/>
+                </a:lnTo>
+                <a:cubicBezTo>
+                  <a:pt x="162396" y="811655"/>
+                  <a:pt x="151363" y="803258"/>
+                  <a:pt x="147517" y="790855"/>
+                </a:cubicBezTo>
+                <a:lnTo>
+                  <a:pt x="3846" y="327617"/>
+                </a:lnTo>
+                <a:cubicBezTo>
+                  <a:pt x="0" y="315215"/>
+                  <a:pt x="4213" y="301627"/>
+                  <a:pt x="14284" y="293961"/>
+                </a:cubicBezTo>
+                <a:lnTo>
+                  <a:pt x="390418" y="7665"/>
+                </a:lnTo>
+                <a:close/>
+              </a:path>
+            </a:pathLst>
+          </a:custGeom>
+          <a:noFill/>
+          <a:ln w="12393">
+            <a:solidFill>
+              <a:srgbClr val="FB6762"/>
+            </a:solidFill>
+          </a:ln>
+        </p:spPr>
+        <p:txBody>
+          <a:bodyPr rtlCol="0" anchor="ctr"/>
+          <a:lstStyle/>
+          <a:p>
+            <a:pPr algn="ctr"/>
+            <a:endParaRPr/>
+          </a:p>
+        </p:txBody>
+      </p:sp>
+      <p:sp>
+        <p:nvSpPr>
+          <p:cNvPr id="10" name="Rounded Rectangle 9"/>
+          <p:cNvSpPr/>
+          <p:nvPr/>
+        </p:nvSpPr>
+        <p:spPr>
+          <a:xfrm>
+            <a:off x="3884461" y="3348853"/>
+            <a:ext cx="710587" cy="710587"/>
+          </a:xfrm>
+          <a:custGeom>
+            <a:avLst/>
+            <a:gdLst/>
+            <a:ahLst/>
+            <a:cxnLst/>
+            <a:rect l="0" t="0" r="0" b="0"/>
+            <a:pathLst>
+              <a:path w="710587" h="710587">
+                <a:moveTo>
+                  <a:pt x="0" y="33835"/>
+                </a:moveTo>
+                <a:cubicBezTo>
+                  <a:pt x="0" y="15145"/>
+                  <a:pt x="15145" y="0"/>
+                  <a:pt x="33835" y="0"/>
+                </a:cubicBezTo>
+                <a:lnTo>
+                  <a:pt x="676752" y="0"/>
+                </a:lnTo>
+                <a:cubicBezTo>
+                  <a:pt x="695434" y="0"/>
+                  <a:pt x="710587" y="15145"/>
+                  <a:pt x="710587" y="33835"/>
+                </a:cubicBezTo>
+                <a:lnTo>
+                  <a:pt x="710587" y="676752"/>
+                </a:lnTo>
+                <a:cubicBezTo>
+                  <a:pt x="710587" y="695434"/>
+                  <a:pt x="695434" y="710587"/>
+                  <a:pt x="676752" y="710587"/>
+                </a:cubicBezTo>
+                <a:lnTo>
+                  <a:pt x="33835" y="710587"/>
+                </a:lnTo>
+                <a:cubicBezTo>
+                  <a:pt x="15145" y="710587"/>
+                  <a:pt x="0" y="695434"/>
+                  <a:pt x="0" y="676752"/>
+                </a:cubicBezTo>
+                <a:lnTo>
+                  <a:pt x="0" y="33835"/>
+                </a:lnTo>
+              </a:path>
+            </a:pathLst>
+          </a:custGeom>
+          <a:solidFill>
+            <a:srgbClr val="5C4938"/>
+          </a:solidFill>
+          <a:ln>
+            <a:noFill/>
+          </a:ln>
+        </p:spPr>
+        <p:txBody>
+          <a:bodyPr rtlCol="0" anchor="ctr"/>
+          <a:lstStyle/>
+          <a:p>
+            <a:pPr algn="ctr"/>
+            <a:endParaRPr/>
+          </a:p>
+        </p:txBody>
+      </p:sp>
+      <p:sp>
+        <p:nvSpPr>
+          <p:cNvPr id="11" name="Rounded Rectangle 10"/>
+          <p:cNvSpPr/>
+          <p:nvPr/>
+        </p:nvSpPr>
+        <p:spPr>
+          <a:xfrm>
+            <a:off x="3884461" y="3348853"/>
+            <a:ext cx="710587" cy="710587"/>
+          </a:xfrm>
+          <a:custGeom>
+            <a:avLst/>
+            <a:gdLst/>
+            <a:ahLst/>
+            <a:cxnLst/>
+            <a:rect l="0" t="0" r="0" b="0"/>
+            <a:pathLst>
+              <a:path w="710587" h="710587">
+                <a:moveTo>
+                  <a:pt x="0" y="33837"/>
+                </a:moveTo>
+                <a:cubicBezTo>
+                  <a:pt x="0" y="15149"/>
+                  <a:pt x="15149" y="0"/>
+                  <a:pt x="33837" y="0"/>
+                </a:cubicBezTo>
+                <a:lnTo>
+                  <a:pt x="676750" y="0"/>
+                </a:lnTo>
+                <a:cubicBezTo>
+                  <a:pt x="695438" y="0"/>
+                  <a:pt x="710587" y="15149"/>
+                  <a:pt x="710587" y="33837"/>
+                </a:cubicBezTo>
+                <a:lnTo>
+                  <a:pt x="710587" y="676750"/>
+                </a:lnTo>
+                <a:cubicBezTo>
+                  <a:pt x="710587" y="695438"/>
+                  <a:pt x="695438" y="710587"/>
+                  <a:pt x="676750" y="710587"/>
+                </a:cubicBezTo>
+                <a:lnTo>
+                  <a:pt x="33837" y="710587"/>
+                </a:lnTo>
+                <a:cubicBezTo>
+                  <a:pt x="15149" y="710587"/>
+                  <a:pt x="0" y="695438"/>
+                  <a:pt x="0" y="676750"/>
+                </a:cubicBezTo>
+                <a:lnTo>
+                  <a:pt x="0" y="33837"/>
+                </a:lnTo>
+                <a:close/>
+              </a:path>
+            </a:pathLst>
+          </a:custGeom>
+          <a:noFill/>
+          <a:ln w="12393">
+            <a:solidFill>
+              <a:srgbClr val="F79438"/>
+            </a:solidFill>
+          </a:ln>
+        </p:spPr>
+        <p:txBody>
+          <a:bodyPr rtlCol="0" anchor="ctr"/>
+          <a:lstStyle/>
+          <a:p>
+            <a:pPr algn="ctr"/>
+            <a:endParaRPr/>
+          </a:p>
+        </p:txBody>
+      </p:sp>
+      <p:sp>
+        <p:nvSpPr>
+          <p:cNvPr id="12" name="Rounded Rectangle 11"/>
+          <p:cNvSpPr/>
+          <p:nvPr/>
+        </p:nvSpPr>
+        <p:spPr>
+          <a:xfrm>
+            <a:off x="2610873" y="3276415"/>
+            <a:ext cx="878121" cy="766501"/>
+          </a:xfrm>
+          <a:custGeom>
+            <a:avLst/>
+            <a:gdLst/>
+            <a:ahLst/>
+            <a:cxnLst/>
+            <a:rect l="0" t="0" r="0" b="0"/>
+            <a:pathLst>
+              <a:path w="878121" h="766501">
+                <a:moveTo>
+                  <a:pt x="406406" y="25341"/>
+                </a:moveTo>
+                <a:cubicBezTo>
+                  <a:pt x="420915" y="0"/>
+                  <a:pt x="457205" y="0"/>
+                  <a:pt x="471714" y="25341"/>
+                </a:cubicBezTo>
+                <a:lnTo>
+                  <a:pt x="863612" y="709489"/>
+                </a:lnTo>
+                <a:cubicBezTo>
+                  <a:pt x="878121" y="734830"/>
+                  <a:pt x="859984" y="766501"/>
+                  <a:pt x="830949" y="766501"/>
+                </a:cubicBezTo>
+                <a:lnTo>
+                  <a:pt x="47171" y="766501"/>
+                </a:lnTo>
+                <a:cubicBezTo>
+                  <a:pt x="18136" y="766501"/>
+                  <a:pt x="0" y="734830"/>
+                  <a:pt x="14509" y="709489"/>
+                </a:cubicBezTo>
+                <a:lnTo>
+                  <a:pt x="406406" y="25341"/>
+                </a:lnTo>
+              </a:path>
+            </a:pathLst>
+          </a:custGeom>
+          <a:solidFill>
+            <a:srgbClr val="54502F"/>
+          </a:solidFill>
+          <a:ln>
+            <a:noFill/>
+          </a:ln>
+        </p:spPr>
+        <p:txBody>
+          <a:bodyPr rtlCol="0" anchor="ctr"/>
+          <a:lstStyle/>
+          <a:p>
+            <a:pPr algn="ctr"/>
+            <a:endParaRPr/>
+          </a:p>
+        </p:txBody>
+      </p:sp>
+      <p:sp>
+        <p:nvSpPr>
+          <p:cNvPr id="13" name="Rounded Rectangle 12"/>
+          <p:cNvSpPr/>
+          <p:nvPr/>
+        </p:nvSpPr>
+        <p:spPr>
+          <a:xfrm>
+            <a:off x="2610868" y="3276416"/>
+            <a:ext cx="878128" cy="766498"/>
+          </a:xfrm>
+          <a:custGeom>
+            <a:avLst/>
+            <a:gdLst/>
+            <a:ahLst/>
+            <a:cxnLst/>
+            <a:rect l="0" t="0" r="0" b="0"/>
+            <a:pathLst>
+              <a:path w="878128" h="766498">
+                <a:moveTo>
+                  <a:pt x="406406" y="25339"/>
+                </a:moveTo>
+                <a:cubicBezTo>
+                  <a:pt x="420920" y="0"/>
+                  <a:pt x="457207" y="0"/>
+                  <a:pt x="471721" y="25339"/>
+                </a:cubicBezTo>
+                <a:lnTo>
+                  <a:pt x="863613" y="709486"/>
+                </a:lnTo>
+                <a:cubicBezTo>
+                  <a:pt x="878128" y="734825"/>
+                  <a:pt x="859984" y="766498"/>
+                  <a:pt x="830955" y="766498"/>
+                </a:cubicBezTo>
+                <a:lnTo>
+                  <a:pt x="47172" y="766498"/>
+                </a:lnTo>
+                <a:cubicBezTo>
+                  <a:pt x="18143" y="766498"/>
+                  <a:pt x="0" y="734825"/>
+                  <a:pt x="14514" y="709486"/>
+                </a:cubicBezTo>
+                <a:lnTo>
+                  <a:pt x="406406" y="25339"/>
+                </a:lnTo>
+                <a:close/>
+              </a:path>
+            </a:pathLst>
+          </a:custGeom>
+          <a:noFill/>
+          <a:ln w="12393">
+            <a:solidFill>
+              <a:srgbClr val="FFE711"/>
+            </a:solidFill>
+          </a:ln>
+        </p:spPr>
+        <p:txBody>
+          <a:bodyPr rtlCol="0" anchor="ctr"/>
+          <a:lstStyle/>
+          <a:p>
+            <a:pPr algn="ctr"/>
+            <a:endParaRPr/>
+          </a:p>
+        </p:txBody>
+      </p:sp>
+      <p:grpSp>
+        <p:nvGrpSpPr>
+          <p:cNvPr id="16" name="Group 15"/>
+          <p:cNvGrpSpPr/>
+          <p:nvPr/>
+        </p:nvGrpSpPr>
+        <p:grpSpPr>
+          <a:xfrm>
+            <a:off x="7854664" y="2654790"/>
+            <a:ext cx="107414" cy="483364"/>
+            <a:chOff x="5895401" y="1983036"/>
+            <a:chExt cx="107414" cy="483364"/>
+          </a:xfrm>
+        </p:grpSpPr>
+        <p:sp>
+          <p:nvSpPr>
+            <p:cNvPr id="14" name="Rounded Rectangle 13"/>
+            <p:cNvSpPr/>
+            <p:nvPr/>
+          </p:nvSpPr>
+          <p:spPr>
+            <a:xfrm>
+              <a:off x="5949108" y="1983036"/>
+              <a:ext cx="8262" cy="479233"/>
+            </a:xfrm>
+            <a:custGeom>
+              <a:avLst/>
+              <a:gdLst/>
+              <a:ahLst/>
+              <a:cxnLst/>
+              <a:rect l="0" t="0" r="0" b="0"/>
+              <a:pathLst>
+                <a:path w="8262" h="479233">
+                  <a:moveTo>
+                    <a:pt x="0" y="0"/>
+                  </a:moveTo>
+                  <a:lnTo>
+                    <a:pt x="0" y="479233"/>
+                  </a:lnTo>
+                </a:path>
+              </a:pathLst>
+            </a:custGeom>
+            <a:noFill/>
+            <a:ln w="12393">
+              <a:solidFill>
+                <a:srgbClr val="ABABAB"/>
+              </a:solidFill>
+            </a:ln>
+          </p:spPr>
+          <p:txBody>
+            <a:bodyPr rtlCol="0" anchor="ctr"/>
+            <a:lstStyle/>
+            <a:p>
+              <a:pPr algn="ctr"/>
+              <a:endParaRPr/>
+            </a:p>
+          </p:txBody>
+        </p:sp>
+        <p:sp>
+          <p:nvSpPr>
+            <p:cNvPr id="15" name="Rounded Rectangle 14"/>
+            <p:cNvSpPr/>
+            <p:nvPr/>
+          </p:nvSpPr>
+          <p:spPr>
+            <a:xfrm>
+              <a:off x="5895401" y="2412693"/>
+              <a:ext cx="107414" cy="53707"/>
+            </a:xfrm>
+            <a:custGeom>
+              <a:avLst/>
+              <a:gdLst/>
+              <a:ahLst/>
+              <a:cxnLst/>
+              <a:rect l="0" t="0" r="0" b="0"/>
+              <a:pathLst>
+                <a:path w="107414" h="53707">
+                  <a:moveTo>
+                    <a:pt x="0" y="0"/>
+                  </a:moveTo>
+                  <a:lnTo>
+                    <a:pt x="53707" y="53707"/>
+                  </a:lnTo>
+                  <a:lnTo>
+                    <a:pt x="107414" y="0"/>
+                  </a:lnTo>
+                </a:path>
+              </a:pathLst>
+            </a:custGeom>
+            <a:noFill/>
+            <a:ln w="12393">
+              <a:solidFill>
+                <a:srgbClr val="ABABAB"/>
+              </a:solidFill>
+            </a:ln>
+          </p:spPr>
+          <p:txBody>
+            <a:bodyPr rtlCol="0" anchor="ctr"/>
+            <a:lstStyle/>
+            <a:p>
+              <a:pPr algn="ctr"/>
+              <a:endParaRPr/>
+            </a:p>
+          </p:txBody>
+        </p:sp>
+      </p:grpSp>
+      <p:grpSp>
+        <p:nvGrpSpPr>
+          <p:cNvPr id="19" name="Group 18"/>
+          <p:cNvGrpSpPr/>
+          <p:nvPr/>
+        </p:nvGrpSpPr>
+        <p:grpSpPr>
+          <a:xfrm>
+            <a:off x="6615266" y="4146198"/>
+            <a:ext cx="107414" cy="483364"/>
+            <a:chOff x="4656003" y="3474444"/>
+            <a:chExt cx="107414" cy="483364"/>
+          </a:xfrm>
+        </p:grpSpPr>
+        <p:sp>
+          <p:nvSpPr>
+            <p:cNvPr id="17" name="Rounded Rectangle 16"/>
+            <p:cNvSpPr/>
+            <p:nvPr/>
+          </p:nvSpPr>
+          <p:spPr>
+            <a:xfrm>
+              <a:off x="4709710" y="3478575"/>
+              <a:ext cx="8262" cy="479233"/>
+            </a:xfrm>
+            <a:custGeom>
+              <a:avLst/>
+              <a:gdLst/>
+              <a:ahLst/>
+              <a:cxnLst/>
+              <a:rect l="0" t="0" r="0" b="0"/>
+              <a:pathLst>
+                <a:path w="8262" h="479233">
+                  <a:moveTo>
+                    <a:pt x="0" y="479233"/>
+                  </a:moveTo>
+                  <a:lnTo>
+                    <a:pt x="0" y="0"/>
+                  </a:lnTo>
+                </a:path>
+              </a:pathLst>
+            </a:custGeom>
+            <a:noFill/>
+            <a:ln w="12393">
+              <a:solidFill>
+                <a:srgbClr val="ABABAB"/>
+              </a:solidFill>
+            </a:ln>
+          </p:spPr>
+          <p:txBody>
+            <a:bodyPr rtlCol="0" anchor="ctr"/>
+            <a:lstStyle/>
+            <a:p>
+              <a:pPr algn="ctr"/>
+              <a:endParaRPr/>
+            </a:p>
+          </p:txBody>
+        </p:sp>
+        <p:sp>
+          <p:nvSpPr>
+            <p:cNvPr id="18" name="Rounded Rectangle 17"/>
+            <p:cNvSpPr/>
+            <p:nvPr/>
+          </p:nvSpPr>
+          <p:spPr>
+            <a:xfrm>
+              <a:off x="4656003" y="3474444"/>
+              <a:ext cx="107414" cy="53707"/>
+            </a:xfrm>
+            <a:custGeom>
+              <a:avLst/>
+              <a:gdLst/>
+              <a:ahLst/>
+              <a:cxnLst/>
+              <a:rect l="0" t="0" r="0" b="0"/>
+              <a:pathLst>
+                <a:path w="107414" h="53707">
+                  <a:moveTo>
+                    <a:pt x="107414" y="53707"/>
+                  </a:moveTo>
+                  <a:lnTo>
+                    <a:pt x="53707" y="0"/>
+                  </a:lnTo>
+                  <a:lnTo>
+                    <a:pt x="0" y="53707"/>
+                  </a:lnTo>
+                </a:path>
+              </a:pathLst>
+            </a:custGeom>
+            <a:noFill/>
+            <a:ln w="12393">
+              <a:solidFill>
+                <a:srgbClr val="ABABAB"/>
+              </a:solidFill>
+            </a:ln>
+          </p:spPr>
+          <p:txBody>
+            <a:bodyPr rtlCol="0" anchor="ctr"/>
+            <a:lstStyle/>
+            <a:p>
+              <a:pPr algn="ctr"/>
+              <a:endParaRPr/>
+            </a:p>
+          </p:txBody>
+        </p:sp>
+      </p:grpSp>
+      <p:grpSp>
+        <p:nvGrpSpPr>
+          <p:cNvPr id="22" name="Group 21"/>
+          <p:cNvGrpSpPr/>
+          <p:nvPr/>
+        </p:nvGrpSpPr>
+        <p:grpSpPr>
+          <a:xfrm>
+            <a:off x="5417182" y="2654790"/>
+            <a:ext cx="107414" cy="483364"/>
+            <a:chOff x="3457919" y="1983036"/>
+            <a:chExt cx="107414" cy="483364"/>
+          </a:xfrm>
+        </p:grpSpPr>
+        <p:sp>
+          <p:nvSpPr>
+            <p:cNvPr id="20" name="Rounded Rectangle 19"/>
+            <p:cNvSpPr/>
+            <p:nvPr/>
+          </p:nvSpPr>
+          <p:spPr>
+            <a:xfrm>
+              <a:off x="3511626" y="1983036"/>
+              <a:ext cx="8262" cy="479233"/>
+            </a:xfrm>
+            <a:custGeom>
+              <a:avLst/>
+              <a:gdLst/>
+              <a:ahLst/>
+              <a:cxnLst/>
+              <a:rect l="0" t="0" r="0" b="0"/>
+              <a:pathLst>
+                <a:path w="8262" h="479233">
+                  <a:moveTo>
+                    <a:pt x="0" y="0"/>
+                  </a:moveTo>
+                  <a:lnTo>
+                    <a:pt x="0" y="479233"/>
+                  </a:lnTo>
+                </a:path>
+              </a:pathLst>
+            </a:custGeom>
+            <a:noFill/>
+            <a:ln w="12393">
+              <a:solidFill>
+                <a:srgbClr val="ABABAB"/>
+              </a:solidFill>
+            </a:ln>
+          </p:spPr>
+          <p:txBody>
+            <a:bodyPr rtlCol="0" anchor="ctr"/>
+            <a:lstStyle/>
+            <a:p>
+              <a:pPr algn="ctr"/>
+              <a:endParaRPr/>
+            </a:p>
+          </p:txBody>
+        </p:sp>
+        <p:sp>
+          <p:nvSpPr>
+            <p:cNvPr id="21" name="Rounded Rectangle 20"/>
+            <p:cNvSpPr/>
+            <p:nvPr/>
+          </p:nvSpPr>
+          <p:spPr>
+            <a:xfrm>
+              <a:off x="3457919" y="2412693"/>
+              <a:ext cx="107414" cy="53707"/>
+            </a:xfrm>
+            <a:custGeom>
+              <a:avLst/>
+              <a:gdLst/>
+              <a:ahLst/>
+              <a:cxnLst/>
+              <a:rect l="0" t="0" r="0" b="0"/>
+              <a:pathLst>
+                <a:path w="107414" h="53707">
+                  <a:moveTo>
+                    <a:pt x="0" y="0"/>
+                  </a:moveTo>
+                  <a:lnTo>
+                    <a:pt x="53707" y="53707"/>
+                  </a:lnTo>
+                  <a:lnTo>
+                    <a:pt x="107414" y="0"/>
+                  </a:lnTo>
+                </a:path>
+              </a:pathLst>
+            </a:custGeom>
+            <a:noFill/>
+            <a:ln w="12393">
+              <a:solidFill>
+                <a:srgbClr val="ABABAB"/>
+              </a:solidFill>
+            </a:ln>
+          </p:spPr>
+          <p:txBody>
+            <a:bodyPr rtlCol="0" anchor="ctr"/>
+            <a:lstStyle/>
+            <a:p>
+              <a:pPr algn="ctr"/>
+              <a:endParaRPr/>
+            </a:p>
+          </p:txBody>
+        </p:sp>
+      </p:grpSp>
+      <p:grpSp>
+        <p:nvGrpSpPr>
+          <p:cNvPr id="25" name="Group 24"/>
+          <p:cNvGrpSpPr/>
+          <p:nvPr/>
+        </p:nvGrpSpPr>
+        <p:grpSpPr>
+          <a:xfrm>
+            <a:off x="4186047" y="4154461"/>
+            <a:ext cx="107414" cy="483364"/>
+            <a:chOff x="2226784" y="3482707"/>
+            <a:chExt cx="107414" cy="483364"/>
+          </a:xfrm>
+        </p:grpSpPr>
+        <p:sp>
+          <p:nvSpPr>
+            <p:cNvPr id="23" name="Rounded Rectangle 22"/>
+            <p:cNvSpPr/>
+            <p:nvPr/>
+          </p:nvSpPr>
+          <p:spPr>
+            <a:xfrm>
+              <a:off x="2280491" y="3486838"/>
+              <a:ext cx="8262" cy="479233"/>
+            </a:xfrm>
+            <a:custGeom>
+              <a:avLst/>
+              <a:gdLst/>
+              <a:ahLst/>
+              <a:cxnLst/>
+              <a:rect l="0" t="0" r="0" b="0"/>
+              <a:pathLst>
+                <a:path w="8262" h="479233">
+                  <a:moveTo>
+                    <a:pt x="0" y="479233"/>
+                  </a:moveTo>
+                  <a:lnTo>
+                    <a:pt x="0" y="0"/>
+                  </a:lnTo>
+                </a:path>
+              </a:pathLst>
+            </a:custGeom>
+            <a:noFill/>
+            <a:ln w="12393">
+              <a:solidFill>
+                <a:srgbClr val="ABABAB"/>
+              </a:solidFill>
+            </a:ln>
+          </p:spPr>
+          <p:txBody>
+            <a:bodyPr rtlCol="0" anchor="ctr"/>
+            <a:lstStyle/>
+            <a:p>
+              <a:pPr algn="ctr"/>
+              <a:endParaRPr/>
+            </a:p>
+          </p:txBody>
+        </p:sp>
+        <p:sp>
+          <p:nvSpPr>
+            <p:cNvPr id="24" name="Rounded Rectangle 23"/>
+            <p:cNvSpPr/>
+            <p:nvPr/>
+          </p:nvSpPr>
+          <p:spPr>
+            <a:xfrm>
+              <a:off x="2226784" y="3482707"/>
+              <a:ext cx="107414" cy="53707"/>
+            </a:xfrm>
+            <a:custGeom>
+              <a:avLst/>
+              <a:gdLst/>
+              <a:ahLst/>
+              <a:cxnLst/>
+              <a:rect l="0" t="0" r="0" b="0"/>
+              <a:pathLst>
+                <a:path w="107414" h="53707">
+                  <a:moveTo>
+                    <a:pt x="107414" y="53707"/>
+                  </a:moveTo>
+                  <a:lnTo>
+                    <a:pt x="53707" y="0"/>
+                  </a:lnTo>
+                  <a:lnTo>
+                    <a:pt x="0" y="53707"/>
+                  </a:lnTo>
+                </a:path>
+              </a:pathLst>
+            </a:custGeom>
+            <a:noFill/>
+            <a:ln w="12393">
+              <a:solidFill>
+                <a:srgbClr val="ABABAB"/>
+              </a:solidFill>
+            </a:ln>
+          </p:spPr>
+          <p:txBody>
+            <a:bodyPr rtlCol="0" anchor="ctr"/>
+            <a:lstStyle/>
+            <a:p>
+              <a:pPr algn="ctr"/>
+              <a:endParaRPr/>
+            </a:p>
+          </p:txBody>
+        </p:sp>
+      </p:grpSp>
+      <p:grpSp>
+        <p:nvGrpSpPr>
+          <p:cNvPr id="28" name="Group 27"/>
+          <p:cNvGrpSpPr/>
+          <p:nvPr/>
+        </p:nvGrpSpPr>
+        <p:grpSpPr>
+          <a:xfrm>
+            <a:off x="2996225" y="2654790"/>
+            <a:ext cx="107414" cy="483364"/>
+            <a:chOff x="1036962" y="1983036"/>
+            <a:chExt cx="107414" cy="483364"/>
+          </a:xfrm>
+        </p:grpSpPr>
+        <p:sp>
+          <p:nvSpPr>
+            <p:cNvPr id="26" name="Rounded Rectangle 25"/>
+            <p:cNvSpPr/>
+            <p:nvPr/>
+          </p:nvSpPr>
+          <p:spPr>
+            <a:xfrm>
+              <a:off x="1090669" y="1983036"/>
+              <a:ext cx="8262" cy="479233"/>
+            </a:xfrm>
+            <a:custGeom>
+              <a:avLst/>
+              <a:gdLst/>
+              <a:ahLst/>
+              <a:cxnLst/>
+              <a:rect l="0" t="0" r="0" b="0"/>
+              <a:pathLst>
+                <a:path w="8262" h="479233">
+                  <a:moveTo>
+                    <a:pt x="0" y="0"/>
+                  </a:moveTo>
+                  <a:lnTo>
+                    <a:pt x="0" y="479233"/>
+                  </a:lnTo>
+                </a:path>
+              </a:pathLst>
+            </a:custGeom>
+            <a:noFill/>
+            <a:ln w="12393">
+              <a:solidFill>
+                <a:srgbClr val="ABABAB"/>
+              </a:solidFill>
+            </a:ln>
+          </p:spPr>
+          <p:txBody>
+            <a:bodyPr rtlCol="0" anchor="ctr"/>
+            <a:lstStyle/>
+            <a:p>
+              <a:pPr algn="ctr"/>
+              <a:endParaRPr/>
+            </a:p>
+          </p:txBody>
+        </p:sp>
+        <p:sp>
+          <p:nvSpPr>
+            <p:cNvPr id="27" name="Rounded Rectangle 26"/>
+            <p:cNvSpPr/>
+            <p:nvPr/>
+          </p:nvSpPr>
+          <p:spPr>
+            <a:xfrm>
+              <a:off x="1036962" y="2412693"/>
+              <a:ext cx="107414" cy="53707"/>
+            </a:xfrm>
+            <a:custGeom>
+              <a:avLst/>
+              <a:gdLst/>
+              <a:ahLst/>
+              <a:cxnLst/>
+              <a:rect l="0" t="0" r="0" b="0"/>
+              <a:pathLst>
+                <a:path w="107414" h="53707">
+                  <a:moveTo>
+                    <a:pt x="0" y="0"/>
+                  </a:moveTo>
+                  <a:lnTo>
+                    <a:pt x="53707" y="53707"/>
+                  </a:lnTo>
+                  <a:lnTo>
+                    <a:pt x="107414" y="0"/>
+                  </a:lnTo>
+                </a:path>
+              </a:pathLst>
+            </a:custGeom>
+            <a:noFill/>
+            <a:ln w="12393">
+              <a:solidFill>
+                <a:srgbClr val="ABABAB"/>
+              </a:solidFill>
+            </a:ln>
+          </p:spPr>
+          <p:txBody>
+            <a:bodyPr rtlCol="0" anchor="ctr"/>
+            <a:lstStyle/>
+            <a:p>
+              <a:pPr algn="ctr"/>
+              <a:endParaRPr/>
+            </a:p>
+          </p:txBody>
+        </p:sp>
+      </p:grpSp>
+      <p:grpSp>
+        <p:nvGrpSpPr>
+          <p:cNvPr id="31" name="Group 30"/>
+          <p:cNvGrpSpPr/>
+          <p:nvPr/>
+        </p:nvGrpSpPr>
+        <p:grpSpPr>
+          <a:xfrm>
+            <a:off x="9044485" y="4146198"/>
+            <a:ext cx="107414" cy="483364"/>
+            <a:chOff x="7085222" y="3474444"/>
+            <a:chExt cx="107414" cy="483364"/>
+          </a:xfrm>
+        </p:grpSpPr>
+        <p:sp>
+          <p:nvSpPr>
+            <p:cNvPr id="29" name="Rounded Rectangle 28"/>
+            <p:cNvSpPr/>
+            <p:nvPr/>
+          </p:nvSpPr>
+          <p:spPr>
+            <a:xfrm>
+              <a:off x="7138930" y="3478575"/>
+              <a:ext cx="8262" cy="479233"/>
+            </a:xfrm>
+            <a:custGeom>
+              <a:avLst/>
+              <a:gdLst/>
+              <a:ahLst/>
+              <a:cxnLst/>
+              <a:rect l="0" t="0" r="0" b="0"/>
+              <a:pathLst>
+                <a:path w="8262" h="479233">
+                  <a:moveTo>
+                    <a:pt x="0" y="479233"/>
+                  </a:moveTo>
+                  <a:lnTo>
+                    <a:pt x="0" y="0"/>
+                  </a:lnTo>
+                </a:path>
+              </a:pathLst>
+            </a:custGeom>
+            <a:noFill/>
+            <a:ln w="12393">
+              <a:solidFill>
+                <a:srgbClr val="ABABAB"/>
+              </a:solidFill>
+            </a:ln>
+          </p:spPr>
+          <p:txBody>
+            <a:bodyPr rtlCol="0" anchor="ctr"/>
+            <a:lstStyle/>
+            <a:p>
+              <a:pPr algn="ctr"/>
+              <a:endParaRPr/>
+            </a:p>
+          </p:txBody>
+        </p:sp>
+        <p:sp>
+          <p:nvSpPr>
+            <p:cNvPr id="30" name="Rounded Rectangle 29"/>
+            <p:cNvSpPr/>
+            <p:nvPr/>
+          </p:nvSpPr>
+          <p:spPr>
+            <a:xfrm>
+              <a:off x="7085222" y="3474444"/>
+              <a:ext cx="107414" cy="53707"/>
+            </a:xfrm>
+            <a:custGeom>
+              <a:avLst/>
+              <a:gdLst/>
+              <a:ahLst/>
+              <a:cxnLst/>
+              <a:rect l="0" t="0" r="0" b="0"/>
+              <a:pathLst>
+                <a:path w="107414" h="53707">
+                  <a:moveTo>
+                    <a:pt x="107414" y="53707"/>
+                  </a:moveTo>
+                  <a:lnTo>
+                    <a:pt x="53707" y="0"/>
+                  </a:lnTo>
+                  <a:lnTo>
+                    <a:pt x="0" y="53707"/>
+                  </a:lnTo>
+                </a:path>
+              </a:pathLst>
+            </a:custGeom>
+            <a:noFill/>
+            <a:ln w="12393">
+              <a:solidFill>
+                <a:srgbClr val="ABABAB"/>
+              </a:solidFill>
+            </a:ln>
+          </p:spPr>
+          <p:txBody>
+            <a:bodyPr rtlCol="0" anchor="ctr"/>
+            <a:lstStyle/>
+            <a:p>
+              <a:pPr algn="ctr"/>
+              <a:endParaRPr/>
+            </a:p>
+          </p:txBody>
+        </p:sp>
+      </p:grpSp>
+      <p:sp>
+        <p:nvSpPr>
+          <p:cNvPr id="32" name="TextBox 31"/>
+          <p:cNvSpPr txBox="1"/>
+          <p:nvPr/>
+        </p:nvSpPr>
+        <p:spPr>
+          <a:xfrm>
+            <a:off x="3668312" y="5445088"/>
+            <a:ext cx="1142941" cy="276999"/>
+          </a:xfrm>
+          <a:prstGeom prst="rect">
+            <a:avLst/>
+          </a:prstGeom>
+          <a:noFill/>
+          <a:ln>
+            <a:noFill/>
+          </a:ln>
+        </p:spPr>
+        <p:txBody>
+          <a:bodyPr wrap="none" lIns="0" tIns="0" rIns="0" bIns="0" anchor="t">
+            <a:spAutoFit/>
+          </a:bodyPr>
+          <a:lstStyle/>
+          <a:p>
+            <a:pPr algn="ctr"/>
+            <a:r>
+              <a:rPr sz="900">
+                <a:solidFill>
+                  <a:srgbClr val="F4F4F4"/>
+                </a:solidFill>
+                <a:latin typeface="Roboto"/>
+              </a:rPr>
+              <a:t>Ändern von Inhalt und
+Struktur</a:t>
+            </a:r>
+          </a:p>
+        </p:txBody>
+      </p:sp>
+      <p:sp>
+        <p:nvSpPr>
+          <p:cNvPr id="33" name="TextBox 32"/>
+          <p:cNvSpPr txBox="1"/>
+          <p:nvPr/>
+        </p:nvSpPr>
+        <p:spPr>
+          <a:xfrm>
+            <a:off x="5021507" y="2073926"/>
+            <a:ext cx="915315" cy="276999"/>
+          </a:xfrm>
+          <a:prstGeom prst="rect">
+            <a:avLst/>
+          </a:prstGeom>
+          <a:noFill/>
+          <a:ln>
+            <a:noFill/>
+          </a:ln>
+        </p:spPr>
+        <p:txBody>
+          <a:bodyPr wrap="none" lIns="0" tIns="0" rIns="0" bIns="0" anchor="t">
+            <a:spAutoFit/>
+          </a:bodyPr>
+          <a:lstStyle/>
+          <a:p>
+            <a:pPr algn="ctr"/>
+            <a:r>
+              <a:rPr sz="900">
+                <a:solidFill>
+                  <a:srgbClr val="F4F4F4"/>
+                </a:solidFill>
+                <a:latin typeface="Roboto"/>
+              </a:rPr>
+              <a:t>Reagieren auf
+Benutzeraktionen</a:t>
+            </a:r>
+          </a:p>
+        </p:txBody>
+      </p:sp>
+      <p:sp>
+        <p:nvSpPr>
+          <p:cNvPr id="34" name="TextBox 33"/>
+          <p:cNvSpPr txBox="1"/>
+          <p:nvPr/>
+        </p:nvSpPr>
+        <p:spPr>
+          <a:xfrm>
+            <a:off x="2449619" y="2197866"/>
+            <a:ext cx="1200650" cy="138499"/>
+          </a:xfrm>
+          <a:prstGeom prst="rect">
+            <a:avLst/>
+          </a:prstGeom>
+          <a:noFill/>
+          <a:ln>
+            <a:noFill/>
+          </a:ln>
+        </p:spPr>
+        <p:txBody>
+          <a:bodyPr wrap="none" lIns="0" tIns="0" rIns="0" bIns="0" anchor="t">
+            <a:spAutoFit/>
+          </a:bodyPr>
+          <a:lstStyle/>
+          <a:p>
+            <a:pPr algn="ctr"/>
+            <a:r>
+              <a:rPr sz="900">
+                <a:solidFill>
+                  <a:srgbClr val="F4F4F4"/>
+                </a:solidFill>
+                <a:latin typeface="Roboto"/>
+              </a:rPr>
+              <a:t>Uninteraktive Webseite</a:t>
+            </a:r>
+          </a:p>
+        </p:txBody>
+      </p:sp>
+      <p:sp>
+        <p:nvSpPr>
+          <p:cNvPr id="35" name="TextBox 34"/>
+          <p:cNvSpPr txBox="1"/>
+          <p:nvPr/>
+        </p:nvSpPr>
+        <p:spPr>
+          <a:xfrm>
+            <a:off x="7399447" y="1580645"/>
+            <a:ext cx="1017907" cy="369332"/>
+          </a:xfrm>
+          <a:prstGeom prst="rect">
+            <a:avLst/>
+          </a:prstGeom>
+          <a:noFill/>
+          <a:ln>
+            <a:noFill/>
+          </a:ln>
+        </p:spPr>
+        <p:txBody>
+          <a:bodyPr wrap="none" lIns="0" tIns="0" rIns="0" bIns="0" anchor="t">
+            <a:spAutoFit/>
+          </a:bodyPr>
+          <a:lstStyle/>
+          <a:p>
+            <a:pPr algn="ctr"/>
+            <a:r>
+              <a:rPr sz="1200">
+                <a:solidFill>
+                  <a:srgbClr val="CB68F9"/>
+                </a:solidFill>
+                <a:latin typeface="Roboto"/>
+              </a:rPr>
+              <a:t>Animationen &amp;
+Effekte</a:t>
+            </a:r>
+          </a:p>
+        </p:txBody>
+      </p:sp>
+      <p:sp>
+        <p:nvSpPr>
+          <p:cNvPr id="36" name="TextBox 35"/>
+          <p:cNvSpPr txBox="1"/>
+          <p:nvPr/>
+        </p:nvSpPr>
+        <p:spPr>
+          <a:xfrm>
+            <a:off x="4951750" y="1778949"/>
+            <a:ext cx="1054776" cy="184666"/>
+          </a:xfrm>
+          <a:prstGeom prst="rect">
+            <a:avLst/>
+          </a:prstGeom>
+          <a:noFill/>
+          <a:ln>
+            <a:noFill/>
+          </a:ln>
+        </p:spPr>
+        <p:txBody>
+          <a:bodyPr wrap="none" lIns="0" tIns="0" rIns="0" bIns="0" anchor="t">
+            <a:spAutoFit/>
+          </a:bodyPr>
+          <a:lstStyle/>
+          <a:p>
+            <a:pPr algn="ctr"/>
+            <a:r>
+              <a:rPr sz="1200">
+                <a:solidFill>
+                  <a:srgbClr val="FB6762"/>
+                </a:solidFill>
+                <a:latin typeface="Roboto"/>
+              </a:rPr>
+              <a:t>Event-Handling</a:t>
+            </a:r>
+          </a:p>
+        </p:txBody>
+      </p:sp>
+      <p:sp>
+        <p:nvSpPr>
+          <p:cNvPr id="37" name="TextBox 36"/>
+          <p:cNvSpPr txBox="1"/>
+          <p:nvPr/>
+        </p:nvSpPr>
+        <p:spPr>
+          <a:xfrm>
+            <a:off x="2472863" y="1679797"/>
+            <a:ext cx="1154162" cy="369332"/>
+          </a:xfrm>
+          <a:prstGeom prst="rect">
+            <a:avLst/>
+          </a:prstGeom>
+          <a:noFill/>
+          <a:ln>
+            <a:noFill/>
+          </a:ln>
+        </p:spPr>
+        <p:txBody>
+          <a:bodyPr wrap="none" lIns="0" tIns="0" rIns="0" bIns="0" anchor="t">
+            <a:spAutoFit/>
+          </a:bodyPr>
+          <a:lstStyle/>
+          <a:p>
+            <a:pPr algn="ctr"/>
+            <a:r>
+              <a:rPr sz="1200">
+                <a:solidFill>
+                  <a:srgbClr val="FFE711"/>
+                </a:solidFill>
+                <a:latin typeface="Roboto"/>
+              </a:rPr>
+              <a:t>Statische HTML-
+Seite</a:t>
+            </a:r>
+          </a:p>
+        </p:txBody>
+      </p:sp>
+      <p:sp>
+        <p:nvSpPr>
+          <p:cNvPr id="38" name="TextBox 37"/>
+          <p:cNvSpPr txBox="1"/>
+          <p:nvPr/>
+        </p:nvSpPr>
+        <p:spPr>
+          <a:xfrm>
+            <a:off x="5082646" y="1115458"/>
+            <a:ext cx="1982914" cy="230832"/>
+          </a:xfrm>
+          <a:prstGeom prst="rect">
+            <a:avLst/>
+          </a:prstGeom>
+          <a:noFill/>
+          <a:ln>
+            <a:noFill/>
+          </a:ln>
+        </p:spPr>
+        <p:txBody>
+          <a:bodyPr wrap="none" lIns="0" tIns="0" rIns="0" bIns="0" anchor="t">
+            <a:spAutoFit/>
+          </a:bodyPr>
+          <a:lstStyle/>
+          <a:p>
+            <a:pPr algn="ctr"/>
+            <a:r>
+              <a:rPr sz="1500" b="1">
+                <a:solidFill>
+                  <a:srgbClr val="F4F4F4"/>
+                </a:solidFill>
+                <a:latin typeface="Roboto"/>
+              </a:rPr>
+              <a:t>JavaScript-Funktionen</a:t>
+            </a:r>
+          </a:p>
+        </p:txBody>
+      </p:sp>
+      <p:sp>
+        <p:nvSpPr>
+          <p:cNvPr id="39" name="TextBox 38"/>
+          <p:cNvSpPr txBox="1"/>
+          <p:nvPr/>
+        </p:nvSpPr>
+        <p:spPr>
+          <a:xfrm>
+            <a:off x="2980278" y="3571945"/>
+            <a:ext cx="139366" cy="297455"/>
+          </a:xfrm>
+          <a:prstGeom prst="rect">
+            <a:avLst/>
+          </a:prstGeom>
+          <a:noFill/>
+          <a:ln>
+            <a:noFill/>
+          </a:ln>
+        </p:spPr>
+        <p:txBody>
+          <a:bodyPr wrap="none" lIns="0" tIns="0" rIns="0" bIns="0" anchor="t">
+            <a:spAutoFit/>
+          </a:bodyPr>
+          <a:lstStyle/>
+          <a:p>
+            <a:pPr algn="ctr"/>
+            <a:r>
+              <a:rPr sz="1900">
+                <a:solidFill>
+                  <a:srgbClr val="FFE711"/>
+                </a:solidFill>
+                <a:latin typeface="Roboto"/>
+              </a:rPr>
+              <a:t>1</a:t>
+            </a:r>
+          </a:p>
+        </p:txBody>
+      </p:sp>
+      <p:sp>
+        <p:nvSpPr>
+          <p:cNvPr id="40" name="TextBox 39"/>
+          <p:cNvSpPr txBox="1"/>
+          <p:nvPr/>
+        </p:nvSpPr>
+        <p:spPr>
+          <a:xfrm>
+            <a:off x="4170100" y="3571945"/>
+            <a:ext cx="139366" cy="297455"/>
+          </a:xfrm>
+          <a:prstGeom prst="rect">
+            <a:avLst/>
+          </a:prstGeom>
+          <a:noFill/>
+          <a:ln>
+            <a:noFill/>
+          </a:ln>
+        </p:spPr>
+        <p:txBody>
+          <a:bodyPr wrap="none" lIns="0" tIns="0" rIns="0" bIns="0" anchor="t">
+            <a:spAutoFit/>
+          </a:bodyPr>
+          <a:lstStyle/>
+          <a:p>
+            <a:pPr algn="ctr"/>
+            <a:r>
+              <a:rPr sz="1900">
+                <a:solidFill>
+                  <a:srgbClr val="F79438"/>
+                </a:solidFill>
+                <a:latin typeface="Roboto"/>
+              </a:rPr>
+              <a:t>2</a:t>
+            </a:r>
+          </a:p>
+        </p:txBody>
+      </p:sp>
+      <p:sp>
+        <p:nvSpPr>
+          <p:cNvPr id="41" name="TextBox 40"/>
+          <p:cNvSpPr txBox="1"/>
+          <p:nvPr/>
+        </p:nvSpPr>
+        <p:spPr>
+          <a:xfrm>
+            <a:off x="5409497" y="3571945"/>
+            <a:ext cx="139366" cy="297455"/>
+          </a:xfrm>
+          <a:prstGeom prst="rect">
+            <a:avLst/>
+          </a:prstGeom>
+          <a:noFill/>
+          <a:ln>
+            <a:noFill/>
+          </a:ln>
+        </p:spPr>
+        <p:txBody>
+          <a:bodyPr wrap="none" lIns="0" tIns="0" rIns="0" bIns="0" anchor="t">
+            <a:spAutoFit/>
+          </a:bodyPr>
+          <a:lstStyle/>
+          <a:p>
+            <a:pPr algn="ctr"/>
+            <a:r>
+              <a:rPr sz="1900">
+                <a:solidFill>
+                  <a:srgbClr val="FB6762"/>
+                </a:solidFill>
+                <a:latin typeface="Roboto"/>
+              </a:rPr>
+              <a:t>3</a:t>
+            </a:r>
+          </a:p>
+        </p:txBody>
+      </p:sp>
+      <p:sp>
+        <p:nvSpPr>
+          <p:cNvPr id="42" name="TextBox 41"/>
+          <p:cNvSpPr txBox="1"/>
+          <p:nvPr/>
+        </p:nvSpPr>
+        <p:spPr>
+          <a:xfrm>
+            <a:off x="6599319" y="3571945"/>
+            <a:ext cx="139366" cy="297455"/>
+          </a:xfrm>
+          <a:prstGeom prst="rect">
+            <a:avLst/>
+          </a:prstGeom>
+          <a:noFill/>
+          <a:ln>
+            <a:noFill/>
+          </a:ln>
+        </p:spPr>
+        <p:txBody>
+          <a:bodyPr wrap="none" lIns="0" tIns="0" rIns="0" bIns="0" anchor="t">
+            <a:spAutoFit/>
+          </a:bodyPr>
+          <a:lstStyle/>
+          <a:p>
+            <a:pPr algn="ctr"/>
+            <a:r>
+              <a:rPr sz="1900">
+                <a:solidFill>
+                  <a:srgbClr val="F366BB"/>
+                </a:solidFill>
+                <a:latin typeface="Roboto"/>
+              </a:rPr>
+              <a:t>4</a:t>
+            </a:r>
+          </a:p>
+        </p:txBody>
+      </p:sp>
+      <p:sp>
+        <p:nvSpPr>
+          <p:cNvPr id="43" name="TextBox 42"/>
+          <p:cNvSpPr txBox="1"/>
+          <p:nvPr/>
+        </p:nvSpPr>
+        <p:spPr>
+          <a:xfrm>
+            <a:off x="7838717" y="3571945"/>
+            <a:ext cx="139366" cy="297455"/>
+          </a:xfrm>
+          <a:prstGeom prst="rect">
+            <a:avLst/>
+          </a:prstGeom>
+          <a:noFill/>
+          <a:ln>
+            <a:noFill/>
+          </a:ln>
+        </p:spPr>
+        <p:txBody>
+          <a:bodyPr wrap="none" lIns="0" tIns="0" rIns="0" bIns="0" anchor="t">
+            <a:spAutoFit/>
+          </a:bodyPr>
+          <a:lstStyle/>
+          <a:p>
+            <a:pPr algn="ctr"/>
+            <a:r>
+              <a:rPr sz="1900">
+                <a:solidFill>
+                  <a:srgbClr val="CB68F9"/>
+                </a:solidFill>
+                <a:latin typeface="Roboto"/>
+              </a:rPr>
+              <a:t>5</a:t>
+            </a:r>
+          </a:p>
+        </p:txBody>
+      </p:sp>
+      <p:sp>
+        <p:nvSpPr>
+          <p:cNvPr id="44" name="TextBox 43"/>
+          <p:cNvSpPr txBox="1"/>
+          <p:nvPr/>
+        </p:nvSpPr>
+        <p:spPr>
+          <a:xfrm>
+            <a:off x="9028538" y="3571945"/>
+            <a:ext cx="139366" cy="297455"/>
+          </a:xfrm>
+          <a:prstGeom prst="rect">
+            <a:avLst/>
+          </a:prstGeom>
+          <a:noFill/>
+          <a:ln>
+            <a:noFill/>
+          </a:ln>
+        </p:spPr>
+        <p:txBody>
+          <a:bodyPr wrap="none" lIns="0" tIns="0" rIns="0" bIns="0" anchor="t">
+            <a:spAutoFit/>
+          </a:bodyPr>
+          <a:lstStyle/>
+          <a:p>
+            <a:pPr algn="ctr"/>
+            <a:r>
+              <a:rPr sz="1900">
+                <a:solidFill>
+                  <a:srgbClr val="8769FD"/>
+                </a:solidFill>
+                <a:latin typeface="Roboto"/>
+              </a:rPr>
+              <a:t>6</a:t>
+            </a:r>
+          </a:p>
+        </p:txBody>
+      </p:sp>
+      <p:sp>
+        <p:nvSpPr>
+          <p:cNvPr id="45" name="TextBox 44"/>
+          <p:cNvSpPr txBox="1"/>
+          <p:nvPr/>
+        </p:nvSpPr>
+        <p:spPr>
+          <a:xfrm>
+            <a:off x="3782939" y="4951807"/>
+            <a:ext cx="913712" cy="369332"/>
+          </a:xfrm>
+          <a:prstGeom prst="rect">
+            <a:avLst/>
+          </a:prstGeom>
+          <a:noFill/>
+          <a:ln>
+            <a:noFill/>
+          </a:ln>
+        </p:spPr>
+        <p:txBody>
+          <a:bodyPr wrap="none" lIns="0" tIns="0" rIns="0" bIns="0" anchor="t">
+            <a:spAutoFit/>
+          </a:bodyPr>
+          <a:lstStyle/>
+          <a:p>
+            <a:pPr algn="ctr"/>
+            <a:r>
+              <a:rPr sz="1200">
+                <a:solidFill>
+                  <a:srgbClr val="F79438"/>
+                </a:solidFill>
+                <a:latin typeface="Roboto"/>
+              </a:rPr>
+              <a:t>DOM-
+Manipulation</a:t>
+            </a:r>
+          </a:p>
+        </p:txBody>
+      </p:sp>
+      <p:sp>
+        <p:nvSpPr>
+          <p:cNvPr id="46" name="TextBox 45"/>
+          <p:cNvSpPr txBox="1"/>
+          <p:nvPr/>
+        </p:nvSpPr>
+        <p:spPr>
+          <a:xfrm>
+            <a:off x="5971667" y="4951807"/>
+            <a:ext cx="1394613" cy="184666"/>
+          </a:xfrm>
+          <a:prstGeom prst="rect">
+            <a:avLst/>
+          </a:prstGeom>
+          <a:noFill/>
+          <a:ln>
+            <a:noFill/>
+          </a:ln>
+        </p:spPr>
+        <p:txBody>
+          <a:bodyPr wrap="none" lIns="0" tIns="0" rIns="0" bIns="0" anchor="t">
+            <a:spAutoFit/>
+          </a:bodyPr>
+          <a:lstStyle/>
+          <a:p>
+            <a:pPr algn="ctr"/>
+            <a:r>
+              <a:rPr sz="1200">
+                <a:solidFill>
+                  <a:srgbClr val="F366BB"/>
+                </a:solidFill>
+                <a:latin typeface="Roboto"/>
+              </a:rPr>
+              <a:t>Formularvalidierung</a:t>
+            </a:r>
+          </a:p>
+        </p:txBody>
+      </p:sp>
+      <p:sp>
+        <p:nvSpPr>
+          <p:cNvPr id="47" name="TextBox 46"/>
+          <p:cNvSpPr txBox="1"/>
+          <p:nvPr/>
+        </p:nvSpPr>
+        <p:spPr>
+          <a:xfrm>
+            <a:off x="8456191" y="4951807"/>
+            <a:ext cx="1284005" cy="184666"/>
+          </a:xfrm>
+          <a:prstGeom prst="rect">
+            <a:avLst/>
+          </a:prstGeom>
+          <a:noFill/>
+          <a:ln>
+            <a:noFill/>
+          </a:ln>
+        </p:spPr>
+        <p:txBody>
+          <a:bodyPr wrap="none" lIns="0" tIns="0" rIns="0" bIns="0" anchor="t">
+            <a:spAutoFit/>
+          </a:bodyPr>
+          <a:lstStyle/>
+          <a:p>
+            <a:pPr algn="ctr"/>
+            <a:r>
+              <a:rPr sz="1200">
+                <a:solidFill>
+                  <a:srgbClr val="8769FD"/>
+                </a:solidFill>
+                <a:latin typeface="Roboto"/>
+              </a:rPr>
+              <a:t>Datenverarbeitung</a:t>
+            </a:r>
+          </a:p>
+        </p:txBody>
+      </p:sp>
+      <p:sp>
+        <p:nvSpPr>
+          <p:cNvPr id="48" name="TextBox 47"/>
+          <p:cNvSpPr txBox="1"/>
+          <p:nvPr/>
+        </p:nvSpPr>
+        <p:spPr>
+          <a:xfrm>
+            <a:off x="6197702" y="5246784"/>
+            <a:ext cx="942566" cy="276999"/>
+          </a:xfrm>
+          <a:prstGeom prst="rect">
+            <a:avLst/>
+          </a:prstGeom>
+          <a:noFill/>
+          <a:ln>
+            <a:noFill/>
+          </a:ln>
+        </p:spPr>
+        <p:txBody>
+          <a:bodyPr wrap="none" lIns="0" tIns="0" rIns="0" bIns="0" anchor="t">
+            <a:spAutoFit/>
+          </a:bodyPr>
+          <a:lstStyle/>
+          <a:p>
+            <a:pPr algn="ctr"/>
+            <a:r>
+              <a:rPr sz="900">
+                <a:solidFill>
+                  <a:srgbClr val="F4F4F4"/>
+                </a:solidFill>
+                <a:latin typeface="Roboto"/>
+              </a:rPr>
+              <a:t>Überprüfen von
+Benutzereingaben</a:t>
+            </a:r>
+          </a:p>
+        </p:txBody>
+      </p:sp>
+      <p:sp>
+        <p:nvSpPr>
+          <p:cNvPr id="49" name="TextBox 48"/>
+          <p:cNvSpPr txBox="1"/>
+          <p:nvPr/>
+        </p:nvSpPr>
+        <p:spPr>
+          <a:xfrm>
+            <a:off x="8521083" y="5246784"/>
+            <a:ext cx="1154162" cy="276999"/>
+          </a:xfrm>
+          <a:prstGeom prst="rect">
+            <a:avLst/>
+          </a:prstGeom>
+          <a:noFill/>
+          <a:ln>
+            <a:noFill/>
+          </a:ln>
+        </p:spPr>
+        <p:txBody>
+          <a:bodyPr wrap="none" lIns="0" tIns="0" rIns="0" bIns="0" anchor="t">
+            <a:spAutoFit/>
+          </a:bodyPr>
+          <a:lstStyle/>
+          <a:p>
+            <a:pPr algn="ctr"/>
+            <a:r>
+              <a:rPr sz="900">
+                <a:solidFill>
+                  <a:srgbClr val="F4F4F4"/>
+                </a:solidFill>
+                <a:latin typeface="Roboto"/>
+              </a:rPr>
+              <a:t>Berechnen und
+Verarbeiten von Daten</a:t>
+            </a:r>
+          </a:p>
+        </p:txBody>
+      </p:sp>
+      <p:sp>
+        <p:nvSpPr>
+          <p:cNvPr id="50" name="TextBox 49"/>
+          <p:cNvSpPr txBox="1"/>
+          <p:nvPr/>
+        </p:nvSpPr>
+        <p:spPr>
+          <a:xfrm>
+            <a:off x="7435526" y="2073926"/>
+            <a:ext cx="945772" cy="276999"/>
+          </a:xfrm>
+          <a:prstGeom prst="rect">
+            <a:avLst/>
+          </a:prstGeom>
+          <a:noFill/>
+          <a:ln>
+            <a:noFill/>
+          </a:ln>
+        </p:spPr>
+        <p:txBody>
+          <a:bodyPr wrap="none" lIns="0" tIns="0" rIns="0" bIns="0" anchor="t">
+            <a:spAutoFit/>
+          </a:bodyPr>
+          <a:lstStyle/>
+          <a:p>
+            <a:pPr algn="ctr"/>
+            <a:r>
+              <a:rPr sz="900">
+                <a:solidFill>
+                  <a:srgbClr val="F4F4F4"/>
+                </a:solidFill>
+                <a:latin typeface="Roboto"/>
+              </a:rPr>
+              <a:t>Erzeugen visueller
+Übergänge</a:t>
+            </a:r>
+          </a:p>
+        </p:txBody>
+      </p:sp>
+    </p:spTree>
+  </p:cSld>
+  <p:clrMapOvr>
+    <a:masterClrMapping/>
+  </p:clrMapOvr>
+</p:sld>
+</file>
+
 <file path=ppt/slides/slide2.xml><?xml version="1.0" encoding="utf-8"?>
 <p:sld xmlns:a="http://schemas.openxmlformats.org/drawingml/2006/main" xmlns:r="http://schemas.openxmlformats.org/officeDocument/2006/relationships" xmlns:p="http://schemas.openxmlformats.org/presentationml/2006/main">
   <p:cSld>
@@ -32626,8 +35052,8 @@
           </a:p>
         </p:txBody>
       </p:sp>
-      <mc:AlternateContent xmlns:mc="http://schemas.openxmlformats.org/markup-compatibility/2006">
-        <mc:Choice xmlns:p14="http://schemas.microsoft.com/office/powerpoint/2010/main" Requires="p14">
+      <mc:AlternateContent xmlns:mc="http://schemas.openxmlformats.org/markup-compatibility/2006" xmlns:p14="http://schemas.microsoft.com/office/powerpoint/2010/main">
+        <mc:Choice Requires="p14">
           <p:contentPart p14:bwMode="auto" r:id="rId3">
             <p14:nvContentPartPr>
               <p14:cNvPr id="7" name="Freihand 6">
@@ -32646,7 +35072,7 @@
             </p14:xfrm>
           </p:contentPart>
         </mc:Choice>
-        <mc:Fallback>
+        <mc:Fallback xmlns="">
           <p:pic>
             <p:nvPicPr>
               <p:cNvPr id="7" name="Freihand 6">
@@ -32677,8 +35103,8 @@
           </p:pic>
         </mc:Fallback>
       </mc:AlternateContent>
-      <mc:AlternateContent xmlns:mc="http://schemas.openxmlformats.org/markup-compatibility/2006">
-        <mc:Choice xmlns:p14="http://schemas.microsoft.com/office/powerpoint/2010/main" Requires="p14">
+      <mc:AlternateContent xmlns:mc="http://schemas.openxmlformats.org/markup-compatibility/2006" xmlns:p14="http://schemas.microsoft.com/office/powerpoint/2010/main">
+        <mc:Choice Requires="p14">
           <p:contentPart p14:bwMode="auto" r:id="rId5">
             <p14:nvContentPartPr>
               <p14:cNvPr id="10" name="Freihand 9">
@@ -32697,7 +35123,7 @@
             </p14:xfrm>
           </p:contentPart>
         </mc:Choice>
-        <mc:Fallback>
+        <mc:Fallback xmlns="">
           <p:pic>
             <p:nvPicPr>
               <p:cNvPr id="10" name="Freihand 9">
@@ -32728,8 +35154,8 @@
           </p:pic>
         </mc:Fallback>
       </mc:AlternateContent>
-      <mc:AlternateContent xmlns:mc="http://schemas.openxmlformats.org/markup-compatibility/2006">
-        <mc:Choice xmlns:p14="http://schemas.microsoft.com/office/powerpoint/2010/main" Requires="p14">
+      <mc:AlternateContent xmlns:mc="http://schemas.openxmlformats.org/markup-compatibility/2006" xmlns:p14="http://schemas.microsoft.com/office/powerpoint/2010/main">
+        <mc:Choice Requires="p14">
           <p:contentPart p14:bwMode="auto" r:id="rId7">
             <p14:nvContentPartPr>
               <p14:cNvPr id="11" name="Freihand 10">
@@ -32748,7 +35174,7 @@
             </p14:xfrm>
           </p:contentPart>
         </mc:Choice>
-        <mc:Fallback>
+        <mc:Fallback xmlns="">
           <p:pic>
             <p:nvPicPr>
               <p:cNvPr id="11" name="Freihand 10">
@@ -32779,8 +35205,8 @@
           </p:pic>
         </mc:Fallback>
       </mc:AlternateContent>
-      <mc:AlternateContent xmlns:mc="http://schemas.openxmlformats.org/markup-compatibility/2006">
-        <mc:Choice xmlns:p14="http://schemas.microsoft.com/office/powerpoint/2010/main" Requires="p14">
+      <mc:AlternateContent xmlns:mc="http://schemas.openxmlformats.org/markup-compatibility/2006" xmlns:p14="http://schemas.microsoft.com/office/powerpoint/2010/main">
+        <mc:Choice Requires="p14">
           <p:contentPart p14:bwMode="auto" r:id="rId9">
             <p14:nvContentPartPr>
               <p14:cNvPr id="12" name="Freihand 11">
@@ -32799,7 +35225,7 @@
             </p14:xfrm>
           </p:contentPart>
         </mc:Choice>
-        <mc:Fallback>
+        <mc:Fallback xmlns="">
           <p:pic>
             <p:nvPicPr>
               <p:cNvPr id="12" name="Freihand 11">
@@ -33747,6 +36173,35 @@
 </file>
 
 <file path=customXml/item1.xml><?xml version="1.0" encoding="utf-8"?>
+<p:properties xmlns:p="http://schemas.microsoft.com/office/2006/metadata/properties" xmlns:xsi="http://www.w3.org/2001/XMLSchema-instance" xmlns:pc="http://schemas.microsoft.com/office/infopath/2007/PartnerControls">
+  <documentManagement>
+    <_ip_UnifiedCompliancePolicyUIAction xmlns="http://schemas.microsoft.com/sharepoint/v3" xsi:nil="true"/>
+    <Image xmlns="71af3243-3dd4-4a8d-8c0d-dd76da1f02a5">
+      <Url xsi:nil="true"/>
+      <Description xsi:nil="true"/>
+    </Image>
+    <Status xmlns="71af3243-3dd4-4a8d-8c0d-dd76da1f02a5">Not started</Status>
+    <Background xmlns="71af3243-3dd4-4a8d-8c0d-dd76da1f02a5">false</Background>
+    <_ip_UnifiedCompliancePolicyProperties xmlns="http://schemas.microsoft.com/sharepoint/v3" xsi:nil="true"/>
+    <ImageTagsTaxHTField xmlns="71af3243-3dd4-4a8d-8c0d-dd76da1f02a5">
+      <Terms xmlns="http://schemas.microsoft.com/office/infopath/2007/PartnerControls"/>
+    </ImageTagsTaxHTField>
+    <TaxCatchAll xmlns="230e9df3-be65-4c73-a93b-d1236ebd677e" xsi:nil="true"/>
+    <MediaServiceKeyPoints xmlns="71af3243-3dd4-4a8d-8c0d-dd76da1f02a5" xsi:nil="true"/>
+  </documentManagement>
+</p:properties>
+</file>
+
+<file path=customXml/item2.xml><?xml version="1.0" encoding="utf-8"?>
+<?mso-contentType ?>
+<FormTemplates xmlns="http://schemas.microsoft.com/sharepoint/v3/contenttype/forms">
+  <Display>DocumentLibraryForm</Display>
+  <Edit>DocumentLibraryForm</Edit>
+  <New>DocumentLibraryForm</New>
+</FormTemplates>
+</file>
+
+<file path=customXml/item3.xml><?xml version="1.0" encoding="utf-8"?>
 <ct:contentTypeSchema xmlns:ct="http://schemas.microsoft.com/office/2006/metadata/contentType" xmlns:ma="http://schemas.microsoft.com/office/2006/metadata/properties/metaAttributes" ct:_="" ma:_="" ma:contentTypeName="Document" ma:contentTypeID="0x01010079F111ED35F8CC479449609E8A0923A6" ma:contentTypeVersion="28" ma:contentTypeDescription="Create a new document." ma:contentTypeScope="" ma:versionID="60f5a4f2d2b0abadcf532d48ebf9cb71">
   <xsd:schema xmlns:xsd="http://www.w3.org/2001/XMLSchema" xmlns:xs="http://www.w3.org/2001/XMLSchema" xmlns:p="http://schemas.microsoft.com/office/2006/metadata/properties" xmlns:ns1="http://schemas.microsoft.com/sharepoint/v3" xmlns:ns2="71af3243-3dd4-4a8d-8c0d-dd76da1f02a5" xmlns:ns3="16c05727-aa75-4e4a-9b5f-8a80a1165891" xmlns:ns4="230e9df3-be65-4c73-a93b-d1236ebd677e" targetNamespace="http://schemas.microsoft.com/office/2006/metadata/properties" ma:root="true" ma:fieldsID="7dd78129e6a1811f84807ad11c651531" ns1:_="" ns2:_="" ns3:_="" ns4:_="">
     <xsd:import namespace="http://schemas.microsoft.com/sharepoint/v3"/>
@@ -34058,36 +36513,27 @@
 </ct:contentTypeSchema>
 </file>
 
-<file path=customXml/item2.xml><?xml version="1.0" encoding="utf-8"?>
-<?mso-contentType ?>
-<FormTemplates xmlns="http://schemas.microsoft.com/sharepoint/v3/contenttype/forms">
-  <Display>DocumentLibraryForm</Display>
-  <Edit>DocumentLibraryForm</Edit>
-  <New>DocumentLibraryForm</New>
-</FormTemplates>
+<file path=customXml/itemProps1.xml><?xml version="1.0" encoding="utf-8"?>
+<ds:datastoreItem xmlns:ds="http://schemas.openxmlformats.org/officeDocument/2006/customXml" ds:itemID="{85DF9CEC-52C2-4D14-B2F5-11176002A8B6}">
+  <ds:schemaRefs>
+    <ds:schemaRef ds:uri="http://schemas.microsoft.com/office/2006/metadata/properties"/>
+    <ds:schemaRef ds:uri="http://schemas.microsoft.com/office/infopath/2007/PartnerControls"/>
+    <ds:schemaRef ds:uri="http://schemas.microsoft.com/sharepoint/v3"/>
+    <ds:schemaRef ds:uri="71af3243-3dd4-4a8d-8c0d-dd76da1f02a5"/>
+    <ds:schemaRef ds:uri="230e9df3-be65-4c73-a93b-d1236ebd677e"/>
+  </ds:schemaRefs>
+</ds:datastoreItem>
 </file>
 
-<file path=customXml/item3.xml><?xml version="1.0" encoding="utf-8"?>
-<p:properties xmlns:p="http://schemas.microsoft.com/office/2006/metadata/properties" xmlns:xsi="http://www.w3.org/2001/XMLSchema-instance" xmlns:pc="http://schemas.microsoft.com/office/infopath/2007/PartnerControls">
-  <documentManagement>
-    <_ip_UnifiedCompliancePolicyUIAction xmlns="http://schemas.microsoft.com/sharepoint/v3" xsi:nil="true"/>
-    <Image xmlns="71af3243-3dd4-4a8d-8c0d-dd76da1f02a5">
-      <Url xsi:nil="true"/>
-      <Description xsi:nil="true"/>
-    </Image>
-    <Status xmlns="71af3243-3dd4-4a8d-8c0d-dd76da1f02a5">Not started</Status>
-    <Background xmlns="71af3243-3dd4-4a8d-8c0d-dd76da1f02a5">false</Background>
-    <_ip_UnifiedCompliancePolicyProperties xmlns="http://schemas.microsoft.com/sharepoint/v3" xsi:nil="true"/>
-    <ImageTagsTaxHTField xmlns="71af3243-3dd4-4a8d-8c0d-dd76da1f02a5">
-      <Terms xmlns="http://schemas.microsoft.com/office/infopath/2007/PartnerControls"/>
-    </ImageTagsTaxHTField>
-    <TaxCatchAll xmlns="230e9df3-be65-4c73-a93b-d1236ebd677e" xsi:nil="true"/>
-    <MediaServiceKeyPoints xmlns="71af3243-3dd4-4a8d-8c0d-dd76da1f02a5" xsi:nil="true"/>
-  </documentManagement>
-</p:properties>
+<file path=customXml/itemProps2.xml><?xml version="1.0" encoding="utf-8"?>
+<ds:datastoreItem xmlns:ds="http://schemas.openxmlformats.org/officeDocument/2006/customXml" ds:itemID="{1249AD37-9510-4A2D-B790-12C439A83F93}">
+  <ds:schemaRefs>
+    <ds:schemaRef ds:uri="http://schemas.microsoft.com/sharepoint/v3/contenttype/forms"/>
+  </ds:schemaRefs>
+</ds:datastoreItem>
 </file>
 
-<file path=customXml/itemProps1.xml><?xml version="1.0" encoding="utf-8"?>
+<file path=customXml/itemProps3.xml><?xml version="1.0" encoding="utf-8"?>
 <ds:datastoreItem xmlns:ds="http://schemas.openxmlformats.org/officeDocument/2006/customXml" ds:itemID="{4D8B1D1D-0064-435C-8533-29A36067B8ED}">
   <ds:schemaRefs>
     <ds:schemaRef ds:uri="http://schemas.microsoft.com/office/2006/metadata/contentType"/>
@@ -34108,26 +36554,6 @@
 </ds:datastoreItem>
 </file>
 
-<file path=customXml/itemProps2.xml><?xml version="1.0" encoding="utf-8"?>
-<ds:datastoreItem xmlns:ds="http://schemas.openxmlformats.org/officeDocument/2006/customXml" ds:itemID="{1249AD37-9510-4A2D-B790-12C439A83F93}">
-  <ds:schemaRefs>
-    <ds:schemaRef ds:uri="http://schemas.microsoft.com/sharepoint/v3/contenttype/forms"/>
-  </ds:schemaRefs>
-</ds:datastoreItem>
-</file>
-
-<file path=customXml/itemProps3.xml><?xml version="1.0" encoding="utf-8"?>
-<ds:datastoreItem xmlns:ds="http://schemas.openxmlformats.org/officeDocument/2006/customXml" ds:itemID="{85DF9CEC-52C2-4D14-B2F5-11176002A8B6}">
-  <ds:schemaRefs>
-    <ds:schemaRef ds:uri="http://schemas.microsoft.com/office/2006/metadata/properties"/>
-    <ds:schemaRef ds:uri="http://schemas.microsoft.com/office/infopath/2007/PartnerControls"/>
-    <ds:schemaRef ds:uri="http://schemas.microsoft.com/sharepoint/v3"/>
-    <ds:schemaRef ds:uri="71af3243-3dd4-4a8d-8c0d-dd76da1f02a5"/>
-    <ds:schemaRef ds:uri="230e9df3-be65-4c73-a93b-d1236ebd677e"/>
-  </ds:schemaRefs>
-</ds:datastoreItem>
-</file>
-
 <file path=docMetadata/LabelInfo.xml><?xml version="1.0" encoding="utf-8"?>
 <clbl:labelList xmlns:clbl="http://schemas.microsoft.com/office/2020/mipLabelMetadata"/>
 </file>